--- a/de.htwg.se.mastermind/Presentation.pptx
+++ b/de.htwg.se.mastermind/Presentation.pptx
@@ -5,7 +5,7 @@
     <p:sldMasterId id="2147483910" r:id="rId1"/>
   </p:sldMasterIdLst>
   <p:notesMasterIdLst>
-    <p:notesMasterId r:id="rId10"/>
+    <p:notesMasterId r:id="rId13"/>
   </p:notesMasterIdLst>
   <p:sldIdLst>
     <p:sldId id="256" r:id="rId2"/>
@@ -13,9 +13,12 @@
     <p:sldId id="258" r:id="rId4"/>
     <p:sldId id="260" r:id="rId5"/>
     <p:sldId id="261" r:id="rId6"/>
-    <p:sldId id="262" r:id="rId7"/>
-    <p:sldId id="263" r:id="rId8"/>
-    <p:sldId id="259" r:id="rId9"/>
+    <p:sldId id="263" r:id="rId7"/>
+    <p:sldId id="266" r:id="rId8"/>
+    <p:sldId id="265" r:id="rId9"/>
+    <p:sldId id="267" r:id="rId10"/>
+    <p:sldId id="268" r:id="rId11"/>
+    <p:sldId id="259" r:id="rId12"/>
   </p:sldIdLst>
   <p:sldSz cx="9144000" cy="6858000" type="screen4x3"/>
   <p:notesSz cx="6858000" cy="9144000"/>
@@ -116,7 +119,7 @@
   </p:defaultTextStyle>
   <p:extLst>
     <p:ext uri="{EFAFB233-063F-42B5-8137-9DF3F51BA10A}">
-      <p15:sldGuideLst xmlns:p15="http://schemas.microsoft.com/office/powerpoint/2012/main" xmlns=""/>
+      <p15:sldGuideLst xmlns="" xmlns:p15="http://schemas.microsoft.com/office/powerpoint/2012/main"/>
     </p:ext>
   </p:extLst>
 </p:presentation>
@@ -205,7 +208,7 @@
             <a:fld id="{F54E8837-5039-41ED-B9BC-F738B3360D64}" type="datetimeFigureOut">
               <a:rPr lang="de-DE"/>
               <a:pPr/>
-              <a:t>01.06.2015</a:t>
+              <a:t>10.06.2015</a:t>
             </a:fld>
             <a:endParaRPr lang="de-DE"/>
           </a:p>
@@ -373,7 +376,7 @@
     </p:spTree>
     <p:extLst>
       <p:ext uri="{BB962C8B-B14F-4D97-AF65-F5344CB8AC3E}">
-        <p14:creationId xmlns:p14="http://schemas.microsoft.com/office/powerpoint/2010/main" xmlns="" val="2518394835"/>
+        <p14:creationId xmlns="" xmlns:p14="http://schemas.microsoft.com/office/powerpoint/2010/main" val="2518394835"/>
       </p:ext>
     </p:extLst>
   </p:cSld>
@@ -553,7 +556,7 @@
     </p:spTree>
     <p:extLst>
       <p:ext uri="{BB962C8B-B14F-4D97-AF65-F5344CB8AC3E}">
-        <p14:creationId xmlns:p14="http://schemas.microsoft.com/office/powerpoint/2010/main" xmlns="" val="1482335734"/>
+        <p14:creationId xmlns="" xmlns:p14="http://schemas.microsoft.com/office/powerpoint/2010/main" val="1482335734"/>
       </p:ext>
     </p:extLst>
   </p:cSld>
@@ -789,7 +792,8 @@
           <a:p>
             <a:fld id="{0D4B5BC9-8E77-47C1-BB89-20F126E111F0}" type="datetime1">
               <a:rPr lang="de-DE" smtClean="0"/>
-              <a:t>01.06.2015</a:t>
+              <a:pPr/>
+              <a:t>10.06.2015</a:t>
             </a:fld>
             <a:endParaRPr lang="en-US" dirty="0"/>
           </a:p>
@@ -883,7 +887,7 @@
     </p:spTree>
     <p:extLst>
       <p:ext uri="{BB962C8B-B14F-4D97-AF65-F5344CB8AC3E}">
-        <p14:creationId xmlns:p14="http://schemas.microsoft.com/office/powerpoint/2010/main" xmlns="" val="1403014083"/>
+        <p14:creationId xmlns="" xmlns:p14="http://schemas.microsoft.com/office/powerpoint/2010/main" val="1403014083"/>
       </p:ext>
     </p:extLst>
   </p:cSld>
@@ -1002,7 +1006,8 @@
           <a:p>
             <a:fld id="{A2845164-0F48-4D58-B7D4-F4224632171D}" type="datetime1">
               <a:rPr lang="de-DE" smtClean="0"/>
-              <a:t>01.06.2015</a:t>
+              <a:pPr/>
+              <a:t>10.06.2015</a:t>
             </a:fld>
             <a:endParaRPr lang="en-US" dirty="0"/>
           </a:p>
@@ -1058,7 +1063,7 @@
     </p:spTree>
     <p:extLst>
       <p:ext uri="{BB962C8B-B14F-4D97-AF65-F5344CB8AC3E}">
-        <p14:creationId xmlns:p14="http://schemas.microsoft.com/office/powerpoint/2010/main" xmlns="" val="2837294888"/>
+        <p14:creationId xmlns="" xmlns:p14="http://schemas.microsoft.com/office/powerpoint/2010/main" val="2837294888"/>
       </p:ext>
     </p:extLst>
   </p:cSld>
@@ -1263,7 +1268,8 @@
           <a:p>
             <a:fld id="{8EF85F82-E37F-4540-9E40-2E79E2DC6ADE}" type="datetime1">
               <a:rPr lang="de-DE" smtClean="0"/>
-              <a:t>01.06.2015</a:t>
+              <a:pPr/>
+              <a:t>10.06.2015</a:t>
             </a:fld>
             <a:endParaRPr lang="en-US" dirty="0"/>
           </a:p>
@@ -1319,7 +1325,7 @@
     </p:spTree>
     <p:extLst>
       <p:ext uri="{BB962C8B-B14F-4D97-AF65-F5344CB8AC3E}">
-        <p14:creationId xmlns:p14="http://schemas.microsoft.com/office/powerpoint/2010/main" xmlns="" val="2799996821"/>
+        <p14:creationId xmlns="" xmlns:p14="http://schemas.microsoft.com/office/powerpoint/2010/main" val="2799996821"/>
       </p:ext>
     </p:extLst>
   </p:cSld>
@@ -1438,7 +1444,8 @@
           <a:p>
             <a:fld id="{2DDC997A-E1DE-4642-AA4B-BD3883EA8A23}" type="datetime1">
               <a:rPr lang="de-DE" smtClean="0"/>
-              <a:t>01.06.2015</a:t>
+              <a:pPr/>
+              <a:t>10.06.2015</a:t>
             </a:fld>
             <a:endParaRPr lang="en-US" dirty="0"/>
           </a:p>
@@ -1494,7 +1501,7 @@
     </p:spTree>
     <p:extLst>
       <p:ext uri="{BB962C8B-B14F-4D97-AF65-F5344CB8AC3E}">
-        <p14:creationId xmlns:p14="http://schemas.microsoft.com/office/powerpoint/2010/main" xmlns="" val="3355165293"/>
+        <p14:creationId xmlns="" xmlns:p14="http://schemas.microsoft.com/office/powerpoint/2010/main" val="3355165293"/>
       </p:ext>
     </p:extLst>
   </p:cSld>
@@ -1786,7 +1793,8 @@
           <a:p>
             <a:fld id="{141039BF-75AD-47B6-B2FE-BB857E5D9596}" type="datetime1">
               <a:rPr lang="de-DE" smtClean="0"/>
-              <a:t>01.06.2015</a:t>
+              <a:pPr/>
+              <a:t>10.06.2015</a:t>
             </a:fld>
             <a:endParaRPr lang="en-US" dirty="0"/>
           </a:p>
@@ -1880,7 +1888,7 @@
     </p:spTree>
     <p:extLst>
       <p:ext uri="{BB962C8B-B14F-4D97-AF65-F5344CB8AC3E}">
-        <p14:creationId xmlns:p14="http://schemas.microsoft.com/office/powerpoint/2010/main" xmlns="" val="2624436341"/>
+        <p14:creationId xmlns="" xmlns:p14="http://schemas.microsoft.com/office/powerpoint/2010/main" val="2624436341"/>
       </p:ext>
     </p:extLst>
   </p:cSld>
@@ -2066,7 +2074,8 @@
           <a:p>
             <a:fld id="{B15BAFC3-9A23-4666-959E-5E36FCD086E7}" type="datetime1">
               <a:rPr lang="de-DE" smtClean="0"/>
-              <a:t>01.06.2015</a:t>
+              <a:pPr/>
+              <a:t>10.06.2015</a:t>
             </a:fld>
             <a:endParaRPr lang="en-US" dirty="0"/>
           </a:p>
@@ -2122,7 +2131,7 @@
     </p:spTree>
     <p:extLst>
       <p:ext uri="{BB962C8B-B14F-4D97-AF65-F5344CB8AC3E}">
-        <p14:creationId xmlns:p14="http://schemas.microsoft.com/office/powerpoint/2010/main" xmlns="" val="3951225455"/>
+        <p14:creationId xmlns="" xmlns:p14="http://schemas.microsoft.com/office/powerpoint/2010/main" val="3951225455"/>
       </p:ext>
     </p:extLst>
   </p:cSld>
@@ -2450,7 +2459,8 @@
           <a:p>
             <a:fld id="{7B1B55BF-9CD9-4994-BA1F-02E2FBCEB918}" type="datetime1">
               <a:rPr lang="de-DE" smtClean="0"/>
-              <a:t>01.06.2015</a:t>
+              <a:pPr/>
+              <a:t>10.06.2015</a:t>
             </a:fld>
             <a:endParaRPr lang="en-US" dirty="0"/>
           </a:p>
@@ -2506,7 +2516,7 @@
     </p:spTree>
     <p:extLst>
       <p:ext uri="{BB962C8B-B14F-4D97-AF65-F5344CB8AC3E}">
-        <p14:creationId xmlns:p14="http://schemas.microsoft.com/office/powerpoint/2010/main" xmlns="" val="2296925755"/>
+        <p14:creationId xmlns="" xmlns:p14="http://schemas.microsoft.com/office/powerpoint/2010/main" val="2296925755"/>
       </p:ext>
     </p:extLst>
   </p:cSld>
@@ -2573,7 +2583,8 @@
           <a:p>
             <a:fld id="{62E82DC3-09E8-4BD8-8ECB-4DF739DA760C}" type="datetime1">
               <a:rPr lang="de-DE" smtClean="0"/>
-              <a:t>01.06.2015</a:t>
+              <a:pPr/>
+              <a:t>10.06.2015</a:t>
             </a:fld>
             <a:endParaRPr lang="en-US" dirty="0"/>
           </a:p>
@@ -2629,7 +2640,7 @@
     </p:spTree>
     <p:extLst>
       <p:ext uri="{BB962C8B-B14F-4D97-AF65-F5344CB8AC3E}">
-        <p14:creationId xmlns:p14="http://schemas.microsoft.com/office/powerpoint/2010/main" xmlns="" val="856258981"/>
+        <p14:creationId xmlns="" xmlns:p14="http://schemas.microsoft.com/office/powerpoint/2010/main" val="856258981"/>
       </p:ext>
     </p:extLst>
   </p:cSld>
@@ -2749,7 +2760,8 @@
           <a:p>
             <a:fld id="{C73792DA-8F94-40B7-AFAB-167201D2BB07}" type="datetime1">
               <a:rPr lang="de-DE" smtClean="0"/>
-              <a:t>01.06.2015</a:t>
+              <a:pPr/>
+              <a:t>10.06.2015</a:t>
             </a:fld>
             <a:endParaRPr lang="en-US" dirty="0"/>
           </a:p>
@@ -2813,7 +2825,7 @@
     </p:spTree>
     <p:extLst>
       <p:ext uri="{BB962C8B-B14F-4D97-AF65-F5344CB8AC3E}">
-        <p14:creationId xmlns:p14="http://schemas.microsoft.com/office/powerpoint/2010/main" xmlns="" val="1257413516"/>
+        <p14:creationId xmlns="" xmlns:p14="http://schemas.microsoft.com/office/powerpoint/2010/main" val="1257413516"/>
       </p:ext>
     </p:extLst>
   </p:cSld>
@@ -3108,7 +3120,8 @@
           <a:p>
             <a:fld id="{71D88CAB-D144-4121-B0BA-48F74F2AA981}" type="datetime1">
               <a:rPr lang="de-DE" smtClean="0"/>
-              <a:t>01.06.2015</a:t>
+              <a:pPr/>
+              <a:t>10.06.2015</a:t>
             </a:fld>
             <a:endParaRPr lang="en-US" dirty="0"/>
           </a:p>
@@ -3185,7 +3198,7 @@
     </p:spTree>
     <p:extLst>
       <p:ext uri="{BB962C8B-B14F-4D97-AF65-F5344CB8AC3E}">
-        <p14:creationId xmlns:p14="http://schemas.microsoft.com/office/powerpoint/2010/main" xmlns="" val="112923765"/>
+        <p14:creationId xmlns="" xmlns:p14="http://schemas.microsoft.com/office/powerpoint/2010/main" val="112923765"/>
       </p:ext>
     </p:extLst>
   </p:cSld>
@@ -3490,7 +3503,8 @@
           <a:p>
             <a:fld id="{E19CC5BD-B0D2-499F-8B44-F84F9D4B93DC}" type="datetime1">
               <a:rPr lang="de-DE" smtClean="0"/>
-              <a:t>01.06.2015</a:t>
+              <a:pPr/>
+              <a:t>10.06.2015</a:t>
             </a:fld>
             <a:endParaRPr lang="en-US" dirty="0"/>
           </a:p>
@@ -3546,7 +3560,7 @@
     </p:spTree>
     <p:extLst>
       <p:ext uri="{BB962C8B-B14F-4D97-AF65-F5344CB8AC3E}">
-        <p14:creationId xmlns:p14="http://schemas.microsoft.com/office/powerpoint/2010/main" xmlns="" val="3348260142"/>
+        <p14:creationId xmlns="" xmlns:p14="http://schemas.microsoft.com/office/powerpoint/2010/main" val="3348260142"/>
       </p:ext>
     </p:extLst>
   </p:cSld>
@@ -3782,7 +3796,8 @@
           <a:p>
             <a:fld id="{87470D16-1792-4024-B1D2-A0A5F9C1C36F}" type="datetime1">
               <a:rPr lang="de-DE" smtClean="0"/>
-              <a:t>01.06.2015</a:t>
+              <a:pPr/>
+              <a:t>10.06.2015</a:t>
             </a:fld>
             <a:endParaRPr lang="en-US" dirty="0"/>
           </a:p>
@@ -3908,7 +3923,7 @@
     </p:spTree>
     <p:extLst>
       <p:ext uri="{BB962C8B-B14F-4D97-AF65-F5344CB8AC3E}">
-        <p14:creationId xmlns:p14="http://schemas.microsoft.com/office/powerpoint/2010/main" xmlns="" val="1039846697"/>
+        <p14:creationId xmlns="" xmlns:p14="http://schemas.microsoft.com/office/powerpoint/2010/main" val="1039846697"/>
       </p:ext>
     </p:extLst>
   </p:cSld>
@@ -4366,15 +4381,7 @@
             </a:r>
             <a:r>
               <a:rPr lang="de-DE" sz="2700" b="1" cap="none" dirty="0" smtClean="0"/>
-              <a:t> und </a:t>
-            </a:r>
-            <a:r>
-              <a:rPr lang="de-DE" sz="2700" b="1" cap="none" dirty="0" smtClean="0"/>
-              <a:t>A</a:t>
-            </a:r>
-            <a:r>
-              <a:rPr lang="de-DE" sz="2700" b="1" cap="none" dirty="0" smtClean="0"/>
-              <a:t>ndreas Maier</a:t>
+              <a:t> und Andreas Maier</a:t>
             </a:r>
             <a:endParaRPr lang="de-DE" sz="2700" b="1" cap="none" dirty="0"/>
           </a:p>
@@ -4403,21 +4410,302 @@
           <a:prstGeom prst="rect">
             <a:avLst/>
           </a:prstGeom>
-          <a:noFill/>
-          <a:ln w="9525">
+          <a:ln>
             <a:noFill/>
-            <a:miter lim="800000"/>
-            <a:headEnd/>
-            <a:tailEnd/>
           </a:ln>
+          <a:effectLst>
+            <a:outerShdw blurRad="292100" dist="139700" dir="2700000" algn="tl" rotWithShape="0">
+              <a:srgbClr val="333333">
+                <a:alpha val="65000"/>
+              </a:srgbClr>
+            </a:outerShdw>
+          </a:effectLst>
         </p:spPr>
       </p:pic>
     </p:spTree>
     <p:extLst>
       <p:ext uri="{BB962C8B-B14F-4D97-AF65-F5344CB8AC3E}">
-        <p14:creationId xmlns:p14="http://schemas.microsoft.com/office/powerpoint/2010/main" xmlns="" val="4100527049"/>
+        <p14:creationId xmlns="" xmlns:p14="http://schemas.microsoft.com/office/powerpoint/2010/main" val="4100527049"/>
       </p:ext>
     </p:extLst>
+  </p:cSld>
+  <p:clrMapOvr>
+    <a:masterClrMapping/>
+  </p:clrMapOvr>
+  <p:timing>
+    <p:tnLst>
+      <p:par>
+        <p:cTn id="1" dur="indefinite" restart="never" nodeType="tmRoot"/>
+      </p:par>
+    </p:tnLst>
+  </p:timing>
+</p:sld>
+</file>
+
+<file path=ppt/slides/slide10.xml><?xml version="1.0" encoding="utf-8"?>
+<p:sld xmlns:a="http://schemas.openxmlformats.org/drawingml/2006/main" xmlns:r="http://schemas.openxmlformats.org/officeDocument/2006/relationships" xmlns:p="http://schemas.openxmlformats.org/presentationml/2006/main">
+  <p:cSld>
+    <p:spTree>
+      <p:nvGrpSpPr>
+        <p:cNvPr id="1" name=""/>
+        <p:cNvGrpSpPr/>
+        <p:nvPr/>
+      </p:nvGrpSpPr>
+      <p:grpSpPr>
+        <a:xfrm>
+          <a:off x="0" y="0"/>
+          <a:ext cx="0" cy="0"/>
+          <a:chOff x="0" y="0"/>
+          <a:chExt cx="0" cy="0"/>
+        </a:xfrm>
+      </p:grpSpPr>
+      <p:sp>
+        <p:nvSpPr>
+          <p:cNvPr id="2" name="Titel 1"/>
+          <p:cNvSpPr>
+            <a:spLocks noGrp="1"/>
+          </p:cNvSpPr>
+          <p:nvPr>
+            <p:ph type="title"/>
+          </p:nvPr>
+        </p:nvSpPr>
+        <p:spPr>
+          <a:xfrm>
+            <a:off x="822959" y="286604"/>
+            <a:ext cx="5422857" cy="1450757"/>
+          </a:xfrm>
+        </p:spPr>
+        <p:txBody>
+          <a:bodyPr/>
+          <a:lstStyle/>
+          <a:p>
+            <a:r>
+              <a:rPr lang="de-DE" b="1" dirty="0" smtClean="0"/>
+              <a:t>Nebenläufigkeit</a:t>
+            </a:r>
+            <a:endParaRPr lang="de-DE" b="1" dirty="0"/>
+          </a:p>
+        </p:txBody>
+      </p:sp>
+      <p:sp>
+        <p:nvSpPr>
+          <p:cNvPr id="7" name="Datumsplatzhalter 6"/>
+          <p:cNvSpPr>
+            <a:spLocks noGrp="1"/>
+          </p:cNvSpPr>
+          <p:nvPr>
+            <p:ph type="dt" sz="half" idx="10"/>
+          </p:nvPr>
+        </p:nvSpPr>
+        <p:spPr/>
+        <p:txBody>
+          <a:bodyPr/>
+          <a:lstStyle/>
+          <a:p>
+            <a:fld id="{EEF01910-E735-476D-980E-B979AA991A9A}" type="datetime1">
+              <a:rPr lang="de-DE" smtClean="0"/>
+              <a:pPr/>
+              <a:t>10.06.2015</a:t>
+            </a:fld>
+            <a:endParaRPr lang="en-US" dirty="0"/>
+          </a:p>
+        </p:txBody>
+      </p:sp>
+      <p:sp>
+        <p:nvSpPr>
+          <p:cNvPr id="8" name="Foliennummernplatzhalter 7"/>
+          <p:cNvSpPr>
+            <a:spLocks noGrp="1"/>
+          </p:cNvSpPr>
+          <p:nvPr>
+            <p:ph type="sldNum" sz="quarter" idx="12"/>
+          </p:nvPr>
+        </p:nvSpPr>
+        <p:spPr/>
+        <p:txBody>
+          <a:bodyPr/>
+          <a:lstStyle/>
+          <a:p>
+            <a:fld id="{4FAB73BC-B049-4115-A692-8D63A059BFB8}" type="slidenum">
+              <a:rPr lang="en-US" smtClean="0"/>
+              <a:pPr/>
+              <a:t>10</a:t>
+            </a:fld>
+            <a:endParaRPr lang="en-US" dirty="0"/>
+          </a:p>
+        </p:txBody>
+      </p:sp>
+      <p:sp>
+        <p:nvSpPr>
+          <p:cNvPr id="9" name="Fußzeilenplatzhalter 8"/>
+          <p:cNvSpPr>
+            <a:spLocks noGrp="1"/>
+          </p:cNvSpPr>
+          <p:nvPr>
+            <p:ph type="ftr" sz="quarter" idx="11"/>
+          </p:nvPr>
+        </p:nvSpPr>
+        <p:spPr/>
+        <p:txBody>
+          <a:bodyPr/>
+          <a:lstStyle/>
+          <a:p>
+            <a:r>
+              <a:rPr lang="en-US" smtClean="0"/>
+              <a:t>Software Architektur Präsentation - SS2015</a:t>
+            </a:r>
+            <a:endParaRPr lang="en-US" dirty="0"/>
+          </a:p>
+        </p:txBody>
+      </p:sp>
+    </p:spTree>
+  </p:cSld>
+  <p:clrMapOvr>
+    <a:masterClrMapping/>
+  </p:clrMapOvr>
+  <p:timing>
+    <p:tnLst>
+      <p:par>
+        <p:cTn id="1" dur="indefinite" restart="never" nodeType="tmRoot"/>
+      </p:par>
+    </p:tnLst>
+  </p:timing>
+</p:sld>
+</file>
+
+<file path=ppt/slides/slide11.xml><?xml version="1.0" encoding="utf-8"?>
+<p:sld xmlns:a="http://schemas.openxmlformats.org/drawingml/2006/main" xmlns:r="http://schemas.openxmlformats.org/officeDocument/2006/relationships" xmlns:p="http://schemas.openxmlformats.org/presentationml/2006/main">
+  <p:cSld>
+    <p:spTree>
+      <p:nvGrpSpPr>
+        <p:cNvPr id="1" name=""/>
+        <p:cNvGrpSpPr/>
+        <p:nvPr/>
+      </p:nvGrpSpPr>
+      <p:grpSpPr>
+        <a:xfrm>
+          <a:off x="0" y="0"/>
+          <a:ext cx="0" cy="0"/>
+          <a:chOff x="0" y="0"/>
+          <a:chExt cx="0" cy="0"/>
+        </a:xfrm>
+      </p:grpSpPr>
+      <p:sp>
+        <p:nvSpPr>
+          <p:cNvPr id="2" name="Titel 1"/>
+          <p:cNvSpPr>
+            <a:spLocks noGrp="1"/>
+          </p:cNvSpPr>
+          <p:nvPr>
+            <p:ph type="title"/>
+          </p:nvPr>
+        </p:nvSpPr>
+        <p:spPr/>
+        <p:txBody>
+          <a:bodyPr>
+            <a:normAutofit/>
+          </a:bodyPr>
+          <a:lstStyle/>
+          <a:p>
+            <a:r>
+              <a:rPr lang="de-DE" sz="5400" b="1" dirty="0" smtClean="0"/>
+              <a:t>Vielen Dank für Ihre Aufmerksamkeit</a:t>
+            </a:r>
+            <a:endParaRPr lang="de-DE" sz="5400" b="1" dirty="0"/>
+          </a:p>
+        </p:txBody>
+      </p:sp>
+      <p:sp>
+        <p:nvSpPr>
+          <p:cNvPr id="3" name="Textplatzhalter 2"/>
+          <p:cNvSpPr>
+            <a:spLocks noGrp="1"/>
+          </p:cNvSpPr>
+          <p:nvPr>
+            <p:ph type="body" idx="1"/>
+          </p:nvPr>
+        </p:nvSpPr>
+        <p:spPr/>
+        <p:txBody>
+          <a:bodyPr/>
+          <a:lstStyle/>
+          <a:p>
+            <a:endParaRPr lang="de-DE" dirty="0"/>
+          </a:p>
+        </p:txBody>
+      </p:sp>
+      <p:sp>
+        <p:nvSpPr>
+          <p:cNvPr id="5" name="Datumsplatzhalter 4"/>
+          <p:cNvSpPr>
+            <a:spLocks noGrp="1"/>
+          </p:cNvSpPr>
+          <p:nvPr>
+            <p:ph type="dt" sz="half" idx="10"/>
+          </p:nvPr>
+        </p:nvSpPr>
+        <p:spPr/>
+        <p:txBody>
+          <a:bodyPr/>
+          <a:lstStyle/>
+          <a:p>
+            <a:fld id="{14D1886A-1E1A-4BBA-8E28-CE7DA8C564DE}" type="datetime1">
+              <a:rPr lang="de-DE" smtClean="0"/>
+              <a:pPr/>
+              <a:t>10.06.2015</a:t>
+            </a:fld>
+            <a:endParaRPr lang="en-US" dirty="0"/>
+          </a:p>
+        </p:txBody>
+      </p:sp>
+      <p:sp>
+        <p:nvSpPr>
+          <p:cNvPr id="6" name="Foliennummernplatzhalter 5"/>
+          <p:cNvSpPr>
+            <a:spLocks noGrp="1"/>
+          </p:cNvSpPr>
+          <p:nvPr>
+            <p:ph type="sldNum" sz="quarter" idx="12"/>
+          </p:nvPr>
+        </p:nvSpPr>
+        <p:spPr/>
+        <p:txBody>
+          <a:bodyPr/>
+          <a:lstStyle/>
+          <a:p>
+            <a:fld id="{4FAB73BC-B049-4115-A692-8D63A059BFB8}" type="slidenum">
+              <a:rPr lang="en-US" smtClean="0"/>
+              <a:pPr/>
+              <a:t>11</a:t>
+            </a:fld>
+            <a:endParaRPr lang="en-US" dirty="0"/>
+          </a:p>
+        </p:txBody>
+      </p:sp>
+      <p:sp>
+        <p:nvSpPr>
+          <p:cNvPr id="7" name="Fußzeilenplatzhalter 6"/>
+          <p:cNvSpPr>
+            <a:spLocks noGrp="1"/>
+          </p:cNvSpPr>
+          <p:nvPr>
+            <p:ph type="ftr" sz="quarter" idx="11"/>
+          </p:nvPr>
+        </p:nvSpPr>
+        <p:spPr/>
+        <p:txBody>
+          <a:bodyPr/>
+          <a:lstStyle/>
+          <a:p>
+            <a:r>
+              <a:rPr lang="en-US" smtClean="0"/>
+              <a:t>Software Architektur Präsentation - SS2015</a:t>
+            </a:r>
+            <a:endParaRPr lang="en-US" dirty="0"/>
+          </a:p>
+        </p:txBody>
+      </p:sp>
+    </p:spTree>
   </p:cSld>
   <p:clrMapOvr>
     <a:masterClrMapping/>
@@ -4516,8 +4804,9 @@
             </a:pPr>
             <a:r>
               <a:rPr lang="de-DE" sz="3200" dirty="0" smtClean="0"/>
-              <a:t>Die Umsetzung</a:t>
-            </a:r>
+              <a:t>Views</a:t>
+            </a:r>
+            <a:endParaRPr lang="de-DE" sz="3200" dirty="0" smtClean="0"/>
           </a:p>
           <a:p>
             <a:pPr marL="531813" lvl="1" indent="-354013">
@@ -4529,8 +4818,9 @@
             </a:pPr>
             <a:r>
               <a:rPr lang="de-DE" sz="3200" dirty="0" smtClean="0"/>
-              <a:t>Tätigkeiten</a:t>
-            </a:r>
+              <a:t>TO-DOs</a:t>
+            </a:r>
+            <a:endParaRPr lang="de-DE" sz="3200" dirty="0" smtClean="0"/>
           </a:p>
           <a:p>
             <a:pPr marL="898525" lvl="2" indent="-363538">
@@ -4613,7 +4903,8 @@
           <a:p>
             <a:fld id="{63BA7107-135F-4272-B660-DC5C627C7572}" type="datetime1">
               <a:rPr lang="de-DE" smtClean="0"/>
-              <a:t>01.06.2015</a:t>
+              <a:pPr/>
+              <a:t>10.06.2015</a:t>
             </a:fld>
             <a:endParaRPr lang="en-US" dirty="0"/>
           </a:p>
@@ -4845,7 +5136,8 @@
           <a:p>
             <a:fld id="{5BBF3383-53D5-432D-AF13-3F33FADF3634}" type="datetime1">
               <a:rPr lang="de-DE" smtClean="0"/>
-              <a:t>01.06.2015</a:t>
+              <a:pPr/>
+              <a:t>10.06.2015</a:t>
             </a:fld>
             <a:endParaRPr lang="en-US" dirty="0"/>
           </a:p>
@@ -5035,18 +5327,21 @@
         <p:spPr bwMode="auto">
           <a:xfrm>
             <a:off x="5965371" y="1792761"/>
-            <a:ext cx="2641600" cy="4460852"/>
+            <a:ext cx="2545207" cy="4298073"/>
           </a:xfrm>
           <a:prstGeom prst="rect">
             <a:avLst/>
           </a:prstGeom>
-          <a:noFill/>
-          <a:ln w="9525">
+          <a:ln>
             <a:noFill/>
-            <a:miter lim="800000"/>
-            <a:headEnd/>
-            <a:tailEnd/>
           </a:ln>
+          <a:effectLst>
+            <a:outerShdw blurRad="292100" dist="139700" dir="2700000" algn="tl" rotWithShape="0">
+              <a:srgbClr val="333333">
+                <a:alpha val="65000"/>
+              </a:srgbClr>
+            </a:outerShdw>
+          </a:effectLst>
         </p:spPr>
       </p:pic>
       <p:sp>
@@ -5066,7 +5361,8 @@
           <a:p>
             <a:fld id="{D8E9E448-2B95-4BAB-A070-BBA0EF87464D}" type="datetime1">
               <a:rPr lang="de-DE" smtClean="0"/>
-              <a:t>01.06.2015</a:t>
+              <a:pPr/>
+              <a:t>10.06.2015</a:t>
             </a:fld>
             <a:endParaRPr lang="en-US" dirty="0"/>
           </a:p>
@@ -5173,7 +5469,7 @@
           <a:p>
             <a:r>
               <a:rPr lang="de-DE" b="1" dirty="0" smtClean="0"/>
-              <a:t>Die Umsetzung</a:t>
+              <a:t>Views</a:t>
             </a:r>
             <a:endParaRPr lang="de-DE" b="1" dirty="0"/>
           </a:p>
@@ -5215,7 +5511,8 @@
           <a:p>
             <a:fld id="{EEF01910-E735-476D-980E-B979AA991A9A}" type="datetime1">
               <a:rPr lang="de-DE" smtClean="0"/>
-              <a:t>01.06.2015</a:t>
+              <a:pPr/>
+              <a:t>10.06.2015</a:t>
             </a:fld>
             <a:endParaRPr lang="en-US" dirty="0"/>
           </a:p>
@@ -5285,19 +5582,22 @@
         </p:blipFill>
         <p:spPr bwMode="auto">
           <a:xfrm>
-            <a:off x="5297100" y="1776218"/>
-            <a:ext cx="2278743" cy="2072035"/>
+            <a:off x="5297101" y="1776218"/>
+            <a:ext cx="2137248" cy="1943375"/>
           </a:xfrm>
           <a:prstGeom prst="rect">
             <a:avLst/>
           </a:prstGeom>
-          <a:noFill/>
-          <a:ln w="9525">
+          <a:ln>
             <a:noFill/>
-            <a:miter lim="800000"/>
-            <a:headEnd/>
-            <a:tailEnd/>
           </a:ln>
+          <a:effectLst>
+            <a:outerShdw blurRad="292100" dist="139700" dir="2700000" algn="tl" rotWithShape="0">
+              <a:srgbClr val="333333">
+                <a:alpha val="65000"/>
+              </a:srgbClr>
+            </a:outerShdw>
+          </a:effectLst>
         </p:spPr>
       </p:pic>
       <p:pic>
@@ -5323,13 +5623,16 @@
           <a:prstGeom prst="rect">
             <a:avLst/>
           </a:prstGeom>
-          <a:noFill/>
-          <a:ln w="9525">
+          <a:ln>
             <a:noFill/>
-            <a:miter lim="800000"/>
-            <a:headEnd/>
-            <a:tailEnd/>
           </a:ln>
+          <a:effectLst>
+            <a:outerShdw blurRad="292100" dist="139700" dir="2700000" algn="tl" rotWithShape="0">
+              <a:srgbClr val="333333">
+                <a:alpha val="65000"/>
+              </a:srgbClr>
+            </a:outerShdw>
+          </a:effectLst>
         </p:spPr>
       </p:pic>
       <p:pic>
@@ -5355,13 +5658,16 @@
           <a:prstGeom prst="rect">
             <a:avLst/>
           </a:prstGeom>
-          <a:noFill/>
-          <a:ln w="9525">
+          <a:ln>
             <a:noFill/>
-            <a:miter lim="800000"/>
-            <a:headEnd/>
-            <a:tailEnd/>
           </a:ln>
+          <a:effectLst>
+            <a:outerShdw blurRad="292100" dist="139700" dir="2700000" algn="tl" rotWithShape="0">
+              <a:srgbClr val="333333">
+                <a:alpha val="65000"/>
+              </a:srgbClr>
+            </a:outerShdw>
+          </a:effectLst>
         </p:spPr>
       </p:pic>
     </p:spTree>
@@ -5418,28 +5724,9 @@
           <a:p>
             <a:r>
               <a:rPr lang="de-DE" b="1" dirty="0" smtClean="0"/>
-              <a:t>Tätigkeiten</a:t>
+              <a:t>Das Projekt</a:t>
             </a:r>
             <a:endParaRPr lang="de-DE" b="1" dirty="0"/>
-          </a:p>
-        </p:txBody>
-      </p:sp>
-      <p:sp>
-        <p:nvSpPr>
-          <p:cNvPr id="6" name="Inhaltsplatzhalter 5"/>
-          <p:cNvSpPr>
-            <a:spLocks noGrp="1"/>
-          </p:cNvSpPr>
-          <p:nvPr>
-            <p:ph idx="1"/>
-          </p:nvPr>
-        </p:nvSpPr>
-        <p:spPr/>
-        <p:txBody>
-          <a:bodyPr/>
-          <a:lstStyle/>
-          <a:p>
-            <a:endParaRPr lang="de-DE" dirty="0"/>
           </a:p>
         </p:txBody>
       </p:sp>
@@ -5460,7 +5747,8 @@
           <a:p>
             <a:fld id="{EEF01910-E735-476D-980E-B979AA991A9A}" type="datetime1">
               <a:rPr lang="de-DE" smtClean="0"/>
-              <a:t>01.06.2015</a:t>
+              <a:pPr/>
+              <a:t>10.06.2015</a:t>
             </a:fld>
             <a:endParaRPr lang="en-US" dirty="0"/>
           </a:p>
@@ -5515,11 +5803,13 @@
       </p:sp>
       <p:pic>
         <p:nvPicPr>
-          <p:cNvPr id="21506" name="Picture 2"/>
+          <p:cNvPr id="2050" name="Picture 2"/>
           <p:cNvPicPr>
-            <a:picLocks noChangeAspect="1" noChangeArrowheads="1"/>
+            <a:picLocks noGrp="1" noChangeAspect="1" noChangeArrowheads="1"/>
           </p:cNvPicPr>
-          <p:nvPr/>
+          <p:nvPr>
+            <p:ph idx="1"/>
+          </p:nvPr>
         </p:nvPicPr>
         <p:blipFill>
           <a:blip r:embed="rId2"/>
@@ -5530,19 +5820,92 @@
         </p:blipFill>
         <p:spPr bwMode="auto">
           <a:xfrm>
-            <a:off x="903342" y="1945036"/>
-            <a:ext cx="6392786" cy="3886120"/>
+            <a:off x="913439" y="4826939"/>
+            <a:ext cx="4591933" cy="1349078"/>
           </a:xfrm>
           <a:prstGeom prst="rect">
             <a:avLst/>
           </a:prstGeom>
-          <a:noFill/>
-          <a:ln w="9525">
+          <a:ln>
             <a:noFill/>
-            <a:miter lim="800000"/>
-            <a:headEnd/>
-            <a:tailEnd/>
           </a:ln>
+          <a:effectLst>
+            <a:outerShdw blurRad="292100" dist="139700" dir="2700000" algn="tl" rotWithShape="0">
+              <a:srgbClr val="333333">
+                <a:alpha val="65000"/>
+              </a:srgbClr>
+            </a:outerShdw>
+          </a:effectLst>
+        </p:spPr>
+      </p:pic>
+      <p:pic>
+        <p:nvPicPr>
+          <p:cNvPr id="2051" name="Picture 3"/>
+          <p:cNvPicPr>
+            <a:picLocks noChangeAspect="1" noChangeArrowheads="1"/>
+          </p:cNvPicPr>
+          <p:nvPr/>
+        </p:nvPicPr>
+        <p:blipFill>
+          <a:blip r:embed="rId3"/>
+          <a:srcRect/>
+          <a:stretch>
+            <a:fillRect/>
+          </a:stretch>
+        </p:blipFill>
+        <p:spPr bwMode="auto">
+          <a:xfrm>
+            <a:off x="5866108" y="1790053"/>
+            <a:ext cx="2541624" cy="4378272"/>
+          </a:xfrm>
+          <a:prstGeom prst="rect">
+            <a:avLst/>
+          </a:prstGeom>
+          <a:ln>
+            <a:noFill/>
+          </a:ln>
+          <a:effectLst>
+            <a:outerShdw blurRad="292100" dist="139700" dir="2700000" algn="tl" rotWithShape="0">
+              <a:srgbClr val="333333">
+                <a:alpha val="65000"/>
+              </a:srgbClr>
+            </a:outerShdw>
+          </a:effectLst>
+        </p:spPr>
+      </p:pic>
+      <p:pic>
+        <p:nvPicPr>
+          <p:cNvPr id="10" name="Picture 2"/>
+          <p:cNvPicPr>
+            <a:picLocks noChangeAspect="1" noChangeArrowheads="1"/>
+          </p:cNvPicPr>
+          <p:nvPr/>
+        </p:nvPicPr>
+        <p:blipFill>
+          <a:blip r:embed="rId4"/>
+          <a:srcRect/>
+          <a:stretch>
+            <a:fillRect/>
+          </a:stretch>
+        </p:blipFill>
+        <p:spPr bwMode="auto">
+          <a:xfrm>
+            <a:off x="906706" y="1790681"/>
+            <a:ext cx="4572001" cy="2779281"/>
+          </a:xfrm>
+          <a:prstGeom prst="rect">
+            <a:avLst/>
+          </a:prstGeom>
+          <a:ln>
+            <a:noFill/>
+          </a:ln>
+          <a:effectLst>
+            <a:outerShdw blurRad="292100" dist="139700" dir="2700000" algn="tl" rotWithShape="0">
+              <a:srgbClr val="333333">
+                <a:alpha val="65000"/>
+              </a:srgbClr>
+            </a:outerShdw>
+          </a:effectLst>
         </p:spPr>
       </p:pic>
     </p:spTree>
@@ -5599,28 +5962,9 @@
           <a:p>
             <a:r>
               <a:rPr lang="de-DE" b="1" dirty="0" smtClean="0"/>
-              <a:t>Tätigkeiten</a:t>
+              <a:t>Plug-Ins</a:t>
             </a:r>
             <a:endParaRPr lang="de-DE" b="1" dirty="0"/>
-          </a:p>
-        </p:txBody>
-      </p:sp>
-      <p:sp>
-        <p:nvSpPr>
-          <p:cNvPr id="6" name="Inhaltsplatzhalter 5"/>
-          <p:cNvSpPr>
-            <a:spLocks noGrp="1"/>
-          </p:cNvSpPr>
-          <p:nvPr>
-            <p:ph idx="1"/>
-          </p:nvPr>
-        </p:nvSpPr>
-        <p:spPr/>
-        <p:txBody>
-          <a:bodyPr/>
-          <a:lstStyle/>
-          <a:p>
-            <a:endParaRPr lang="de-DE" dirty="0"/>
           </a:p>
         </p:txBody>
       </p:sp>
@@ -5641,7 +5985,8 @@
           <a:p>
             <a:fld id="{EEF01910-E735-476D-980E-B979AA991A9A}" type="datetime1">
               <a:rPr lang="de-DE" smtClean="0"/>
-              <a:t>01.06.2015</a:t>
+              <a:pPr/>
+              <a:t>10.06.2015</a:t>
             </a:fld>
             <a:endParaRPr lang="en-US" dirty="0"/>
           </a:p>
@@ -5694,6 +6039,76 @@
           </a:p>
         </p:txBody>
       </p:sp>
+      <p:pic>
+        <p:nvPicPr>
+          <p:cNvPr id="4098" name="Picture 2"/>
+          <p:cNvPicPr>
+            <a:picLocks noChangeAspect="1" noChangeArrowheads="1"/>
+          </p:cNvPicPr>
+          <p:nvPr/>
+        </p:nvPicPr>
+        <p:blipFill>
+          <a:blip r:embed="rId2"/>
+          <a:srcRect l="40061" t="17628" r="39956" b="59788"/>
+          <a:stretch>
+            <a:fillRect/>
+          </a:stretch>
+        </p:blipFill>
+        <p:spPr bwMode="auto">
+          <a:xfrm>
+            <a:off x="891153" y="1859797"/>
+            <a:ext cx="3488296" cy="3696346"/>
+          </a:xfrm>
+          <a:prstGeom prst="rect">
+            <a:avLst/>
+          </a:prstGeom>
+          <a:ln>
+            <a:noFill/>
+          </a:ln>
+          <a:effectLst>
+            <a:outerShdw blurRad="292100" dist="139700" dir="2700000" algn="tl" rotWithShape="0">
+              <a:srgbClr val="333333">
+                <a:alpha val="65000"/>
+              </a:srgbClr>
+            </a:outerShdw>
+          </a:effectLst>
+        </p:spPr>
+      </p:pic>
+      <p:pic>
+        <p:nvPicPr>
+          <p:cNvPr id="4099" name="Picture 3"/>
+          <p:cNvPicPr>
+            <a:picLocks noChangeAspect="1" noChangeArrowheads="1"/>
+          </p:cNvPicPr>
+          <p:nvPr/>
+        </p:nvPicPr>
+        <p:blipFill>
+          <a:blip r:embed="rId3"/>
+          <a:srcRect l="40032" t="17662" r="40008" b="59854"/>
+          <a:stretch>
+            <a:fillRect/>
+          </a:stretch>
+        </p:blipFill>
+        <p:spPr bwMode="auto">
+          <a:xfrm>
+            <a:off x="4843220" y="1859796"/>
+            <a:ext cx="3487119" cy="3682586"/>
+          </a:xfrm>
+          <a:prstGeom prst="rect">
+            <a:avLst/>
+          </a:prstGeom>
+          <a:ln>
+            <a:noFill/>
+          </a:ln>
+          <a:effectLst>
+            <a:outerShdw blurRad="292100" dist="139700" dir="2700000" algn="tl" rotWithShape="0">
+              <a:srgbClr val="333333">
+                <a:alpha val="65000"/>
+              </a:srgbClr>
+            </a:outerShdw>
+          </a:effectLst>
+        </p:spPr>
+      </p:pic>
     </p:spTree>
   </p:cSld>
   <p:clrMapOvr>
@@ -5736,43 +6151,27 @@
             <p:ph type="title"/>
           </p:nvPr>
         </p:nvSpPr>
-        <p:spPr/>
-        <p:txBody>
-          <a:bodyPr>
-            <a:normAutofit/>
-          </a:bodyPr>
-          <a:lstStyle/>
-          <a:p>
-            <a:r>
-              <a:rPr lang="de-DE" sz="5400" b="1" dirty="0" smtClean="0"/>
-              <a:t>Vielen Dank für Ihre Aufmerksamkeit</a:t>
-            </a:r>
-            <a:endParaRPr lang="de-DE" sz="5400" b="1" dirty="0"/>
-          </a:p>
-        </p:txBody>
-      </p:sp>
-      <p:sp>
-        <p:nvSpPr>
-          <p:cNvPr id="3" name="Textplatzhalter 2"/>
-          <p:cNvSpPr>
-            <a:spLocks noGrp="1"/>
-          </p:cNvSpPr>
-          <p:nvPr>
-            <p:ph type="body" idx="1"/>
-          </p:nvPr>
-        </p:nvSpPr>
-        <p:spPr/>
-        <p:txBody>
-          <a:bodyPr/>
-          <a:lstStyle/>
-          <a:p>
-            <a:endParaRPr lang="de-DE" dirty="0"/>
-          </a:p>
-        </p:txBody>
-      </p:sp>
-      <p:sp>
-        <p:nvSpPr>
-          <p:cNvPr id="5" name="Datumsplatzhalter 4"/>
+        <p:spPr>
+          <a:xfrm>
+            <a:off x="822959" y="286604"/>
+            <a:ext cx="5422857" cy="1450757"/>
+          </a:xfrm>
+        </p:spPr>
+        <p:txBody>
+          <a:bodyPr/>
+          <a:lstStyle/>
+          <a:p>
+            <a:r>
+              <a:rPr lang="de-DE" b="1" dirty="0" smtClean="0"/>
+              <a:t>Persistenz</a:t>
+            </a:r>
+            <a:endParaRPr lang="de-DE" b="1" dirty="0"/>
+          </a:p>
+        </p:txBody>
+      </p:sp>
+      <p:sp>
+        <p:nvSpPr>
+          <p:cNvPr id="7" name="Datumsplatzhalter 6"/>
           <p:cNvSpPr>
             <a:spLocks noGrp="1"/>
           </p:cNvSpPr>
@@ -5785,9 +6184,10 @@
           <a:bodyPr/>
           <a:lstStyle/>
           <a:p>
-            <a:fld id="{14D1886A-1E1A-4BBA-8E28-CE7DA8C564DE}" type="datetime1">
+            <a:fld id="{EEF01910-E735-476D-980E-B979AA991A9A}" type="datetime1">
               <a:rPr lang="de-DE" smtClean="0"/>
-              <a:t>01.06.2015</a:t>
+              <a:pPr/>
+              <a:t>10.06.2015</a:t>
             </a:fld>
             <a:endParaRPr lang="en-US" dirty="0"/>
           </a:p>
@@ -5795,7 +6195,7 @@
       </p:sp>
       <p:sp>
         <p:nvSpPr>
-          <p:cNvPr id="6" name="Foliennummernplatzhalter 5"/>
+          <p:cNvPr id="8" name="Foliennummernplatzhalter 7"/>
           <p:cNvSpPr>
             <a:spLocks noGrp="1"/>
           </p:cNvSpPr>
@@ -5819,7 +6219,208 @@
       </p:sp>
       <p:sp>
         <p:nvSpPr>
-          <p:cNvPr id="7" name="Fußzeilenplatzhalter 6"/>
+          <p:cNvPr id="9" name="Fußzeilenplatzhalter 8"/>
+          <p:cNvSpPr>
+            <a:spLocks noGrp="1"/>
+          </p:cNvSpPr>
+          <p:nvPr>
+            <p:ph type="ftr" sz="quarter" idx="11"/>
+          </p:nvPr>
+        </p:nvSpPr>
+        <p:spPr/>
+        <p:txBody>
+          <a:bodyPr/>
+          <a:lstStyle/>
+          <a:p>
+            <a:r>
+              <a:rPr lang="en-US" smtClean="0"/>
+              <a:t>Software Architektur Präsentation - SS2015</a:t>
+            </a:r>
+            <a:endParaRPr lang="en-US" dirty="0"/>
+          </a:p>
+        </p:txBody>
+      </p:sp>
+      <p:pic>
+        <p:nvPicPr>
+          <p:cNvPr id="3078" name="Picture 6"/>
+          <p:cNvPicPr>
+            <a:picLocks noChangeAspect="1" noChangeArrowheads="1"/>
+          </p:cNvPicPr>
+          <p:nvPr/>
+        </p:nvPicPr>
+        <p:blipFill>
+          <a:blip r:embed="rId2"/>
+          <a:srcRect b="37890"/>
+          <a:stretch>
+            <a:fillRect/>
+          </a:stretch>
+        </p:blipFill>
+        <p:spPr bwMode="auto">
+          <a:xfrm>
+            <a:off x="5380010" y="1800305"/>
+            <a:ext cx="3028950" cy="4371895"/>
+          </a:xfrm>
+          <a:prstGeom prst="rect">
+            <a:avLst/>
+          </a:prstGeom>
+          <a:ln>
+            <a:noFill/>
+          </a:ln>
+          <a:effectLst>
+            <a:outerShdw blurRad="292100" dist="139700" dir="2700000" algn="tl" rotWithShape="0">
+              <a:srgbClr val="333333">
+                <a:alpha val="65000"/>
+              </a:srgbClr>
+            </a:outerShdw>
+          </a:effectLst>
+        </p:spPr>
+      </p:pic>
+      <p:pic>
+        <p:nvPicPr>
+          <p:cNvPr id="3079" name="Picture 7"/>
+          <p:cNvPicPr>
+            <a:picLocks noChangeAspect="1" noChangeArrowheads="1"/>
+          </p:cNvPicPr>
+          <p:nvPr/>
+        </p:nvPicPr>
+        <p:blipFill>
+          <a:blip r:embed="rId3"/>
+          <a:srcRect/>
+          <a:stretch>
+            <a:fillRect/>
+          </a:stretch>
+        </p:blipFill>
+        <p:spPr bwMode="auto">
+          <a:xfrm>
+            <a:off x="877591" y="1796110"/>
+            <a:ext cx="4056359" cy="4370244"/>
+          </a:xfrm>
+          <a:prstGeom prst="rect">
+            <a:avLst/>
+          </a:prstGeom>
+          <a:ln>
+            <a:noFill/>
+          </a:ln>
+          <a:effectLst>
+            <a:outerShdw blurRad="292100" dist="139700" dir="2700000" algn="tl" rotWithShape="0">
+              <a:srgbClr val="333333">
+                <a:alpha val="65000"/>
+              </a:srgbClr>
+            </a:outerShdw>
+          </a:effectLst>
+        </p:spPr>
+      </p:pic>
+    </p:spTree>
+  </p:cSld>
+  <p:clrMapOvr>
+    <a:masterClrMapping/>
+  </p:clrMapOvr>
+  <p:timing>
+    <p:tnLst>
+      <p:par>
+        <p:cTn id="1" dur="indefinite" restart="never" nodeType="tmRoot"/>
+      </p:par>
+    </p:tnLst>
+  </p:timing>
+</p:sld>
+</file>
+
+<file path=ppt/slides/slide9.xml><?xml version="1.0" encoding="utf-8"?>
+<p:sld xmlns:a="http://schemas.openxmlformats.org/drawingml/2006/main" xmlns:r="http://schemas.openxmlformats.org/officeDocument/2006/relationships" xmlns:p="http://schemas.openxmlformats.org/presentationml/2006/main">
+  <p:cSld>
+    <p:spTree>
+      <p:nvGrpSpPr>
+        <p:cNvPr id="1" name=""/>
+        <p:cNvGrpSpPr/>
+        <p:nvPr/>
+      </p:nvGrpSpPr>
+      <p:grpSpPr>
+        <a:xfrm>
+          <a:off x="0" y="0"/>
+          <a:ext cx="0" cy="0"/>
+          <a:chOff x="0" y="0"/>
+          <a:chExt cx="0" cy="0"/>
+        </a:xfrm>
+      </p:grpSpPr>
+      <p:sp>
+        <p:nvSpPr>
+          <p:cNvPr id="2" name="Titel 1"/>
+          <p:cNvSpPr>
+            <a:spLocks noGrp="1"/>
+          </p:cNvSpPr>
+          <p:nvPr>
+            <p:ph type="title"/>
+          </p:nvPr>
+        </p:nvSpPr>
+        <p:spPr>
+          <a:xfrm>
+            <a:off x="822959" y="286604"/>
+            <a:ext cx="5422857" cy="1450757"/>
+          </a:xfrm>
+        </p:spPr>
+        <p:txBody>
+          <a:bodyPr/>
+          <a:lstStyle/>
+          <a:p>
+            <a:r>
+              <a:rPr lang="de-DE" b="1" dirty="0" smtClean="0"/>
+              <a:t>Performance</a:t>
+            </a:r>
+            <a:endParaRPr lang="de-DE" b="1" dirty="0"/>
+          </a:p>
+        </p:txBody>
+      </p:sp>
+      <p:sp>
+        <p:nvSpPr>
+          <p:cNvPr id="7" name="Datumsplatzhalter 6"/>
+          <p:cNvSpPr>
+            <a:spLocks noGrp="1"/>
+          </p:cNvSpPr>
+          <p:nvPr>
+            <p:ph type="dt" sz="half" idx="10"/>
+          </p:nvPr>
+        </p:nvSpPr>
+        <p:spPr/>
+        <p:txBody>
+          <a:bodyPr/>
+          <a:lstStyle/>
+          <a:p>
+            <a:fld id="{EEF01910-E735-476D-980E-B979AA991A9A}" type="datetime1">
+              <a:rPr lang="de-DE" smtClean="0"/>
+              <a:pPr/>
+              <a:t>10.06.2015</a:t>
+            </a:fld>
+            <a:endParaRPr lang="en-US" dirty="0"/>
+          </a:p>
+        </p:txBody>
+      </p:sp>
+      <p:sp>
+        <p:nvSpPr>
+          <p:cNvPr id="8" name="Foliennummernplatzhalter 7"/>
+          <p:cNvSpPr>
+            <a:spLocks noGrp="1"/>
+          </p:cNvSpPr>
+          <p:nvPr>
+            <p:ph type="sldNum" sz="quarter" idx="12"/>
+          </p:nvPr>
+        </p:nvSpPr>
+        <p:spPr/>
+        <p:txBody>
+          <a:bodyPr/>
+          <a:lstStyle/>
+          <a:p>
+            <a:fld id="{4FAB73BC-B049-4115-A692-8D63A059BFB8}" type="slidenum">
+              <a:rPr lang="en-US" smtClean="0"/>
+              <a:pPr/>
+              <a:t>9</a:t>
+            </a:fld>
+            <a:endParaRPr lang="en-US" dirty="0"/>
+          </a:p>
+        </p:txBody>
+      </p:sp>
+      <p:sp>
+        <p:nvSpPr>
+          <p:cNvPr id="9" name="Fußzeilenplatzhalter 8"/>
           <p:cNvSpPr>
             <a:spLocks noGrp="1"/>
           </p:cNvSpPr>
@@ -6132,7 +6733,7 @@
   <a:extraClrSchemeLst/>
   <a:extLst>
     <a:ext uri="{05A4C25C-085E-4340-85A3-A5531E510DB2}">
-      <thm15:themeFamily xmlns:thm15="http://schemas.microsoft.com/office/thememl/2012/main" xmlns="" name="Retrospect" id="{5F128B03-DCCA-4EEB-AB3B-CF2899314A46}" vid="{9CC26709-368C-4D72-9060-94E5B3FF3CD6}"/>
+      <thm15:themeFamily xmlns="" xmlns:thm15="http://schemas.microsoft.com/office/thememl/2012/main" name="Retrospect" id="{5F128B03-DCCA-4EEB-AB3B-CF2899314A46}" vid="{9CC26709-368C-4D72-9060-94E5B3FF3CD6}"/>
     </a:ext>
   </a:extLst>
 </a:theme>
@@ -6393,7 +6994,7 @@
   <a:extraClrSchemeLst/>
   <a:extLst>
     <a:ext uri="{05A4C25C-085E-4340-85A3-A5531E510DB2}">
-      <thm15:themeFamily xmlns:thm15="http://schemas.microsoft.com/office/thememl/2012/main" xmlns="" name="Office Theme" id="{62F939B6-93AF-4DB8-9C6B-D6C7DFDC589F}" vid="{4A3C46E8-61CC-4603-A589-7422A47A8E4A}"/>
+      <thm15:themeFamily xmlns="" xmlns:thm15="http://schemas.microsoft.com/office/thememl/2012/main" name="Office Theme" id="{62F939B6-93AF-4DB8-9C6B-D6C7DFDC589F}" vid="{4A3C46E8-61CC-4603-A589-7422A47A8E4A}"/>
     </a:ext>
   </a:extLst>
 </a:theme>

--- a/de.htwg.se.mastermind/Presentation.pptx
+++ b/de.htwg.se.mastermind/Presentation.pptx
@@ -5,20 +5,21 @@
     <p:sldMasterId id="2147483910" r:id="rId1"/>
   </p:sldMasterIdLst>
   <p:notesMasterIdLst>
-    <p:notesMasterId r:id="rId13"/>
+    <p:notesMasterId r:id="rId14"/>
   </p:notesMasterIdLst>
   <p:sldIdLst>
     <p:sldId id="256" r:id="rId2"/>
     <p:sldId id="257" r:id="rId3"/>
     <p:sldId id="258" r:id="rId4"/>
     <p:sldId id="260" r:id="rId5"/>
-    <p:sldId id="261" r:id="rId6"/>
-    <p:sldId id="263" r:id="rId7"/>
-    <p:sldId id="266" r:id="rId8"/>
-    <p:sldId id="265" r:id="rId9"/>
-    <p:sldId id="267" r:id="rId10"/>
-    <p:sldId id="268" r:id="rId11"/>
-    <p:sldId id="259" r:id="rId12"/>
+    <p:sldId id="263" r:id="rId6"/>
+    <p:sldId id="269" r:id="rId7"/>
+    <p:sldId id="261" r:id="rId8"/>
+    <p:sldId id="266" r:id="rId9"/>
+    <p:sldId id="265" r:id="rId10"/>
+    <p:sldId id="267" r:id="rId11"/>
+    <p:sldId id="268" r:id="rId12"/>
+    <p:sldId id="259" r:id="rId13"/>
   </p:sldIdLst>
   <p:sldSz cx="9144000" cy="6858000" type="screen4x3"/>
   <p:notesSz cx="6858000" cy="9144000"/>
@@ -119,7 +120,18 @@
   </p:defaultTextStyle>
   <p:extLst>
     <p:ext uri="{EFAFB233-063F-42B5-8137-9DF3F51BA10A}">
-      <p15:sldGuideLst xmlns="" xmlns:p15="http://schemas.microsoft.com/office/powerpoint/2012/main"/>
+      <p15:sldGuideLst xmlns:p15="http://schemas.microsoft.com/office/powerpoint/2012/main">
+        <p15:guide id="1" orient="horz" pos="2160">
+          <p15:clr>
+            <a:srgbClr val="A4A3A4"/>
+          </p15:clr>
+        </p15:guide>
+        <p15:guide id="2" pos="2880">
+          <p15:clr>
+            <a:srgbClr val="A4A3A4"/>
+          </p15:clr>
+        </p15:guide>
+      </p15:sldGuideLst>
     </p:ext>
   </p:extLst>
 </p:presentation>
@@ -376,7 +388,7 @@
     </p:spTree>
     <p:extLst>
       <p:ext uri="{BB962C8B-B14F-4D97-AF65-F5344CB8AC3E}">
-        <p14:creationId xmlns="" xmlns:p14="http://schemas.microsoft.com/office/powerpoint/2010/main" val="2518394835"/>
+        <p14:creationId xmlns:p14="http://schemas.microsoft.com/office/powerpoint/2010/main" val="2518394835"/>
       </p:ext>
     </p:extLst>
   </p:cSld>
@@ -556,7 +568,7 @@
     </p:spTree>
     <p:extLst>
       <p:ext uri="{BB962C8B-B14F-4D97-AF65-F5344CB8AC3E}">
-        <p14:creationId xmlns="" xmlns:p14="http://schemas.microsoft.com/office/powerpoint/2010/main" val="1482335734"/>
+        <p14:creationId xmlns:p14="http://schemas.microsoft.com/office/powerpoint/2010/main" val="1482335734"/>
       </p:ext>
     </p:extLst>
   </p:cSld>
@@ -887,7 +899,7 @@
     </p:spTree>
     <p:extLst>
       <p:ext uri="{BB962C8B-B14F-4D97-AF65-F5344CB8AC3E}">
-        <p14:creationId xmlns="" xmlns:p14="http://schemas.microsoft.com/office/powerpoint/2010/main" val="1403014083"/>
+        <p14:creationId xmlns:p14="http://schemas.microsoft.com/office/powerpoint/2010/main" val="1403014083"/>
       </p:ext>
     </p:extLst>
   </p:cSld>
@@ -1063,7 +1075,7 @@
     </p:spTree>
     <p:extLst>
       <p:ext uri="{BB962C8B-B14F-4D97-AF65-F5344CB8AC3E}">
-        <p14:creationId xmlns="" xmlns:p14="http://schemas.microsoft.com/office/powerpoint/2010/main" val="2837294888"/>
+        <p14:creationId xmlns:p14="http://schemas.microsoft.com/office/powerpoint/2010/main" val="2837294888"/>
       </p:ext>
     </p:extLst>
   </p:cSld>
@@ -1325,7 +1337,7 @@
     </p:spTree>
     <p:extLst>
       <p:ext uri="{BB962C8B-B14F-4D97-AF65-F5344CB8AC3E}">
-        <p14:creationId xmlns="" xmlns:p14="http://schemas.microsoft.com/office/powerpoint/2010/main" val="2799996821"/>
+        <p14:creationId xmlns:p14="http://schemas.microsoft.com/office/powerpoint/2010/main" val="2799996821"/>
       </p:ext>
     </p:extLst>
   </p:cSld>
@@ -1362,7 +1374,12 @@
             <p:ph type="title"/>
           </p:nvPr>
         </p:nvSpPr>
-        <p:spPr/>
+        <p:spPr>
+          <a:xfrm>
+            <a:off x="822960" y="286605"/>
+            <a:ext cx="7543800" cy="865920"/>
+          </a:xfrm>
+        </p:spPr>
         <p:txBody>
           <a:bodyPr/>
           <a:lstStyle/>
@@ -1370,58 +1387,6 @@
             <a:r>
               <a:rPr lang="de-DE" dirty="0"/>
               <a:t>Titelmasterformat durch Klicken bearbeiten</a:t>
-            </a:r>
-            <a:endParaRPr lang="en-US" dirty="0"/>
-          </a:p>
-        </p:txBody>
-      </p:sp>
-      <p:sp>
-        <p:nvSpPr>
-          <p:cNvPr id="3" name="Content Placeholder 2"/>
-          <p:cNvSpPr>
-            <a:spLocks noGrp="1"/>
-          </p:cNvSpPr>
-          <p:nvPr>
-            <p:ph idx="1"/>
-          </p:nvPr>
-        </p:nvSpPr>
-        <p:spPr/>
-        <p:txBody>
-          <a:bodyPr/>
-          <a:lstStyle/>
-          <a:p>
-            <a:pPr lvl="0"/>
-            <a:r>
-              <a:rPr lang="de-DE" dirty="0"/>
-              <a:t>Formatvorlagen des Textmasters bearbeiten</a:t>
-            </a:r>
-          </a:p>
-          <a:p>
-            <a:pPr lvl="1"/>
-            <a:r>
-              <a:rPr lang="de-DE" dirty="0"/>
-              <a:t>Zweite Ebene</a:t>
-            </a:r>
-          </a:p>
-          <a:p>
-            <a:pPr lvl="2"/>
-            <a:r>
-              <a:rPr lang="de-DE" dirty="0"/>
-              <a:t>Dritte Ebene</a:t>
-            </a:r>
-          </a:p>
-          <a:p>
-            <a:pPr lvl="3"/>
-            <a:r>
-              <a:rPr lang="de-DE" dirty="0"/>
-              <a:t>Vierte Ebene</a:t>
-            </a:r>
-          </a:p>
-          <a:p>
-            <a:pPr lvl="4"/>
-            <a:r>
-              <a:rPr lang="de-DE" dirty="0"/>
-              <a:t>Fünfte Ebene</a:t>
             </a:r>
             <a:endParaRPr lang="en-US" dirty="0"/>
           </a:p>
@@ -1498,10 +1463,152 @@
           </a:p>
         </p:txBody>
       </p:sp>
+      <p:sp>
+        <p:nvSpPr>
+          <p:cNvPr id="7" name="Rechteck 6"/>
+          <p:cNvSpPr/>
+          <p:nvPr userDrawn="1"/>
+        </p:nvSpPr>
+        <p:spPr>
+          <a:xfrm>
+            <a:off x="822960" y="1495425"/>
+            <a:ext cx="7701915" cy="350309"/>
+          </a:xfrm>
+          <a:prstGeom prst="rect">
+            <a:avLst/>
+          </a:prstGeom>
+          <a:solidFill>
+            <a:schemeClr val="bg1"/>
+          </a:solidFill>
+          <a:ln>
+            <a:solidFill>
+              <a:schemeClr val="bg1"/>
+            </a:solidFill>
+          </a:ln>
+        </p:spPr>
+        <p:style>
+          <a:lnRef idx="2">
+            <a:schemeClr val="accent1">
+              <a:shade val="50000"/>
+            </a:schemeClr>
+          </a:lnRef>
+          <a:fillRef idx="1">
+            <a:schemeClr val="accent1"/>
+          </a:fillRef>
+          <a:effectRef idx="0">
+            <a:schemeClr val="accent1"/>
+          </a:effectRef>
+          <a:fontRef idx="minor">
+            <a:schemeClr val="lt1"/>
+          </a:fontRef>
+        </p:style>
+        <p:txBody>
+          <a:bodyPr rtlCol="0" anchor="ctr"/>
+          <a:lstStyle/>
+          <a:p>
+            <a:pPr algn="ctr"/>
+            <a:endParaRPr lang="de-DE"/>
+          </a:p>
+        </p:txBody>
+      </p:sp>
+      <p:sp>
+        <p:nvSpPr>
+          <p:cNvPr id="3" name="Content Placeholder 2"/>
+          <p:cNvSpPr>
+            <a:spLocks noGrp="1"/>
+          </p:cNvSpPr>
+          <p:nvPr>
+            <p:ph idx="1"/>
+          </p:nvPr>
+        </p:nvSpPr>
+        <p:spPr>
+          <a:xfrm>
+            <a:off x="822960" y="1152525"/>
+            <a:ext cx="7543800" cy="4716569"/>
+          </a:xfrm>
+        </p:spPr>
+        <p:txBody>
+          <a:bodyPr/>
+          <a:lstStyle/>
+          <a:p>
+            <a:pPr lvl="0"/>
+            <a:r>
+              <a:rPr lang="de-DE" dirty="0"/>
+              <a:t>Formatvorlagen des Textmasters bearbeiten</a:t>
+            </a:r>
+          </a:p>
+          <a:p>
+            <a:pPr lvl="1"/>
+            <a:r>
+              <a:rPr lang="de-DE" dirty="0"/>
+              <a:t>Zweite Ebene</a:t>
+            </a:r>
+          </a:p>
+          <a:p>
+            <a:pPr lvl="2"/>
+            <a:r>
+              <a:rPr lang="de-DE" dirty="0"/>
+              <a:t>Dritte Ebene</a:t>
+            </a:r>
+          </a:p>
+          <a:p>
+            <a:pPr lvl="3"/>
+            <a:r>
+              <a:rPr lang="de-DE" dirty="0"/>
+              <a:t>Vierte Ebene</a:t>
+            </a:r>
+          </a:p>
+          <a:p>
+            <a:pPr lvl="4"/>
+            <a:r>
+              <a:rPr lang="de-DE" dirty="0"/>
+              <a:t>Fünfte Ebene</a:t>
+            </a:r>
+            <a:endParaRPr lang="en-US" dirty="0"/>
+          </a:p>
+        </p:txBody>
+      </p:sp>
+      <p:cxnSp>
+        <p:nvCxnSpPr>
+          <p:cNvPr id="9" name="Gerader Verbinder 8"/>
+          <p:cNvCxnSpPr/>
+          <p:nvPr userDrawn="1"/>
+        </p:nvCxnSpPr>
+        <p:spPr>
+          <a:xfrm>
+            <a:off x="742950" y="1152525"/>
+            <a:ext cx="7666413" cy="0"/>
+          </a:xfrm>
+          <a:prstGeom prst="line">
+            <a:avLst/>
+          </a:prstGeom>
+          <a:ln w="12700">
+            <a:solidFill>
+              <a:schemeClr val="bg1">
+                <a:lumMod val="50000"/>
+              </a:schemeClr>
+            </a:solidFill>
+          </a:ln>
+        </p:spPr>
+        <p:style>
+          <a:lnRef idx="1">
+            <a:schemeClr val="accent1"/>
+          </a:lnRef>
+          <a:fillRef idx="0">
+            <a:schemeClr val="accent1"/>
+          </a:fillRef>
+          <a:effectRef idx="0">
+            <a:schemeClr val="accent1"/>
+          </a:effectRef>
+          <a:fontRef idx="minor">
+            <a:schemeClr val="tx1"/>
+          </a:fontRef>
+        </p:style>
+      </p:cxnSp>
     </p:spTree>
     <p:extLst>
       <p:ext uri="{BB962C8B-B14F-4D97-AF65-F5344CB8AC3E}">
-        <p14:creationId xmlns="" xmlns:p14="http://schemas.microsoft.com/office/powerpoint/2010/main" val="3355165293"/>
+        <p14:creationId xmlns:p14="http://schemas.microsoft.com/office/powerpoint/2010/main" val="3355165293"/>
       </p:ext>
     </p:extLst>
   </p:cSld>
@@ -1888,7 +1995,7 @@
     </p:spTree>
     <p:extLst>
       <p:ext uri="{BB962C8B-B14F-4D97-AF65-F5344CB8AC3E}">
-        <p14:creationId xmlns="" xmlns:p14="http://schemas.microsoft.com/office/powerpoint/2010/main" val="2624436341"/>
+        <p14:creationId xmlns:p14="http://schemas.microsoft.com/office/powerpoint/2010/main" val="2624436341"/>
       </p:ext>
     </p:extLst>
   </p:cSld>
@@ -2131,7 +2238,7 @@
     </p:spTree>
     <p:extLst>
       <p:ext uri="{BB962C8B-B14F-4D97-AF65-F5344CB8AC3E}">
-        <p14:creationId xmlns="" xmlns:p14="http://schemas.microsoft.com/office/powerpoint/2010/main" val="3951225455"/>
+        <p14:creationId xmlns:p14="http://schemas.microsoft.com/office/powerpoint/2010/main" val="3951225455"/>
       </p:ext>
     </p:extLst>
   </p:cSld>
@@ -2516,7 +2623,7 @@
     </p:spTree>
     <p:extLst>
       <p:ext uri="{BB962C8B-B14F-4D97-AF65-F5344CB8AC3E}">
-        <p14:creationId xmlns="" xmlns:p14="http://schemas.microsoft.com/office/powerpoint/2010/main" val="2296925755"/>
+        <p14:creationId xmlns:p14="http://schemas.microsoft.com/office/powerpoint/2010/main" val="2296925755"/>
       </p:ext>
     </p:extLst>
   </p:cSld>
@@ -2640,7 +2747,7 @@
     </p:spTree>
     <p:extLst>
       <p:ext uri="{BB962C8B-B14F-4D97-AF65-F5344CB8AC3E}">
-        <p14:creationId xmlns="" xmlns:p14="http://schemas.microsoft.com/office/powerpoint/2010/main" val="856258981"/>
+        <p14:creationId xmlns:p14="http://schemas.microsoft.com/office/powerpoint/2010/main" val="856258981"/>
       </p:ext>
     </p:extLst>
   </p:cSld>
@@ -2825,7 +2932,7 @@
     </p:spTree>
     <p:extLst>
       <p:ext uri="{BB962C8B-B14F-4D97-AF65-F5344CB8AC3E}">
-        <p14:creationId xmlns="" xmlns:p14="http://schemas.microsoft.com/office/powerpoint/2010/main" val="1257413516"/>
+        <p14:creationId xmlns:p14="http://schemas.microsoft.com/office/powerpoint/2010/main" val="1257413516"/>
       </p:ext>
     </p:extLst>
   </p:cSld>
@@ -3198,7 +3305,7 @@
     </p:spTree>
     <p:extLst>
       <p:ext uri="{BB962C8B-B14F-4D97-AF65-F5344CB8AC3E}">
-        <p14:creationId xmlns="" xmlns:p14="http://schemas.microsoft.com/office/powerpoint/2010/main" val="112923765"/>
+        <p14:creationId xmlns:p14="http://schemas.microsoft.com/office/powerpoint/2010/main" val="112923765"/>
       </p:ext>
     </p:extLst>
   </p:cSld>
@@ -3560,7 +3667,7 @@
     </p:spTree>
     <p:extLst>
       <p:ext uri="{BB962C8B-B14F-4D97-AF65-F5344CB8AC3E}">
-        <p14:creationId xmlns="" xmlns:p14="http://schemas.microsoft.com/office/powerpoint/2010/main" val="3348260142"/>
+        <p14:creationId xmlns:p14="http://schemas.microsoft.com/office/powerpoint/2010/main" val="3348260142"/>
       </p:ext>
     </p:extLst>
   </p:cSld>
@@ -3923,7 +4030,7 @@
     </p:spTree>
     <p:extLst>
       <p:ext uri="{BB962C8B-B14F-4D97-AF65-F5344CB8AC3E}">
-        <p14:creationId xmlns="" xmlns:p14="http://schemas.microsoft.com/office/powerpoint/2010/main" val="1039846697"/>
+        <p14:creationId xmlns:p14="http://schemas.microsoft.com/office/powerpoint/2010/main" val="1039846697"/>
       </p:ext>
     </p:extLst>
   </p:cSld>
@@ -4425,7 +4532,7 @@
     </p:spTree>
     <p:extLst>
       <p:ext uri="{BB962C8B-B14F-4D97-AF65-F5344CB8AC3E}">
-        <p14:creationId xmlns="" xmlns:p14="http://schemas.microsoft.com/office/powerpoint/2010/main" val="4100527049"/>
+        <p14:creationId xmlns:p14="http://schemas.microsoft.com/office/powerpoint/2010/main" val="4100527049"/>
       </p:ext>
     </p:extLst>
   </p:cSld>
@@ -4472,7 +4579,7 @@
         <p:spPr>
           <a:xfrm>
             <a:off x="822959" y="286604"/>
-            <a:ext cx="5422857" cy="1450757"/>
+            <a:ext cx="5422857" cy="865921"/>
           </a:xfrm>
         </p:spPr>
         <p:txBody>
@@ -4481,7 +4588,7 @@
           <a:p>
             <a:r>
               <a:rPr lang="de-DE" b="1" dirty="0" smtClean="0"/>
-              <a:t>Nebenläufigkeit</a:t>
+              <a:t>Performance</a:t>
             </a:r>
             <a:endParaRPr lang="de-DE" b="1" dirty="0"/>
           </a:p>
@@ -4600,6 +4707,137 @@
             <p:ph type="title"/>
           </p:nvPr>
         </p:nvSpPr>
+        <p:spPr>
+          <a:xfrm>
+            <a:off x="822959" y="286604"/>
+            <a:ext cx="5422857" cy="865921"/>
+          </a:xfrm>
+        </p:spPr>
+        <p:txBody>
+          <a:bodyPr/>
+          <a:lstStyle/>
+          <a:p>
+            <a:r>
+              <a:rPr lang="de-DE" b="1" dirty="0" smtClean="0"/>
+              <a:t>Nebenläufigkeit</a:t>
+            </a:r>
+            <a:endParaRPr lang="de-DE" b="1" dirty="0"/>
+          </a:p>
+        </p:txBody>
+      </p:sp>
+      <p:sp>
+        <p:nvSpPr>
+          <p:cNvPr id="7" name="Datumsplatzhalter 6"/>
+          <p:cNvSpPr>
+            <a:spLocks noGrp="1"/>
+          </p:cNvSpPr>
+          <p:nvPr>
+            <p:ph type="dt" sz="half" idx="10"/>
+          </p:nvPr>
+        </p:nvSpPr>
+        <p:spPr/>
+        <p:txBody>
+          <a:bodyPr/>
+          <a:lstStyle/>
+          <a:p>
+            <a:fld id="{EEF01910-E735-476D-980E-B979AA991A9A}" type="datetime1">
+              <a:rPr lang="de-DE" smtClean="0"/>
+              <a:pPr/>
+              <a:t>10.06.2015</a:t>
+            </a:fld>
+            <a:endParaRPr lang="en-US" dirty="0"/>
+          </a:p>
+        </p:txBody>
+      </p:sp>
+      <p:sp>
+        <p:nvSpPr>
+          <p:cNvPr id="8" name="Foliennummernplatzhalter 7"/>
+          <p:cNvSpPr>
+            <a:spLocks noGrp="1"/>
+          </p:cNvSpPr>
+          <p:nvPr>
+            <p:ph type="sldNum" sz="quarter" idx="12"/>
+          </p:nvPr>
+        </p:nvSpPr>
+        <p:spPr/>
+        <p:txBody>
+          <a:bodyPr/>
+          <a:lstStyle/>
+          <a:p>
+            <a:fld id="{4FAB73BC-B049-4115-A692-8D63A059BFB8}" type="slidenum">
+              <a:rPr lang="en-US" smtClean="0"/>
+              <a:pPr/>
+              <a:t>11</a:t>
+            </a:fld>
+            <a:endParaRPr lang="en-US" dirty="0"/>
+          </a:p>
+        </p:txBody>
+      </p:sp>
+      <p:sp>
+        <p:nvSpPr>
+          <p:cNvPr id="9" name="Fußzeilenplatzhalter 8"/>
+          <p:cNvSpPr>
+            <a:spLocks noGrp="1"/>
+          </p:cNvSpPr>
+          <p:nvPr>
+            <p:ph type="ftr" sz="quarter" idx="11"/>
+          </p:nvPr>
+        </p:nvSpPr>
+        <p:spPr/>
+        <p:txBody>
+          <a:bodyPr/>
+          <a:lstStyle/>
+          <a:p>
+            <a:r>
+              <a:rPr lang="en-US" smtClean="0"/>
+              <a:t>Software Architektur Präsentation - SS2015</a:t>
+            </a:r>
+            <a:endParaRPr lang="en-US" dirty="0"/>
+          </a:p>
+        </p:txBody>
+      </p:sp>
+    </p:spTree>
+  </p:cSld>
+  <p:clrMapOvr>
+    <a:masterClrMapping/>
+  </p:clrMapOvr>
+  <p:timing>
+    <p:tnLst>
+      <p:par>
+        <p:cTn id="1" dur="indefinite" restart="never" nodeType="tmRoot"/>
+      </p:par>
+    </p:tnLst>
+  </p:timing>
+</p:sld>
+</file>
+
+<file path=ppt/slides/slide12.xml><?xml version="1.0" encoding="utf-8"?>
+<p:sld xmlns:a="http://schemas.openxmlformats.org/drawingml/2006/main" xmlns:r="http://schemas.openxmlformats.org/officeDocument/2006/relationships" xmlns:p="http://schemas.openxmlformats.org/presentationml/2006/main">
+  <p:cSld>
+    <p:spTree>
+      <p:nvGrpSpPr>
+        <p:cNvPr id="1" name=""/>
+        <p:cNvGrpSpPr/>
+        <p:nvPr/>
+      </p:nvGrpSpPr>
+      <p:grpSpPr>
+        <a:xfrm>
+          <a:off x="0" y="0"/>
+          <a:ext cx="0" cy="0"/>
+          <a:chOff x="0" y="0"/>
+          <a:chExt cx="0" cy="0"/>
+        </a:xfrm>
+      </p:grpSpPr>
+      <p:sp>
+        <p:nvSpPr>
+          <p:cNvPr id="2" name="Titel 1"/>
+          <p:cNvSpPr>
+            <a:spLocks noGrp="1"/>
+          </p:cNvSpPr>
+          <p:nvPr>
+            <p:ph type="title"/>
+          </p:nvPr>
+        </p:nvSpPr>
         <p:spPr/>
         <p:txBody>
           <a:bodyPr>
@@ -4676,7 +4914,7 @@
             <a:fld id="{4FAB73BC-B049-4115-A692-8D63A059BFB8}" type="slidenum">
               <a:rPr lang="en-US" smtClean="0"/>
               <a:pPr/>
-              <a:t>11</a:t>
+              <a:t>12</a:t>
             </a:fld>
             <a:endParaRPr lang="en-US" dirty="0"/>
           </a:p>
@@ -4772,13 +5010,13 @@
         </p:nvSpPr>
         <p:spPr>
           <a:xfrm>
-            <a:off x="822960" y="1845734"/>
-            <a:ext cx="7543800" cy="4431080"/>
+            <a:off x="822960" y="1400175"/>
+            <a:ext cx="7543800" cy="4876639"/>
           </a:xfrm>
         </p:spPr>
         <p:txBody>
           <a:bodyPr>
-            <a:normAutofit lnSpcReduction="10000"/>
+            <a:normAutofit/>
           </a:bodyPr>
           <a:lstStyle/>
           <a:p>
@@ -4806,7 +5044,6 @@
               <a:rPr lang="de-DE" sz="3200" dirty="0" smtClean="0"/>
               <a:t>Views</a:t>
             </a:r>
-            <a:endParaRPr lang="de-DE" sz="3200" dirty="0" smtClean="0"/>
           </a:p>
           <a:p>
             <a:pPr marL="531813" lvl="1" indent="-354013">
@@ -4820,7 +5057,6 @@
               <a:rPr lang="de-DE" sz="3200" dirty="0" smtClean="0"/>
               <a:t>TO-DOs</a:t>
             </a:r>
-            <a:endParaRPr lang="de-DE" sz="3200" dirty="0" smtClean="0"/>
           </a:p>
           <a:p>
             <a:pPr marL="898525" lvl="2" indent="-363538">
@@ -5050,8 +5286,8 @@
         </p:nvSpPr>
         <p:spPr>
           <a:xfrm>
-            <a:off x="822960" y="1845734"/>
-            <a:ext cx="7543800" cy="4431080"/>
+            <a:off x="822960" y="1152525"/>
+            <a:ext cx="7543800" cy="5124289"/>
           </a:xfrm>
         </p:spPr>
         <p:txBody>
@@ -5234,8 +5470,8 @@
         </p:nvSpPr>
         <p:spPr>
           <a:xfrm>
-            <a:off x="822960" y="286604"/>
-            <a:ext cx="4663440" cy="1450757"/>
+            <a:off x="822960" y="286605"/>
+            <a:ext cx="4663440" cy="875446"/>
           </a:xfrm>
         </p:spPr>
         <p:txBody>
@@ -5262,7 +5498,7 @@
         </p:nvSpPr>
         <p:spPr>
           <a:xfrm>
-            <a:off x="822960" y="1845734"/>
+            <a:off x="822960" y="1407584"/>
             <a:ext cx="5082540" cy="4431080"/>
           </a:xfrm>
         </p:spPr>
@@ -5326,7 +5562,7 @@
         </p:blipFill>
         <p:spPr bwMode="auto">
           <a:xfrm>
-            <a:off x="5965371" y="1792761"/>
+            <a:off x="5965371" y="1354611"/>
             <a:ext cx="2545207" cy="4298073"/>
           </a:xfrm>
           <a:prstGeom prst="rect">
@@ -5460,7 +5696,7 @@
         <p:spPr>
           <a:xfrm>
             <a:off x="822959" y="286604"/>
-            <a:ext cx="5422857" cy="1450757"/>
+            <a:ext cx="5422857" cy="865921"/>
           </a:xfrm>
         </p:spPr>
         <p:txBody>
@@ -5469,28 +5705,9 @@
           <a:p>
             <a:r>
               <a:rPr lang="de-DE" b="1" dirty="0" smtClean="0"/>
-              <a:t>Views</a:t>
+              <a:t>Das Projekt</a:t>
             </a:r>
             <a:endParaRPr lang="de-DE" b="1" dirty="0"/>
-          </a:p>
-        </p:txBody>
-      </p:sp>
-      <p:sp>
-        <p:nvSpPr>
-          <p:cNvPr id="6" name="Inhaltsplatzhalter 5"/>
-          <p:cNvSpPr>
-            <a:spLocks noGrp="1"/>
-          </p:cNvSpPr>
-          <p:nvPr>
-            <p:ph idx="1"/>
-          </p:nvPr>
-        </p:nvSpPr>
-        <p:spPr/>
-        <p:txBody>
-          <a:bodyPr/>
-          <a:lstStyle/>
-          <a:p>
-            <a:endParaRPr lang="de-DE" dirty="0"/>
           </a:p>
         </p:txBody>
       </p:sp>
@@ -5567,11 +5784,13 @@
       </p:sp>
       <p:pic>
         <p:nvPicPr>
-          <p:cNvPr id="20483" name="Picture 3"/>
+          <p:cNvPr id="2050" name="Picture 2"/>
           <p:cNvPicPr>
-            <a:picLocks noChangeAspect="1" noChangeArrowheads="1"/>
+            <a:picLocks noGrp="1" noChangeAspect="1" noChangeArrowheads="1"/>
           </p:cNvPicPr>
-          <p:nvPr/>
+          <p:nvPr>
+            <p:ph idx="1"/>
+          </p:nvPr>
         </p:nvPicPr>
         <p:blipFill>
           <a:blip r:embed="rId2"/>
@@ -5582,8 +5801,8 @@
         </p:blipFill>
         <p:spPr bwMode="auto">
           <a:xfrm>
-            <a:off x="5297101" y="1776218"/>
-            <a:ext cx="2137248" cy="1943375"/>
+            <a:off x="913439" y="4341164"/>
+            <a:ext cx="4591933" cy="1349078"/>
           </a:xfrm>
           <a:prstGeom prst="rect">
             <a:avLst/>
@@ -5602,7 +5821,7 @@
       </p:pic>
       <p:pic>
         <p:nvPicPr>
-          <p:cNvPr id="11" name="Picture 2"/>
+          <p:cNvPr id="2051" name="Picture 3"/>
           <p:cNvPicPr>
             <a:picLocks noChangeAspect="1" noChangeArrowheads="1"/>
           </p:cNvPicPr>
@@ -5617,8 +5836,8 @@
         </p:blipFill>
         <p:spPr bwMode="auto">
           <a:xfrm>
-            <a:off x="688461" y="1820775"/>
-            <a:ext cx="3102234" cy="4333281"/>
+            <a:off x="5866108" y="1294753"/>
+            <a:ext cx="2541624" cy="4378272"/>
           </a:xfrm>
           <a:prstGeom prst="rect">
             <a:avLst/>
@@ -5637,7 +5856,7 @@
       </p:pic>
       <p:pic>
         <p:nvPicPr>
-          <p:cNvPr id="20484" name="Picture 4"/>
+          <p:cNvPr id="10" name="Picture 2"/>
           <p:cNvPicPr>
             <a:picLocks noChangeAspect="1" noChangeArrowheads="1"/>
           </p:cNvPicPr>
@@ -5652,8 +5871,8 @@
         </p:blipFill>
         <p:spPr bwMode="auto">
           <a:xfrm>
-            <a:off x="4288481" y="3922531"/>
-            <a:ext cx="4151085" cy="2284368"/>
+            <a:off x="906706" y="1295381"/>
+            <a:ext cx="4572001" cy="2779281"/>
           </a:xfrm>
           <a:prstGeom prst="rect">
             <a:avLst/>
@@ -5715,7 +5934,7 @@
         <p:spPr>
           <a:xfrm>
             <a:off x="822959" y="286604"/>
-            <a:ext cx="5422857" cy="1450757"/>
+            <a:ext cx="5422857" cy="865921"/>
           </a:xfrm>
         </p:spPr>
         <p:txBody>
@@ -5803,25 +6022,21 @@
       </p:sp>
       <p:pic>
         <p:nvPicPr>
-          <p:cNvPr id="2050" name="Picture 2"/>
+          <p:cNvPr id="4" name="Grafik 3"/>
           <p:cNvPicPr>
-            <a:picLocks noGrp="1" noChangeAspect="1" noChangeArrowheads="1"/>
+            <a:picLocks noChangeAspect="1"/>
           </p:cNvPicPr>
-          <p:nvPr>
-            <p:ph idx="1"/>
-          </p:nvPr>
+          <p:nvPr/>
         </p:nvPicPr>
-        <p:blipFill>
+        <p:blipFill rotWithShape="1">
           <a:blip r:embed="rId2"/>
-          <a:srcRect/>
-          <a:stretch>
-            <a:fillRect/>
-          </a:stretch>
+          <a:srcRect l="53846" r="6934" b="8272"/>
+          <a:stretch/>
         </p:blipFill>
-        <p:spPr bwMode="auto">
-          <a:xfrm>
-            <a:off x="913439" y="4826939"/>
-            <a:ext cx="4591933" cy="1349078"/>
+        <p:spPr>
+          <a:xfrm>
+            <a:off x="953139" y="1594486"/>
+            <a:ext cx="3577070" cy="4225289"/>
           </a:xfrm>
           <a:prstGeom prst="rect">
             <a:avLst/>
@@ -5840,23 +6055,21 @@
       </p:pic>
       <p:pic>
         <p:nvPicPr>
-          <p:cNvPr id="2051" name="Picture 3"/>
+          <p:cNvPr id="11" name="Grafik 10"/>
           <p:cNvPicPr>
-            <a:picLocks noChangeAspect="1" noChangeArrowheads="1"/>
+            <a:picLocks noChangeAspect="1"/>
           </p:cNvPicPr>
           <p:nvPr/>
         </p:nvPicPr>
-        <p:blipFill>
-          <a:blip r:embed="rId3"/>
-          <a:srcRect/>
-          <a:stretch>
-            <a:fillRect/>
-          </a:stretch>
+        <p:blipFill rotWithShape="1">
+          <a:blip r:embed="rId2"/>
+          <a:srcRect l="7367" r="58397" b="55895"/>
+          <a:stretch/>
         </p:blipFill>
-        <p:spPr bwMode="auto">
-          <a:xfrm>
-            <a:off x="5866108" y="1790053"/>
-            <a:ext cx="2541624" cy="4378272"/>
+        <p:spPr>
+          <a:xfrm>
+            <a:off x="4838700" y="1594486"/>
+            <a:ext cx="3555457" cy="2313296"/>
           </a:xfrm>
           <a:prstGeom prst="rect">
             <a:avLst/>
@@ -5873,42 +6086,12 @@
           </a:effectLst>
         </p:spPr>
       </p:pic>
-      <p:pic>
-        <p:nvPicPr>
-          <p:cNvPr id="10" name="Picture 2"/>
-          <p:cNvPicPr>
-            <a:picLocks noChangeAspect="1" noChangeArrowheads="1"/>
-          </p:cNvPicPr>
-          <p:nvPr/>
-        </p:nvPicPr>
-        <p:blipFill>
-          <a:blip r:embed="rId4"/>
-          <a:srcRect/>
-          <a:stretch>
-            <a:fillRect/>
-          </a:stretch>
-        </p:blipFill>
-        <p:spPr bwMode="auto">
-          <a:xfrm>
-            <a:off x="906706" y="1790681"/>
-            <a:ext cx="4572001" cy="2779281"/>
-          </a:xfrm>
-          <a:prstGeom prst="rect">
-            <a:avLst/>
-          </a:prstGeom>
-          <a:ln>
-            <a:noFill/>
-          </a:ln>
-          <a:effectLst>
-            <a:outerShdw blurRad="292100" dist="139700" dir="2700000" algn="tl" rotWithShape="0">
-              <a:srgbClr val="333333">
-                <a:alpha val="65000"/>
-              </a:srgbClr>
-            </a:outerShdw>
-          </a:effectLst>
-        </p:spPr>
-      </p:pic>
     </p:spTree>
+    <p:extLst>
+      <p:ext uri="{BB962C8B-B14F-4D97-AF65-F5344CB8AC3E}">
+        <p14:creationId xmlns:p14="http://schemas.microsoft.com/office/powerpoint/2010/main" val="2405948166"/>
+      </p:ext>
+    </p:extLst>
   </p:cSld>
   <p:clrMapOvr>
     <a:masterClrMapping/>
@@ -5953,7 +6136,7 @@
         <p:spPr>
           <a:xfrm>
             <a:off x="822959" y="286604"/>
-            <a:ext cx="5422857" cy="1450757"/>
+            <a:ext cx="5422857" cy="865921"/>
           </a:xfrm>
         </p:spPr>
         <p:txBody>
@@ -5962,7 +6145,7 @@
           <a:p>
             <a:r>
               <a:rPr lang="de-DE" b="1" dirty="0" smtClean="0"/>
-              <a:t>Plug-Ins</a:t>
+              <a:t>Views</a:t>
             </a:r>
             <a:endParaRPr lang="de-DE" b="1" dirty="0"/>
           </a:p>
@@ -6041,7 +6224,7 @@
       </p:sp>
       <p:pic>
         <p:nvPicPr>
-          <p:cNvPr id="4098" name="Picture 2"/>
+          <p:cNvPr id="20483" name="Picture 3"/>
           <p:cNvPicPr>
             <a:picLocks noChangeAspect="1" noChangeArrowheads="1"/>
           </p:cNvPicPr>
@@ -6049,15 +6232,15 @@
         </p:nvPicPr>
         <p:blipFill>
           <a:blip r:embed="rId2"/>
-          <a:srcRect l="40061" t="17628" r="39956" b="59788"/>
+          <a:srcRect/>
           <a:stretch>
             <a:fillRect/>
           </a:stretch>
         </p:blipFill>
         <p:spPr bwMode="auto">
           <a:xfrm>
-            <a:off x="891153" y="1859797"/>
-            <a:ext cx="3488296" cy="3696346"/>
+            <a:off x="5297101" y="1433318"/>
+            <a:ext cx="2137248" cy="1943375"/>
           </a:xfrm>
           <a:prstGeom prst="rect">
             <a:avLst/>
@@ -6076,7 +6259,7 @@
       </p:pic>
       <p:pic>
         <p:nvPicPr>
-          <p:cNvPr id="4099" name="Picture 3"/>
+          <p:cNvPr id="11" name="Picture 2"/>
           <p:cNvPicPr>
             <a:picLocks noChangeAspect="1" noChangeArrowheads="1"/>
           </p:cNvPicPr>
@@ -6084,15 +6267,50 @@
         </p:nvPicPr>
         <p:blipFill>
           <a:blip r:embed="rId3"/>
-          <a:srcRect l="40032" t="17662" r="40008" b="59854"/>
+          <a:srcRect/>
           <a:stretch>
             <a:fillRect/>
           </a:stretch>
         </p:blipFill>
         <p:spPr bwMode="auto">
           <a:xfrm>
-            <a:off x="4843220" y="1859796"/>
-            <a:ext cx="3487119" cy="3682586"/>
+            <a:off x="688461" y="1477875"/>
+            <a:ext cx="3102234" cy="4333281"/>
+          </a:xfrm>
+          <a:prstGeom prst="rect">
+            <a:avLst/>
+          </a:prstGeom>
+          <a:ln>
+            <a:noFill/>
+          </a:ln>
+          <a:effectLst>
+            <a:outerShdw blurRad="292100" dist="139700" dir="2700000" algn="tl" rotWithShape="0">
+              <a:srgbClr val="333333">
+                <a:alpha val="65000"/>
+              </a:srgbClr>
+            </a:outerShdw>
+          </a:effectLst>
+        </p:spPr>
+      </p:pic>
+      <p:pic>
+        <p:nvPicPr>
+          <p:cNvPr id="20484" name="Picture 4"/>
+          <p:cNvPicPr>
+            <a:picLocks noChangeAspect="1" noChangeArrowheads="1"/>
+          </p:cNvPicPr>
+          <p:nvPr/>
+        </p:nvPicPr>
+        <p:blipFill>
+          <a:blip r:embed="rId4"/>
+          <a:srcRect/>
+          <a:stretch>
+            <a:fillRect/>
+          </a:stretch>
+        </p:blipFill>
+        <p:spPr bwMode="auto">
+          <a:xfrm>
+            <a:off x="4288481" y="3579631"/>
+            <a:ext cx="4151085" cy="2284368"/>
           </a:xfrm>
           <a:prstGeom prst="rect">
             <a:avLst/>
@@ -6154,7 +6372,7 @@
         <p:spPr>
           <a:xfrm>
             <a:off x="822959" y="286604"/>
-            <a:ext cx="5422857" cy="1450757"/>
+            <a:ext cx="5422857" cy="865921"/>
           </a:xfrm>
         </p:spPr>
         <p:txBody>
@@ -6163,7 +6381,7 @@
           <a:p>
             <a:r>
               <a:rPr lang="de-DE" b="1" dirty="0" smtClean="0"/>
-              <a:t>Persistenz</a:t>
+              <a:t>Plug-Ins</a:t>
             </a:r>
             <a:endParaRPr lang="de-DE" b="1" dirty="0"/>
           </a:p>
@@ -6242,7 +6460,7 @@
       </p:sp>
       <p:pic>
         <p:nvPicPr>
-          <p:cNvPr id="3078" name="Picture 6"/>
+          <p:cNvPr id="4098" name="Picture 2"/>
           <p:cNvPicPr>
             <a:picLocks noChangeAspect="1" noChangeArrowheads="1"/>
           </p:cNvPicPr>
@@ -6250,15 +6468,15 @@
         </p:nvPicPr>
         <p:blipFill>
           <a:blip r:embed="rId2"/>
-          <a:srcRect b="37890"/>
+          <a:srcRect l="40061" t="17628" r="39956" b="59788"/>
           <a:stretch>
             <a:fillRect/>
           </a:stretch>
         </p:blipFill>
         <p:spPr bwMode="auto">
           <a:xfrm>
-            <a:off x="5380010" y="1800305"/>
-            <a:ext cx="3028950" cy="4371895"/>
+            <a:off x="891154" y="1554998"/>
+            <a:ext cx="2985521" cy="3163584"/>
           </a:xfrm>
           <a:prstGeom prst="rect">
             <a:avLst/>
@@ -6277,7 +6495,7 @@
       </p:pic>
       <p:pic>
         <p:nvPicPr>
-          <p:cNvPr id="3079" name="Picture 7"/>
+          <p:cNvPr id="4099" name="Picture 3"/>
           <p:cNvPicPr>
             <a:picLocks noChangeAspect="1" noChangeArrowheads="1"/>
           </p:cNvPicPr>
@@ -6285,15 +6503,83 @@
         </p:nvPicPr>
         <p:blipFill>
           <a:blip r:embed="rId3"/>
-          <a:srcRect/>
+          <a:srcRect l="40032" t="17662" r="40008" b="59854"/>
           <a:stretch>
             <a:fillRect/>
           </a:stretch>
         </p:blipFill>
         <p:spPr bwMode="auto">
           <a:xfrm>
-            <a:off x="877591" y="1796110"/>
-            <a:ext cx="4056359" cy="4370244"/>
+            <a:off x="4843220" y="1554996"/>
+            <a:ext cx="2995855" cy="3163785"/>
+          </a:xfrm>
+          <a:prstGeom prst="rect">
+            <a:avLst/>
+          </a:prstGeom>
+          <a:ln>
+            <a:noFill/>
+          </a:ln>
+          <a:effectLst>
+            <a:outerShdw blurRad="292100" dist="139700" dir="2700000" algn="tl" rotWithShape="0">
+              <a:srgbClr val="333333">
+                <a:alpha val="65000"/>
+              </a:srgbClr>
+            </a:outerShdw>
+          </a:effectLst>
+        </p:spPr>
+      </p:pic>
+      <p:pic>
+        <p:nvPicPr>
+          <p:cNvPr id="3" name="Grafik 2"/>
+          <p:cNvPicPr>
+            <a:picLocks noChangeAspect="1"/>
+          </p:cNvPicPr>
+          <p:nvPr/>
+        </p:nvPicPr>
+        <p:blipFill>
+          <a:blip r:embed="rId4"/>
+          <a:stretch>
+            <a:fillRect/>
+          </a:stretch>
+        </p:blipFill>
+        <p:spPr>
+          <a:xfrm>
+            <a:off x="1366837" y="5317373"/>
+            <a:ext cx="2047875" cy="581025"/>
+          </a:xfrm>
+          <a:prstGeom prst="rect">
+            <a:avLst/>
+          </a:prstGeom>
+          <a:ln>
+            <a:noFill/>
+          </a:ln>
+          <a:effectLst>
+            <a:outerShdw blurRad="292100" dist="139700" dir="2700000" algn="tl" rotWithShape="0">
+              <a:srgbClr val="333333">
+                <a:alpha val="65000"/>
+              </a:srgbClr>
+            </a:outerShdw>
+          </a:effectLst>
+        </p:spPr>
+      </p:pic>
+      <p:pic>
+        <p:nvPicPr>
+          <p:cNvPr id="4" name="Grafik 3"/>
+          <p:cNvPicPr>
+            <a:picLocks noChangeAspect="1"/>
+          </p:cNvPicPr>
+          <p:nvPr/>
+        </p:nvPicPr>
+        <p:blipFill>
+          <a:blip r:embed="rId5"/>
+          <a:stretch>
+            <a:fillRect/>
+          </a:stretch>
+        </p:blipFill>
+        <p:spPr>
+          <a:xfrm>
+            <a:off x="4629150" y="4864934"/>
+            <a:ext cx="3533775" cy="1057275"/>
           </a:xfrm>
           <a:prstGeom prst="rect">
             <a:avLst/>
@@ -6355,7 +6641,7 @@
         <p:spPr>
           <a:xfrm>
             <a:off x="822959" y="286604"/>
-            <a:ext cx="5422857" cy="1450757"/>
+            <a:ext cx="5422857" cy="865921"/>
           </a:xfrm>
         </p:spPr>
         <p:txBody>
@@ -6364,7 +6650,7 @@
           <a:p>
             <a:r>
               <a:rPr lang="de-DE" b="1" dirty="0" smtClean="0"/>
-              <a:t>Performance</a:t>
+              <a:t>Persistenz</a:t>
             </a:r>
             <a:endParaRPr lang="de-DE" b="1" dirty="0"/>
           </a:p>
@@ -6441,6 +6727,76 @@
           </a:p>
         </p:txBody>
       </p:sp>
+      <p:pic>
+        <p:nvPicPr>
+          <p:cNvPr id="3078" name="Picture 6"/>
+          <p:cNvPicPr>
+            <a:picLocks noChangeAspect="1" noChangeArrowheads="1"/>
+          </p:cNvPicPr>
+          <p:nvPr/>
+        </p:nvPicPr>
+        <p:blipFill>
+          <a:blip r:embed="rId2"/>
+          <a:srcRect b="37890"/>
+          <a:stretch>
+            <a:fillRect/>
+          </a:stretch>
+        </p:blipFill>
+        <p:spPr bwMode="auto">
+          <a:xfrm>
+            <a:off x="5380010" y="1438355"/>
+            <a:ext cx="3028950" cy="4371895"/>
+          </a:xfrm>
+          <a:prstGeom prst="rect">
+            <a:avLst/>
+          </a:prstGeom>
+          <a:ln>
+            <a:noFill/>
+          </a:ln>
+          <a:effectLst>
+            <a:outerShdw blurRad="292100" dist="139700" dir="2700000" algn="tl" rotWithShape="0">
+              <a:srgbClr val="333333">
+                <a:alpha val="65000"/>
+              </a:srgbClr>
+            </a:outerShdw>
+          </a:effectLst>
+        </p:spPr>
+      </p:pic>
+      <p:pic>
+        <p:nvPicPr>
+          <p:cNvPr id="3079" name="Picture 7"/>
+          <p:cNvPicPr>
+            <a:picLocks noChangeAspect="1" noChangeArrowheads="1"/>
+          </p:cNvPicPr>
+          <p:nvPr/>
+        </p:nvPicPr>
+        <p:blipFill>
+          <a:blip r:embed="rId3"/>
+          <a:srcRect/>
+          <a:stretch>
+            <a:fillRect/>
+          </a:stretch>
+        </p:blipFill>
+        <p:spPr bwMode="auto">
+          <a:xfrm>
+            <a:off x="877591" y="1434160"/>
+            <a:ext cx="4056359" cy="4370244"/>
+          </a:xfrm>
+          <a:prstGeom prst="rect">
+            <a:avLst/>
+          </a:prstGeom>
+          <a:ln>
+            <a:noFill/>
+          </a:ln>
+          <a:effectLst>
+            <a:outerShdw blurRad="292100" dist="139700" dir="2700000" algn="tl" rotWithShape="0">
+              <a:srgbClr val="333333">
+                <a:alpha val="65000"/>
+              </a:srgbClr>
+            </a:outerShdw>
+          </a:effectLst>
+        </p:spPr>
+      </p:pic>
     </p:spTree>
   </p:cSld>
   <p:clrMapOvr>
@@ -6733,7 +7089,7 @@
   <a:extraClrSchemeLst/>
   <a:extLst>
     <a:ext uri="{05A4C25C-085E-4340-85A3-A5531E510DB2}">
-      <thm15:themeFamily xmlns="" xmlns:thm15="http://schemas.microsoft.com/office/thememl/2012/main" name="Retrospect" id="{5F128B03-DCCA-4EEB-AB3B-CF2899314A46}" vid="{9CC26709-368C-4D72-9060-94E5B3FF3CD6}"/>
+      <thm15:themeFamily xmlns:thm15="http://schemas.microsoft.com/office/thememl/2012/main" name="Retrospect" id="{5F128B03-DCCA-4EEB-AB3B-CF2899314A46}" vid="{9CC26709-368C-4D72-9060-94E5B3FF3CD6}"/>
     </a:ext>
   </a:extLst>
 </a:theme>
@@ -6994,7 +7350,7 @@
   <a:extraClrSchemeLst/>
   <a:extLst>
     <a:ext uri="{05A4C25C-085E-4340-85A3-A5531E510DB2}">
-      <thm15:themeFamily xmlns="" xmlns:thm15="http://schemas.microsoft.com/office/thememl/2012/main" name="Office Theme" id="{62F939B6-93AF-4DB8-9C6B-D6C7DFDC589F}" vid="{4A3C46E8-61CC-4603-A589-7422A47A8E4A}"/>
+      <thm15:themeFamily xmlns:thm15="http://schemas.microsoft.com/office/thememl/2012/main" name="Office Theme" id="{62F939B6-93AF-4DB8-9C6B-D6C7DFDC589F}" vid="{4A3C46E8-61CC-4603-A589-7422A47A8E4A}"/>
     </a:ext>
   </a:extLst>
 </a:theme>

--- a/de.htwg.se.mastermind/Presentation.pptx
+++ b/de.htwg.se.mastermind/Presentation.pptx
@@ -5,7 +5,7 @@
     <p:sldMasterId id="2147483910" r:id="rId1"/>
   </p:sldMasterIdLst>
   <p:notesMasterIdLst>
-    <p:notesMasterId r:id="rId14"/>
+    <p:notesMasterId r:id="rId15"/>
   </p:notesMasterIdLst>
   <p:sldIdLst>
     <p:sldId id="256" r:id="rId2"/>
@@ -18,8 +18,9 @@
     <p:sldId id="266" r:id="rId9"/>
     <p:sldId id="265" r:id="rId10"/>
     <p:sldId id="267" r:id="rId11"/>
-    <p:sldId id="268" r:id="rId12"/>
-    <p:sldId id="259" r:id="rId13"/>
+    <p:sldId id="270" r:id="rId12"/>
+    <p:sldId id="268" r:id="rId13"/>
+    <p:sldId id="259" r:id="rId14"/>
   </p:sldIdLst>
   <p:sldSz cx="9144000" cy="6858000" type="screen4x3"/>
   <p:notesSz cx="6858000" cy="9144000"/>
@@ -120,7 +121,7 @@
   </p:defaultTextStyle>
   <p:extLst>
     <p:ext uri="{EFAFB233-063F-42B5-8137-9DF3F51BA10A}">
-      <p15:sldGuideLst xmlns:p15="http://schemas.microsoft.com/office/powerpoint/2012/main">
+      <p15:sldGuideLst xmlns="" xmlns:p15="http://schemas.microsoft.com/office/powerpoint/2012/main">
         <p15:guide id="1" orient="horz" pos="2160">
           <p15:clr>
             <a:srgbClr val="A4A3A4"/>
@@ -220,7 +221,7 @@
             <a:fld id="{F54E8837-5039-41ED-B9BC-F738B3360D64}" type="datetimeFigureOut">
               <a:rPr lang="de-DE"/>
               <a:pPr/>
-              <a:t>10.06.2015</a:t>
+              <a:t>15.06.2015</a:t>
             </a:fld>
             <a:endParaRPr lang="de-DE"/>
           </a:p>
@@ -388,7 +389,7 @@
     </p:spTree>
     <p:extLst>
       <p:ext uri="{BB962C8B-B14F-4D97-AF65-F5344CB8AC3E}">
-        <p14:creationId xmlns:p14="http://schemas.microsoft.com/office/powerpoint/2010/main" val="2518394835"/>
+        <p14:creationId xmlns="" xmlns:p14="http://schemas.microsoft.com/office/powerpoint/2010/main" val="2518394835"/>
       </p:ext>
     </p:extLst>
   </p:cSld>
@@ -568,7 +569,7 @@
     </p:spTree>
     <p:extLst>
       <p:ext uri="{BB962C8B-B14F-4D97-AF65-F5344CB8AC3E}">
-        <p14:creationId xmlns:p14="http://schemas.microsoft.com/office/powerpoint/2010/main" val="1482335734"/>
+        <p14:creationId xmlns="" xmlns:p14="http://schemas.microsoft.com/office/powerpoint/2010/main" val="1482335734"/>
       </p:ext>
     </p:extLst>
   </p:cSld>
@@ -805,7 +806,7 @@
             <a:fld id="{0D4B5BC9-8E77-47C1-BB89-20F126E111F0}" type="datetime1">
               <a:rPr lang="de-DE" smtClean="0"/>
               <a:pPr/>
-              <a:t>10.06.2015</a:t>
+              <a:t>15.06.2015</a:t>
             </a:fld>
             <a:endParaRPr lang="en-US" dirty="0"/>
           </a:p>
@@ -899,7 +900,7 @@
     </p:spTree>
     <p:extLst>
       <p:ext uri="{BB962C8B-B14F-4D97-AF65-F5344CB8AC3E}">
-        <p14:creationId xmlns:p14="http://schemas.microsoft.com/office/powerpoint/2010/main" val="1403014083"/>
+        <p14:creationId xmlns="" xmlns:p14="http://schemas.microsoft.com/office/powerpoint/2010/main" val="1403014083"/>
       </p:ext>
     </p:extLst>
   </p:cSld>
@@ -1019,7 +1020,7 @@
             <a:fld id="{A2845164-0F48-4D58-B7D4-F4224632171D}" type="datetime1">
               <a:rPr lang="de-DE" smtClean="0"/>
               <a:pPr/>
-              <a:t>10.06.2015</a:t>
+              <a:t>15.06.2015</a:t>
             </a:fld>
             <a:endParaRPr lang="en-US" dirty="0"/>
           </a:p>
@@ -1075,7 +1076,7 @@
     </p:spTree>
     <p:extLst>
       <p:ext uri="{BB962C8B-B14F-4D97-AF65-F5344CB8AC3E}">
-        <p14:creationId xmlns:p14="http://schemas.microsoft.com/office/powerpoint/2010/main" val="2837294888"/>
+        <p14:creationId xmlns="" xmlns:p14="http://schemas.microsoft.com/office/powerpoint/2010/main" val="2837294888"/>
       </p:ext>
     </p:extLst>
   </p:cSld>
@@ -1281,7 +1282,7 @@
             <a:fld id="{8EF85F82-E37F-4540-9E40-2E79E2DC6ADE}" type="datetime1">
               <a:rPr lang="de-DE" smtClean="0"/>
               <a:pPr/>
-              <a:t>10.06.2015</a:t>
+              <a:t>15.06.2015</a:t>
             </a:fld>
             <a:endParaRPr lang="en-US" dirty="0"/>
           </a:p>
@@ -1337,7 +1338,7 @@
     </p:spTree>
     <p:extLst>
       <p:ext uri="{BB962C8B-B14F-4D97-AF65-F5344CB8AC3E}">
-        <p14:creationId xmlns:p14="http://schemas.microsoft.com/office/powerpoint/2010/main" val="2799996821"/>
+        <p14:creationId xmlns="" xmlns:p14="http://schemas.microsoft.com/office/powerpoint/2010/main" val="2799996821"/>
       </p:ext>
     </p:extLst>
   </p:cSld>
@@ -1410,7 +1411,7 @@
             <a:fld id="{2DDC997A-E1DE-4642-AA4B-BD3883EA8A23}" type="datetime1">
               <a:rPr lang="de-DE" smtClean="0"/>
               <a:pPr/>
-              <a:t>10.06.2015</a:t>
+              <a:t>15.06.2015</a:t>
             </a:fld>
             <a:endParaRPr lang="en-US" dirty="0"/>
           </a:p>
@@ -1576,8 +1577,8 @@
         </p:nvCxnSpPr>
         <p:spPr>
           <a:xfrm>
-            <a:off x="742950" y="1152525"/>
-            <a:ext cx="7666413" cy="0"/>
+            <a:off x="647700" y="1152525"/>
+            <a:ext cx="7915275" cy="0"/>
           </a:xfrm>
           <a:prstGeom prst="line">
             <a:avLst/>
@@ -1608,7 +1609,7 @@
     </p:spTree>
     <p:extLst>
       <p:ext uri="{BB962C8B-B14F-4D97-AF65-F5344CB8AC3E}">
-        <p14:creationId xmlns:p14="http://schemas.microsoft.com/office/powerpoint/2010/main" val="3355165293"/>
+        <p14:creationId xmlns="" xmlns:p14="http://schemas.microsoft.com/office/powerpoint/2010/main" val="3355165293"/>
       </p:ext>
     </p:extLst>
   </p:cSld>
@@ -1901,7 +1902,7 @@
             <a:fld id="{141039BF-75AD-47B6-B2FE-BB857E5D9596}" type="datetime1">
               <a:rPr lang="de-DE" smtClean="0"/>
               <a:pPr/>
-              <a:t>10.06.2015</a:t>
+              <a:t>15.06.2015</a:t>
             </a:fld>
             <a:endParaRPr lang="en-US" dirty="0"/>
           </a:p>
@@ -1995,7 +1996,7 @@
     </p:spTree>
     <p:extLst>
       <p:ext uri="{BB962C8B-B14F-4D97-AF65-F5344CB8AC3E}">
-        <p14:creationId xmlns:p14="http://schemas.microsoft.com/office/powerpoint/2010/main" val="2624436341"/>
+        <p14:creationId xmlns="" xmlns:p14="http://schemas.microsoft.com/office/powerpoint/2010/main" val="2624436341"/>
       </p:ext>
     </p:extLst>
   </p:cSld>
@@ -2182,7 +2183,7 @@
             <a:fld id="{B15BAFC3-9A23-4666-959E-5E36FCD086E7}" type="datetime1">
               <a:rPr lang="de-DE" smtClean="0"/>
               <a:pPr/>
-              <a:t>10.06.2015</a:t>
+              <a:t>15.06.2015</a:t>
             </a:fld>
             <a:endParaRPr lang="en-US" dirty="0"/>
           </a:p>
@@ -2238,7 +2239,7 @@
     </p:spTree>
     <p:extLst>
       <p:ext uri="{BB962C8B-B14F-4D97-AF65-F5344CB8AC3E}">
-        <p14:creationId xmlns:p14="http://schemas.microsoft.com/office/powerpoint/2010/main" val="3951225455"/>
+        <p14:creationId xmlns="" xmlns:p14="http://schemas.microsoft.com/office/powerpoint/2010/main" val="3951225455"/>
       </p:ext>
     </p:extLst>
   </p:cSld>
@@ -2567,7 +2568,7 @@
             <a:fld id="{7B1B55BF-9CD9-4994-BA1F-02E2FBCEB918}" type="datetime1">
               <a:rPr lang="de-DE" smtClean="0"/>
               <a:pPr/>
-              <a:t>10.06.2015</a:t>
+              <a:t>15.06.2015</a:t>
             </a:fld>
             <a:endParaRPr lang="en-US" dirty="0"/>
           </a:p>
@@ -2623,7 +2624,7 @@
     </p:spTree>
     <p:extLst>
       <p:ext uri="{BB962C8B-B14F-4D97-AF65-F5344CB8AC3E}">
-        <p14:creationId xmlns:p14="http://schemas.microsoft.com/office/powerpoint/2010/main" val="2296925755"/>
+        <p14:creationId xmlns="" xmlns:p14="http://schemas.microsoft.com/office/powerpoint/2010/main" val="2296925755"/>
       </p:ext>
     </p:extLst>
   </p:cSld>
@@ -2691,7 +2692,7 @@
             <a:fld id="{62E82DC3-09E8-4BD8-8ECB-4DF739DA760C}" type="datetime1">
               <a:rPr lang="de-DE" smtClean="0"/>
               <a:pPr/>
-              <a:t>10.06.2015</a:t>
+              <a:t>15.06.2015</a:t>
             </a:fld>
             <a:endParaRPr lang="en-US" dirty="0"/>
           </a:p>
@@ -2747,7 +2748,7 @@
     </p:spTree>
     <p:extLst>
       <p:ext uri="{BB962C8B-B14F-4D97-AF65-F5344CB8AC3E}">
-        <p14:creationId xmlns:p14="http://schemas.microsoft.com/office/powerpoint/2010/main" val="856258981"/>
+        <p14:creationId xmlns="" xmlns:p14="http://schemas.microsoft.com/office/powerpoint/2010/main" val="856258981"/>
       </p:ext>
     </p:extLst>
   </p:cSld>
@@ -2868,7 +2869,7 @@
             <a:fld id="{C73792DA-8F94-40B7-AFAB-167201D2BB07}" type="datetime1">
               <a:rPr lang="de-DE" smtClean="0"/>
               <a:pPr/>
-              <a:t>10.06.2015</a:t>
+              <a:t>15.06.2015</a:t>
             </a:fld>
             <a:endParaRPr lang="en-US" dirty="0"/>
           </a:p>
@@ -2932,7 +2933,7 @@
     </p:spTree>
     <p:extLst>
       <p:ext uri="{BB962C8B-B14F-4D97-AF65-F5344CB8AC3E}">
-        <p14:creationId xmlns:p14="http://schemas.microsoft.com/office/powerpoint/2010/main" val="1257413516"/>
+        <p14:creationId xmlns="" xmlns:p14="http://schemas.microsoft.com/office/powerpoint/2010/main" val="1257413516"/>
       </p:ext>
     </p:extLst>
   </p:cSld>
@@ -3228,7 +3229,7 @@
             <a:fld id="{71D88CAB-D144-4121-B0BA-48F74F2AA981}" type="datetime1">
               <a:rPr lang="de-DE" smtClean="0"/>
               <a:pPr/>
-              <a:t>10.06.2015</a:t>
+              <a:t>15.06.2015</a:t>
             </a:fld>
             <a:endParaRPr lang="en-US" dirty="0"/>
           </a:p>
@@ -3305,7 +3306,7 @@
     </p:spTree>
     <p:extLst>
       <p:ext uri="{BB962C8B-B14F-4D97-AF65-F5344CB8AC3E}">
-        <p14:creationId xmlns:p14="http://schemas.microsoft.com/office/powerpoint/2010/main" val="112923765"/>
+        <p14:creationId xmlns="" xmlns:p14="http://schemas.microsoft.com/office/powerpoint/2010/main" val="112923765"/>
       </p:ext>
     </p:extLst>
   </p:cSld>
@@ -3611,7 +3612,7 @@
             <a:fld id="{E19CC5BD-B0D2-499F-8B44-F84F9D4B93DC}" type="datetime1">
               <a:rPr lang="de-DE" smtClean="0"/>
               <a:pPr/>
-              <a:t>10.06.2015</a:t>
+              <a:t>15.06.2015</a:t>
             </a:fld>
             <a:endParaRPr lang="en-US" dirty="0"/>
           </a:p>
@@ -3667,7 +3668,7 @@
     </p:spTree>
     <p:extLst>
       <p:ext uri="{BB962C8B-B14F-4D97-AF65-F5344CB8AC3E}">
-        <p14:creationId xmlns:p14="http://schemas.microsoft.com/office/powerpoint/2010/main" val="3348260142"/>
+        <p14:creationId xmlns="" xmlns:p14="http://schemas.microsoft.com/office/powerpoint/2010/main" val="3348260142"/>
       </p:ext>
     </p:extLst>
   </p:cSld>
@@ -3904,7 +3905,7 @@
             <a:fld id="{87470D16-1792-4024-B1D2-A0A5F9C1C36F}" type="datetime1">
               <a:rPr lang="de-DE" smtClean="0"/>
               <a:pPr/>
-              <a:t>10.06.2015</a:t>
+              <a:t>15.06.2015</a:t>
             </a:fld>
             <a:endParaRPr lang="en-US" dirty="0"/>
           </a:p>
@@ -4030,7 +4031,7 @@
     </p:spTree>
     <p:extLst>
       <p:ext uri="{BB962C8B-B14F-4D97-AF65-F5344CB8AC3E}">
-        <p14:creationId xmlns:p14="http://schemas.microsoft.com/office/powerpoint/2010/main" val="1039846697"/>
+        <p14:creationId xmlns="" xmlns:p14="http://schemas.microsoft.com/office/powerpoint/2010/main" val="1039846697"/>
       </p:ext>
     </p:extLst>
   </p:cSld>
@@ -4532,7 +4533,7 @@
     </p:spTree>
     <p:extLst>
       <p:ext uri="{BB962C8B-B14F-4D97-AF65-F5344CB8AC3E}">
-        <p14:creationId xmlns:p14="http://schemas.microsoft.com/office/powerpoint/2010/main" val="4100527049"/>
+        <p14:creationId xmlns="" xmlns:p14="http://schemas.microsoft.com/office/powerpoint/2010/main" val="4100527049"/>
       </p:ext>
     </p:extLst>
   </p:cSld>
@@ -4588,7 +4589,7 @@
           <a:p>
             <a:r>
               <a:rPr lang="de-DE" b="1" dirty="0" smtClean="0"/>
-              <a:t>Performance</a:t>
+              <a:t>Performanz</a:t>
             </a:r>
             <a:endParaRPr lang="de-DE" b="1" dirty="0"/>
           </a:p>
@@ -4612,7 +4613,7 @@
             <a:fld id="{EEF01910-E735-476D-980E-B979AA991A9A}" type="datetime1">
               <a:rPr lang="de-DE" smtClean="0"/>
               <a:pPr/>
-              <a:t>10.06.2015</a:t>
+              <a:t>15.06.2015</a:t>
             </a:fld>
             <a:endParaRPr lang="en-US" dirty="0"/>
           </a:p>
@@ -4665,6 +4666,41 @@
           </a:p>
         </p:txBody>
       </p:sp>
+      <p:pic>
+        <p:nvPicPr>
+          <p:cNvPr id="4097" name="Picture 1"/>
+          <p:cNvPicPr>
+            <a:picLocks noChangeAspect="1" noChangeArrowheads="1"/>
+          </p:cNvPicPr>
+          <p:nvPr/>
+        </p:nvPicPr>
+        <p:blipFill>
+          <a:blip r:embed="rId2"/>
+          <a:srcRect/>
+          <a:stretch>
+            <a:fillRect/>
+          </a:stretch>
+        </p:blipFill>
+        <p:spPr bwMode="auto">
+          <a:xfrm>
+            <a:off x="1391739" y="1402596"/>
+            <a:ext cx="6567288" cy="4642631"/>
+          </a:xfrm>
+          <a:prstGeom prst="rect">
+            <a:avLst/>
+          </a:prstGeom>
+          <a:ln>
+            <a:noFill/>
+          </a:ln>
+          <a:effectLst>
+            <a:outerShdw blurRad="292100" dist="139700" dir="2700000" algn="tl" rotWithShape="0">
+              <a:srgbClr val="333333">
+                <a:alpha val="65000"/>
+              </a:srgbClr>
+            </a:outerShdw>
+          </a:effectLst>
+        </p:spPr>
+      </p:pic>
     </p:spTree>
   </p:cSld>
   <p:clrMapOvr>
@@ -4719,7 +4755,7 @@
           <a:p>
             <a:r>
               <a:rPr lang="de-DE" b="1" dirty="0" smtClean="0"/>
-              <a:t>Nebenläufigkeit</a:t>
+              <a:t>Performanz</a:t>
             </a:r>
             <a:endParaRPr lang="de-DE" b="1" dirty="0"/>
           </a:p>
@@ -4743,7 +4779,7 @@
             <a:fld id="{EEF01910-E735-476D-980E-B979AA991A9A}" type="datetime1">
               <a:rPr lang="de-DE" smtClean="0"/>
               <a:pPr/>
-              <a:t>10.06.2015</a:t>
+              <a:t>16.06.2015</a:t>
             </a:fld>
             <a:endParaRPr lang="en-US" dirty="0"/>
           </a:p>
@@ -4796,6 +4832,233 @@
           </a:p>
         </p:txBody>
       </p:sp>
+      <p:pic>
+        <p:nvPicPr>
+          <p:cNvPr id="27650" name="Picture 2"/>
+          <p:cNvPicPr>
+            <a:picLocks noChangeAspect="1" noChangeArrowheads="1"/>
+          </p:cNvPicPr>
+          <p:nvPr/>
+        </p:nvPicPr>
+        <p:blipFill>
+          <a:blip r:embed="rId2"/>
+          <a:srcRect/>
+          <a:stretch>
+            <a:fillRect/>
+          </a:stretch>
+        </p:blipFill>
+        <p:spPr bwMode="auto">
+          <a:xfrm>
+            <a:off x="763857" y="1355779"/>
+            <a:ext cx="6187133" cy="1434255"/>
+          </a:xfrm>
+          <a:prstGeom prst="rect">
+            <a:avLst/>
+          </a:prstGeom>
+          <a:ln>
+            <a:noFill/>
+          </a:ln>
+          <a:effectLst>
+            <a:outerShdw blurRad="292100" dist="139700" dir="2700000" algn="tl" rotWithShape="0">
+              <a:srgbClr val="333333">
+                <a:alpha val="65000"/>
+              </a:srgbClr>
+            </a:outerShdw>
+          </a:effectLst>
+        </p:spPr>
+      </p:pic>
+      <p:sp>
+        <p:nvSpPr>
+          <p:cNvPr id="27651" name="Rectangle 3"/>
+          <p:cNvSpPr>
+            <a:spLocks noChangeArrowheads="1"/>
+          </p:cNvSpPr>
+          <p:nvPr/>
+        </p:nvSpPr>
+        <p:spPr bwMode="auto">
+          <a:xfrm>
+            <a:off x="0" y="0"/>
+            <a:ext cx="9144000" cy="457200"/>
+          </a:xfrm>
+          <a:prstGeom prst="rect">
+            <a:avLst/>
+          </a:prstGeom>
+          <a:solidFill>
+            <a:srgbClr val="2B2B2B"/>
+          </a:solidFill>
+          <a:ln w="9525">
+            <a:noFill/>
+            <a:miter lim="800000"/>
+            <a:headEnd/>
+            <a:tailEnd/>
+          </a:ln>
+          <a:effectLst/>
+        </p:spPr>
+        <p:txBody>
+          <a:bodyPr vert="horz" wrap="none" lIns="91440" tIns="45720" rIns="91440" bIns="45720" numCol="1" anchor="ctr" anchorCtr="0" compatLnSpc="1">
+            <a:prstTxWarp prst="textNoShape">
+              <a:avLst/>
+            </a:prstTxWarp>
+            <a:spAutoFit/>
+          </a:bodyPr>
+          <a:lstStyle/>
+          <a:p>
+            <a:pPr marL="0" marR="0" lvl="0" indent="0" algn="l" defTabSz="914400" rtl="0" eaLnBrk="1" fontAlgn="base" latinLnBrk="0" hangingPunct="1">
+              <a:lnSpc>
+                <a:spcPct val="100000"/>
+              </a:lnSpc>
+              <a:spcBef>
+                <a:spcPct val="0"/>
+              </a:spcBef>
+              <a:spcAft>
+                <a:spcPct val="0"/>
+              </a:spcAft>
+              <a:buClrTx/>
+              <a:buSzTx/>
+              <a:buFontTx/>
+              <a:buNone/>
+              <a:tabLst/>
+            </a:pPr>
+            <a:r>
+              <a:rPr kumimoji="0" lang="de-DE" sz="1000" b="0" i="0" u="none" strike="noStrike" cap="none" normalizeH="0" baseline="0" smtClean="0">
+                <a:ln>
+                  <a:noFill/>
+                </a:ln>
+                <a:solidFill>
+                  <a:srgbClr val="A9B7C6"/>
+                </a:solidFill>
+                <a:effectLst/>
+                <a:latin typeface="Courier New" pitchFamily="49" charset="0"/>
+                <a:cs typeface="Courier New" pitchFamily="49" charset="0"/>
+              </a:rPr>
+              <a:t>sb.append(</a:t>
+            </a:r>
+            <a:r>
+              <a:rPr kumimoji="0" lang="de-DE" sz="1000" b="0" i="0" u="none" strike="noStrike" cap="none" normalizeH="0" baseline="0" smtClean="0">
+                <a:ln>
+                  <a:noFill/>
+                </a:ln>
+                <a:solidFill>
+                  <a:srgbClr val="6A8759"/>
+                </a:solidFill>
+                <a:effectLst/>
+                <a:latin typeface="Courier New" pitchFamily="49" charset="0"/>
+                <a:cs typeface="Courier New" pitchFamily="49" charset="0"/>
+              </a:rPr>
+              <a:t>"+" </a:t>
+            </a:r>
+            <a:r>
+              <a:rPr kumimoji="0" lang="de-DE" sz="1000" b="0" i="0" u="none" strike="noStrike" cap="none" normalizeH="0" baseline="0" smtClean="0">
+                <a:ln>
+                  <a:noFill/>
+                </a:ln>
+                <a:solidFill>
+                  <a:srgbClr val="A9B7C6"/>
+                </a:solidFill>
+                <a:effectLst/>
+                <a:latin typeface="Courier New" pitchFamily="49" charset="0"/>
+                <a:cs typeface="Courier New" pitchFamily="49" charset="0"/>
+              </a:rPr>
+              <a:t>+ newLine)</a:t>
+            </a:r>
+            <a:r>
+              <a:rPr kumimoji="0" lang="de-DE" sz="1000" b="0" i="0" u="none" strike="noStrike" cap="none" normalizeH="0" baseline="0" smtClean="0">
+                <a:ln>
+                  <a:noFill/>
+                </a:ln>
+                <a:solidFill>
+                  <a:srgbClr val="CC7832"/>
+                </a:solidFill>
+                <a:effectLst/>
+                <a:latin typeface="Courier New" pitchFamily="49" charset="0"/>
+                <a:cs typeface="Courier New" pitchFamily="49" charset="0"/>
+              </a:rPr>
+              <a:t>;</a:t>
+            </a:r>
+            <a:endParaRPr kumimoji="0" lang="de-DE" sz="1800" b="0" i="0" u="none" strike="noStrike" cap="none" normalizeH="0" baseline="0" smtClean="0">
+              <a:ln>
+                <a:noFill/>
+              </a:ln>
+              <a:solidFill>
+                <a:schemeClr val="tx1"/>
+              </a:solidFill>
+              <a:effectLst/>
+              <a:latin typeface="Arial" pitchFamily="34" charset="0"/>
+              <a:cs typeface="Arial" pitchFamily="34" charset="0"/>
+            </a:endParaRPr>
+          </a:p>
+        </p:txBody>
+      </p:sp>
+      <p:pic>
+        <p:nvPicPr>
+          <p:cNvPr id="27652" name="Picture 4"/>
+          <p:cNvPicPr>
+            <a:picLocks noChangeAspect="1" noChangeArrowheads="1"/>
+          </p:cNvPicPr>
+          <p:nvPr/>
+        </p:nvPicPr>
+        <p:blipFill>
+          <a:blip r:embed="rId3"/>
+          <a:srcRect/>
+          <a:stretch>
+            <a:fillRect/>
+          </a:stretch>
+        </p:blipFill>
+        <p:spPr bwMode="auto">
+          <a:xfrm>
+            <a:off x="745614" y="2963972"/>
+            <a:ext cx="4182847" cy="1610171"/>
+          </a:xfrm>
+          <a:prstGeom prst="rect">
+            <a:avLst/>
+          </a:prstGeom>
+          <a:ln>
+            <a:noFill/>
+          </a:ln>
+          <a:effectLst>
+            <a:outerShdw blurRad="292100" dist="139700" dir="2700000" algn="tl" rotWithShape="0">
+              <a:srgbClr val="333333">
+                <a:alpha val="65000"/>
+              </a:srgbClr>
+            </a:outerShdw>
+          </a:effectLst>
+        </p:spPr>
+      </p:pic>
+      <p:pic>
+        <p:nvPicPr>
+          <p:cNvPr id="27653" name="Picture 5"/>
+          <p:cNvPicPr>
+            <a:picLocks noChangeAspect="1" noChangeArrowheads="1"/>
+          </p:cNvPicPr>
+          <p:nvPr/>
+        </p:nvPicPr>
+        <p:blipFill>
+          <a:blip r:embed="rId4"/>
+          <a:srcRect/>
+          <a:stretch>
+            <a:fillRect/>
+          </a:stretch>
+        </p:blipFill>
+        <p:spPr bwMode="auto">
+          <a:xfrm>
+            <a:off x="721478" y="4743931"/>
+            <a:ext cx="6345749" cy="1471707"/>
+          </a:xfrm>
+          <a:prstGeom prst="rect">
+            <a:avLst/>
+          </a:prstGeom>
+          <a:ln>
+            <a:noFill/>
+          </a:ln>
+          <a:effectLst>
+            <a:outerShdw blurRad="292100" dist="139700" dir="2700000" algn="tl" rotWithShape="0">
+              <a:srgbClr val="333333">
+                <a:alpha val="65000"/>
+              </a:srgbClr>
+            </a:outerShdw>
+          </a:effectLst>
+        </p:spPr>
+      </p:pic>
     </p:spTree>
   </p:cSld>
   <p:clrMapOvr>
@@ -4838,59 +5101,43 @@
             <p:ph type="title"/>
           </p:nvPr>
         </p:nvSpPr>
+        <p:spPr>
+          <a:xfrm>
+            <a:off x="822959" y="286604"/>
+            <a:ext cx="5422857" cy="865921"/>
+          </a:xfrm>
+        </p:spPr>
+        <p:txBody>
+          <a:bodyPr/>
+          <a:lstStyle/>
+          <a:p>
+            <a:r>
+              <a:rPr lang="de-DE" b="1" dirty="0" smtClean="0"/>
+              <a:t>Nebenläufigkeit</a:t>
+            </a:r>
+            <a:endParaRPr lang="de-DE" b="1" dirty="0"/>
+          </a:p>
+        </p:txBody>
+      </p:sp>
+      <p:sp>
+        <p:nvSpPr>
+          <p:cNvPr id="7" name="Datumsplatzhalter 6"/>
+          <p:cNvSpPr>
+            <a:spLocks noGrp="1"/>
+          </p:cNvSpPr>
+          <p:nvPr>
+            <p:ph type="dt" sz="half" idx="10"/>
+          </p:nvPr>
+        </p:nvSpPr>
         <p:spPr/>
         <p:txBody>
-          <a:bodyPr>
-            <a:normAutofit/>
-          </a:bodyPr>
-          <a:lstStyle/>
-          <a:p>
-            <a:r>
-              <a:rPr lang="de-DE" sz="5400" b="1" dirty="0" smtClean="0"/>
-              <a:t>Vielen Dank für Ihre Aufmerksamkeit</a:t>
-            </a:r>
-            <a:endParaRPr lang="de-DE" sz="5400" b="1" dirty="0"/>
-          </a:p>
-        </p:txBody>
-      </p:sp>
-      <p:sp>
-        <p:nvSpPr>
-          <p:cNvPr id="3" name="Textplatzhalter 2"/>
-          <p:cNvSpPr>
-            <a:spLocks noGrp="1"/>
-          </p:cNvSpPr>
-          <p:nvPr>
-            <p:ph type="body" idx="1"/>
-          </p:nvPr>
-        </p:nvSpPr>
-        <p:spPr/>
-        <p:txBody>
-          <a:bodyPr/>
-          <a:lstStyle/>
-          <a:p>
-            <a:endParaRPr lang="de-DE" dirty="0"/>
-          </a:p>
-        </p:txBody>
-      </p:sp>
-      <p:sp>
-        <p:nvSpPr>
-          <p:cNvPr id="5" name="Datumsplatzhalter 4"/>
-          <p:cNvSpPr>
-            <a:spLocks noGrp="1"/>
-          </p:cNvSpPr>
-          <p:nvPr>
-            <p:ph type="dt" sz="half" idx="10"/>
-          </p:nvPr>
-        </p:nvSpPr>
-        <p:spPr/>
-        <p:txBody>
-          <a:bodyPr/>
-          <a:lstStyle/>
-          <a:p>
-            <a:fld id="{14D1886A-1E1A-4BBA-8E28-CE7DA8C564DE}" type="datetime1">
+          <a:bodyPr/>
+          <a:lstStyle/>
+          <a:p>
+            <a:fld id="{EEF01910-E735-476D-980E-B979AA991A9A}" type="datetime1">
               <a:rPr lang="de-DE" smtClean="0"/>
               <a:pPr/>
-              <a:t>10.06.2015</a:t>
+              <a:t>15.06.2015</a:t>
             </a:fld>
             <a:endParaRPr lang="en-US" dirty="0"/>
           </a:p>
@@ -4898,7 +5145,7 @@
       </p:sp>
       <p:sp>
         <p:nvSpPr>
-          <p:cNvPr id="6" name="Foliennummernplatzhalter 5"/>
+          <p:cNvPr id="8" name="Foliennummernplatzhalter 7"/>
           <p:cNvSpPr>
             <a:spLocks noGrp="1"/>
           </p:cNvSpPr>
@@ -4915,6 +5162,153 @@
               <a:rPr lang="en-US" smtClean="0"/>
               <a:pPr/>
               <a:t>12</a:t>
+            </a:fld>
+            <a:endParaRPr lang="en-US" dirty="0"/>
+          </a:p>
+        </p:txBody>
+      </p:sp>
+      <p:sp>
+        <p:nvSpPr>
+          <p:cNvPr id="9" name="Fußzeilenplatzhalter 8"/>
+          <p:cNvSpPr>
+            <a:spLocks noGrp="1"/>
+          </p:cNvSpPr>
+          <p:nvPr>
+            <p:ph type="ftr" sz="quarter" idx="11"/>
+          </p:nvPr>
+        </p:nvSpPr>
+        <p:spPr/>
+        <p:txBody>
+          <a:bodyPr/>
+          <a:lstStyle/>
+          <a:p>
+            <a:r>
+              <a:rPr lang="en-US" smtClean="0"/>
+              <a:t>Software Architektur Präsentation - SS2015</a:t>
+            </a:r>
+            <a:endParaRPr lang="en-US" dirty="0"/>
+          </a:p>
+        </p:txBody>
+      </p:sp>
+    </p:spTree>
+  </p:cSld>
+  <p:clrMapOvr>
+    <a:masterClrMapping/>
+  </p:clrMapOvr>
+  <p:timing>
+    <p:tnLst>
+      <p:par>
+        <p:cTn id="1" dur="indefinite" restart="never" nodeType="tmRoot"/>
+      </p:par>
+    </p:tnLst>
+  </p:timing>
+</p:sld>
+</file>
+
+<file path=ppt/slides/slide13.xml><?xml version="1.0" encoding="utf-8"?>
+<p:sld xmlns:a="http://schemas.openxmlformats.org/drawingml/2006/main" xmlns:r="http://schemas.openxmlformats.org/officeDocument/2006/relationships" xmlns:p="http://schemas.openxmlformats.org/presentationml/2006/main">
+  <p:cSld>
+    <p:spTree>
+      <p:nvGrpSpPr>
+        <p:cNvPr id="1" name=""/>
+        <p:cNvGrpSpPr/>
+        <p:nvPr/>
+      </p:nvGrpSpPr>
+      <p:grpSpPr>
+        <a:xfrm>
+          <a:off x="0" y="0"/>
+          <a:ext cx="0" cy="0"/>
+          <a:chOff x="0" y="0"/>
+          <a:chExt cx="0" cy="0"/>
+        </a:xfrm>
+      </p:grpSpPr>
+      <p:sp>
+        <p:nvSpPr>
+          <p:cNvPr id="2" name="Titel 1"/>
+          <p:cNvSpPr>
+            <a:spLocks noGrp="1"/>
+          </p:cNvSpPr>
+          <p:nvPr>
+            <p:ph type="title"/>
+          </p:nvPr>
+        </p:nvSpPr>
+        <p:spPr/>
+        <p:txBody>
+          <a:bodyPr>
+            <a:normAutofit/>
+          </a:bodyPr>
+          <a:lstStyle/>
+          <a:p>
+            <a:r>
+              <a:rPr lang="de-DE" sz="5400" b="1" dirty="0" smtClean="0"/>
+              <a:t>Vielen Dank für Ihre Aufmerksamkeit</a:t>
+            </a:r>
+            <a:endParaRPr lang="de-DE" sz="5400" b="1" dirty="0"/>
+          </a:p>
+        </p:txBody>
+      </p:sp>
+      <p:sp>
+        <p:nvSpPr>
+          <p:cNvPr id="3" name="Textplatzhalter 2"/>
+          <p:cNvSpPr>
+            <a:spLocks noGrp="1"/>
+          </p:cNvSpPr>
+          <p:nvPr>
+            <p:ph type="body" idx="1"/>
+          </p:nvPr>
+        </p:nvSpPr>
+        <p:spPr/>
+        <p:txBody>
+          <a:bodyPr/>
+          <a:lstStyle/>
+          <a:p>
+            <a:endParaRPr lang="de-DE" dirty="0"/>
+          </a:p>
+        </p:txBody>
+      </p:sp>
+      <p:sp>
+        <p:nvSpPr>
+          <p:cNvPr id="5" name="Datumsplatzhalter 4"/>
+          <p:cNvSpPr>
+            <a:spLocks noGrp="1"/>
+          </p:cNvSpPr>
+          <p:nvPr>
+            <p:ph type="dt" sz="half" idx="10"/>
+          </p:nvPr>
+        </p:nvSpPr>
+        <p:spPr/>
+        <p:txBody>
+          <a:bodyPr/>
+          <a:lstStyle/>
+          <a:p>
+            <a:fld id="{14D1886A-1E1A-4BBA-8E28-CE7DA8C564DE}" type="datetime1">
+              <a:rPr lang="de-DE" smtClean="0"/>
+              <a:pPr/>
+              <a:t>15.06.2015</a:t>
+            </a:fld>
+            <a:endParaRPr lang="en-US" dirty="0"/>
+          </a:p>
+        </p:txBody>
+      </p:sp>
+      <p:sp>
+        <p:nvSpPr>
+          <p:cNvPr id="6" name="Foliennummernplatzhalter 5"/>
+          <p:cNvSpPr>
+            <a:spLocks noGrp="1"/>
+          </p:cNvSpPr>
+          <p:nvPr>
+            <p:ph type="sldNum" sz="quarter" idx="12"/>
+          </p:nvPr>
+        </p:nvSpPr>
+        <p:spPr/>
+        <p:txBody>
+          <a:bodyPr/>
+          <a:lstStyle/>
+          <a:p>
+            <a:fld id="{4FAB73BC-B049-4115-A692-8D63A059BFB8}" type="slidenum">
+              <a:rPr lang="en-US" smtClean="0"/>
+              <a:pPr/>
+              <a:t>13</a:t>
             </a:fld>
             <a:endParaRPr lang="en-US" dirty="0"/>
           </a:p>
@@ -5010,8 +5404,8 @@
         </p:nvSpPr>
         <p:spPr>
           <a:xfrm>
-            <a:off x="822960" y="1400175"/>
-            <a:ext cx="7543800" cy="4876639"/>
+            <a:off x="822960" y="1152525"/>
+            <a:ext cx="7543800" cy="5124289"/>
           </a:xfrm>
         </p:spPr>
         <p:txBody>
@@ -5140,7 +5534,7 @@
             <a:fld id="{63BA7107-135F-4272-B660-DC5C627C7572}" type="datetime1">
               <a:rPr lang="de-DE" smtClean="0"/>
               <a:pPr/>
-              <a:t>10.06.2015</a:t>
+              <a:t>15.06.2015</a:t>
             </a:fld>
             <a:endParaRPr lang="en-US" dirty="0"/>
           </a:p>
@@ -5242,7 +5636,7 @@
         </p:blipFill>
         <p:spPr bwMode="auto">
           <a:xfrm>
-            <a:off x="4672396" y="2569031"/>
+            <a:off x="4510471" y="2569031"/>
             <a:ext cx="4311038" cy="3612828"/>
           </a:xfrm>
           <a:prstGeom prst="rect">
@@ -5339,7 +5733,15 @@
             </a:pPr>
             <a:r>
               <a:rPr lang="de-DE" sz="3200" dirty="0" smtClean="0"/>
-              <a:t>Für zwei Personen</a:t>
+              <a:t>Z</a:t>
+            </a:r>
+            <a:r>
+              <a:rPr lang="de-DE" sz="3200" dirty="0" smtClean="0"/>
+              <a:t>wei </a:t>
+            </a:r>
+            <a:r>
+              <a:rPr lang="de-DE" sz="3200" dirty="0" smtClean="0"/>
+              <a:t>Personen</a:t>
             </a:r>
             <a:endParaRPr lang="de-DE" sz="2000" dirty="0" smtClean="0"/>
           </a:p>
@@ -5373,7 +5775,7 @@
             <a:fld id="{5BBF3383-53D5-432D-AF13-3F33FADF3634}" type="datetime1">
               <a:rPr lang="de-DE" smtClean="0"/>
               <a:pPr/>
-              <a:t>10.06.2015</a:t>
+              <a:t>15.06.2015</a:t>
             </a:fld>
             <a:endParaRPr lang="en-US" dirty="0"/>
           </a:p>
@@ -5471,7 +5873,7 @@
         <p:spPr>
           <a:xfrm>
             <a:off x="822960" y="286605"/>
-            <a:ext cx="4663440" cy="875446"/>
+            <a:ext cx="4663440" cy="875445"/>
           </a:xfrm>
         </p:spPr>
         <p:txBody>
@@ -5530,8 +5932,13 @@
             </a:pPr>
             <a:r>
               <a:rPr lang="de-DE" sz="3200" dirty="0" smtClean="0"/>
-              <a:t>Mit Hinweisen</a:t>
-            </a:r>
+              <a:t>Mit </a:t>
+            </a:r>
+            <a:r>
+              <a:rPr lang="de-DE" sz="3200" dirty="0" smtClean="0"/>
+              <a:t>Lösungs-Hinweisen</a:t>
+            </a:r>
+            <a:endParaRPr lang="de-DE" sz="3200" dirty="0" smtClean="0"/>
           </a:p>
           <a:p>
             <a:pPr lvl="1">
@@ -5598,7 +6005,7 @@
             <a:fld id="{D8E9E448-2B95-4BAB-A070-BBA0EF87464D}" type="datetime1">
               <a:rPr lang="de-DE" smtClean="0"/>
               <a:pPr/>
-              <a:t>10.06.2015</a:t>
+              <a:t>15.06.2015</a:t>
             </a:fld>
             <a:endParaRPr lang="en-US" dirty="0"/>
           </a:p>
@@ -5729,7 +6136,7 @@
             <a:fld id="{EEF01910-E735-476D-980E-B979AA991A9A}" type="datetime1">
               <a:rPr lang="de-DE" smtClean="0"/>
               <a:pPr/>
-              <a:t>10.06.2015</a:t>
+              <a:t>15.06.2015</a:t>
             </a:fld>
             <a:endParaRPr lang="en-US" dirty="0"/>
           </a:p>
@@ -5801,8 +6208,8 @@
         </p:blipFill>
         <p:spPr bwMode="auto">
           <a:xfrm>
-            <a:off x="913439" y="4341164"/>
-            <a:ext cx="4591933" cy="1349078"/>
+            <a:off x="913439" y="4512614"/>
+            <a:ext cx="4591933" cy="1469086"/>
           </a:xfrm>
           <a:prstGeom prst="rect">
             <a:avLst/>
@@ -5837,7 +6244,7 @@
         <p:spPr bwMode="auto">
           <a:xfrm>
             <a:off x="5866108" y="1294753"/>
-            <a:ext cx="2541624" cy="4378272"/>
+            <a:ext cx="2706392" cy="4662106"/>
           </a:xfrm>
           <a:prstGeom prst="rect">
             <a:avLst/>
@@ -5921,6 +6328,38 @@
           <a:chExt cx="0" cy="0"/>
         </a:xfrm>
       </p:grpSpPr>
+      <p:pic>
+        <p:nvPicPr>
+          <p:cNvPr id="1026" name="Picture 2"/>
+          <p:cNvPicPr>
+            <a:picLocks noChangeAspect="1" noChangeArrowheads="1"/>
+          </p:cNvPicPr>
+          <p:nvPr/>
+        </p:nvPicPr>
+        <p:blipFill>
+          <a:blip r:embed="rId2"/>
+          <a:srcRect/>
+          <a:stretch>
+            <a:fillRect/>
+          </a:stretch>
+        </p:blipFill>
+        <p:spPr bwMode="auto">
+          <a:xfrm>
+            <a:off x="5661770" y="3909048"/>
+            <a:ext cx="2447925" cy="2392500"/>
+          </a:xfrm>
+          <a:prstGeom prst="rect">
+            <a:avLst/>
+          </a:prstGeom>
+          <a:noFill/>
+          <a:ln w="9525">
+            <a:noFill/>
+            <a:miter lim="800000"/>
+            <a:headEnd/>
+            <a:tailEnd/>
+          </a:ln>
+        </p:spPr>
+      </p:pic>
       <p:sp>
         <p:nvSpPr>
           <p:cNvPr id="2" name="Titel 1"/>
@@ -5967,7 +6406,7 @@
             <a:fld id="{EEF01910-E735-476D-980E-B979AA991A9A}" type="datetime1">
               <a:rPr lang="de-DE" smtClean="0"/>
               <a:pPr/>
-              <a:t>10.06.2015</a:t>
+              <a:t>15.06.2015</a:t>
             </a:fld>
             <a:endParaRPr lang="en-US" dirty="0"/>
           </a:p>
@@ -6029,14 +6468,14 @@
           <p:nvPr/>
         </p:nvPicPr>
         <p:blipFill rotWithShape="1">
-          <a:blip r:embed="rId2"/>
+          <a:blip r:embed="rId3"/>
           <a:srcRect l="53846" r="6934" b="8272"/>
           <a:stretch/>
         </p:blipFill>
         <p:spPr>
           <a:xfrm>
-            <a:off x="953139" y="1594486"/>
-            <a:ext cx="3577070" cy="4225289"/>
+            <a:off x="629288" y="1403986"/>
+            <a:ext cx="3552879" cy="4196714"/>
           </a:xfrm>
           <a:prstGeom prst="rect">
             <a:avLst/>
@@ -6062,14 +6501,14 @@
           <p:nvPr/>
         </p:nvPicPr>
         <p:blipFill rotWithShape="1">
-          <a:blip r:embed="rId2"/>
+          <a:blip r:embed="rId3"/>
           <a:srcRect l="7367" r="58397" b="55895"/>
           <a:stretch/>
         </p:blipFill>
         <p:spPr>
           <a:xfrm>
-            <a:off x="4838700" y="1594486"/>
-            <a:ext cx="3555457" cy="2313296"/>
+            <a:off x="4838700" y="1394461"/>
+            <a:ext cx="3289300" cy="2314022"/>
           </a:xfrm>
           <a:prstGeom prst="rect">
             <a:avLst/>
@@ -6086,10 +6525,42 @@
           </a:effectLst>
         </p:spPr>
       </p:pic>
+      <p:pic>
+        <p:nvPicPr>
+          <p:cNvPr id="1027" name="Picture 3"/>
+          <p:cNvPicPr>
+            <a:picLocks noChangeAspect="1" noChangeArrowheads="1"/>
+          </p:cNvPicPr>
+          <p:nvPr/>
+        </p:nvPicPr>
+        <p:blipFill>
+          <a:blip r:embed="rId4"/>
+          <a:srcRect/>
+          <a:stretch>
+            <a:fillRect/>
+          </a:stretch>
+        </p:blipFill>
+        <p:spPr bwMode="auto">
+          <a:xfrm>
+            <a:off x="241190" y="5715967"/>
+            <a:ext cx="5143500" cy="571500"/>
+          </a:xfrm>
+          <a:prstGeom prst="rect">
+            <a:avLst/>
+          </a:prstGeom>
+          <a:noFill/>
+          <a:ln w="9525">
+            <a:noFill/>
+            <a:miter lim="800000"/>
+            <a:headEnd/>
+            <a:tailEnd/>
+          </a:ln>
+        </p:spPr>
+      </p:pic>
     </p:spTree>
     <p:extLst>
       <p:ext uri="{BB962C8B-B14F-4D97-AF65-F5344CB8AC3E}">
-        <p14:creationId xmlns:p14="http://schemas.microsoft.com/office/powerpoint/2010/main" val="2405948166"/>
+        <p14:creationId xmlns="" xmlns:p14="http://schemas.microsoft.com/office/powerpoint/2010/main" val="2405948166"/>
       </p:ext>
     </p:extLst>
   </p:cSld>
@@ -6169,7 +6640,7 @@
             <a:fld id="{EEF01910-E735-476D-980E-B979AA991A9A}" type="datetime1">
               <a:rPr lang="de-DE" smtClean="0"/>
               <a:pPr/>
-              <a:t>10.06.2015</a:t>
+              <a:t>15.06.2015</a:t>
             </a:fld>
             <a:endParaRPr lang="en-US" dirty="0"/>
           </a:p>
@@ -6239,8 +6710,8 @@
         </p:blipFill>
         <p:spPr bwMode="auto">
           <a:xfrm>
-            <a:off x="5297101" y="1433318"/>
-            <a:ext cx="2137248" cy="1943375"/>
+            <a:off x="5276850" y="1433318"/>
+            <a:ext cx="2386099" cy="2169652"/>
           </a:xfrm>
           <a:prstGeom prst="rect">
             <a:avLst/>
@@ -6274,8 +6745,8 @@
         </p:blipFill>
         <p:spPr bwMode="auto">
           <a:xfrm>
-            <a:off x="688461" y="1477875"/>
-            <a:ext cx="3102234" cy="4333281"/>
+            <a:off x="688460" y="1477875"/>
+            <a:ext cx="3312975" cy="4627650"/>
           </a:xfrm>
           <a:prstGeom prst="rect">
             <a:avLst/>
@@ -6309,7 +6780,7 @@
         </p:blipFill>
         <p:spPr bwMode="auto">
           <a:xfrm>
-            <a:off x="4288481" y="3579631"/>
+            <a:off x="4364681" y="3827281"/>
             <a:ext cx="4151085" cy="2284368"/>
           </a:xfrm>
           <a:prstGeom prst="rect">
@@ -6405,7 +6876,7 @@
             <a:fld id="{EEF01910-E735-476D-980E-B979AA991A9A}" type="datetime1">
               <a:rPr lang="de-DE" smtClean="0"/>
               <a:pPr/>
-              <a:t>10.06.2015</a:t>
+              <a:t>15.06.2015</a:t>
             </a:fld>
             <a:endParaRPr lang="en-US" dirty="0"/>
           </a:p>
@@ -6511,7 +6982,7 @@
         <p:spPr bwMode="auto">
           <a:xfrm>
             <a:off x="4843220" y="1554996"/>
-            <a:ext cx="2995855" cy="3163785"/>
+            <a:ext cx="3043480" cy="3214080"/>
           </a:xfrm>
           <a:prstGeom prst="rect">
             <a:avLst/>
@@ -6544,7 +7015,7 @@
         </p:blipFill>
         <p:spPr>
           <a:xfrm>
-            <a:off x="1366837" y="5317373"/>
+            <a:off x="1366837" y="5517398"/>
             <a:ext cx="2047875" cy="581025"/>
           </a:xfrm>
           <a:prstGeom prst="rect">
@@ -6564,22 +7035,23 @@
       </p:pic>
       <p:pic>
         <p:nvPicPr>
-          <p:cNvPr id="4" name="Grafik 3"/>
+          <p:cNvPr id="6147" name="Picture 3"/>
           <p:cNvPicPr>
-            <a:picLocks noChangeAspect="1"/>
+            <a:picLocks noChangeAspect="1" noChangeArrowheads="1"/>
           </p:cNvPicPr>
           <p:nvPr/>
         </p:nvPicPr>
         <p:blipFill>
           <a:blip r:embed="rId5"/>
+          <a:srcRect/>
           <a:stretch>
             <a:fillRect/>
           </a:stretch>
         </p:blipFill>
-        <p:spPr>
-          <a:xfrm>
-            <a:off x="4629150" y="4864934"/>
-            <a:ext cx="3533775" cy="1057275"/>
+        <p:spPr bwMode="auto">
+          <a:xfrm>
+            <a:off x="4883150" y="5473700"/>
+            <a:ext cx="2470150" cy="647908"/>
           </a:xfrm>
           <a:prstGeom prst="rect">
             <a:avLst/>
@@ -6674,7 +7146,7 @@
             <a:fld id="{EEF01910-E735-476D-980E-B979AA991A9A}" type="datetime1">
               <a:rPr lang="de-DE" smtClean="0"/>
               <a:pPr/>
-              <a:t>10.06.2015</a:t>
+              <a:t>15.06.2015</a:t>
             </a:fld>
             <a:endParaRPr lang="en-US" dirty="0"/>
           </a:p>
@@ -6744,8 +7216,8 @@
         </p:blipFill>
         <p:spPr bwMode="auto">
           <a:xfrm>
-            <a:off x="5380010" y="1438355"/>
-            <a:ext cx="3028950" cy="4371895"/>
+            <a:off x="5351434" y="1438355"/>
+            <a:ext cx="3187329" cy="4600495"/>
           </a:xfrm>
           <a:prstGeom prst="rect">
             <a:avLst/>
@@ -6779,8 +7251,8 @@
         </p:blipFill>
         <p:spPr bwMode="auto">
           <a:xfrm>
-            <a:off x="877591" y="1434160"/>
-            <a:ext cx="4056359" cy="4370244"/>
+            <a:off x="666751" y="1434160"/>
+            <a:ext cx="4267200" cy="4597400"/>
           </a:xfrm>
           <a:prstGeom prst="rect">
             <a:avLst/>
@@ -7089,7 +7561,7 @@
   <a:extraClrSchemeLst/>
   <a:extLst>
     <a:ext uri="{05A4C25C-085E-4340-85A3-A5531E510DB2}">
-      <thm15:themeFamily xmlns:thm15="http://schemas.microsoft.com/office/thememl/2012/main" name="Retrospect" id="{5F128B03-DCCA-4EEB-AB3B-CF2899314A46}" vid="{9CC26709-368C-4D72-9060-94E5B3FF3CD6}"/>
+      <thm15:themeFamily xmlns="" xmlns:thm15="http://schemas.microsoft.com/office/thememl/2012/main" name="Retrospect" id="{5F128B03-DCCA-4EEB-AB3B-CF2899314A46}" vid="{9CC26709-368C-4D72-9060-94E5B3FF3CD6}"/>
     </a:ext>
   </a:extLst>
 </a:theme>
@@ -7350,7 +7822,7 @@
   <a:extraClrSchemeLst/>
   <a:extLst>
     <a:ext uri="{05A4C25C-085E-4340-85A3-A5531E510DB2}">
-      <thm15:themeFamily xmlns:thm15="http://schemas.microsoft.com/office/thememl/2012/main" name="Office Theme" id="{62F939B6-93AF-4DB8-9C6B-D6C7DFDC589F}" vid="{4A3C46E8-61CC-4603-A589-7422A47A8E4A}"/>
+      <thm15:themeFamily xmlns="" xmlns:thm15="http://schemas.microsoft.com/office/thememl/2012/main" name="Office Theme" id="{62F939B6-93AF-4DB8-9C6B-D6C7DFDC589F}" vid="{4A3C46E8-61CC-4603-A589-7422A47A8E4A}"/>
     </a:ext>
   </a:extLst>
 </a:theme>

--- a/de.htwg.se.mastermind/Presentation.pptx
+++ b/de.htwg.se.mastermind/Presentation.pptx
@@ -17,9 +17,9 @@
     <p:sldId id="261" r:id="rId8"/>
     <p:sldId id="266" r:id="rId9"/>
     <p:sldId id="265" r:id="rId10"/>
-    <p:sldId id="267" r:id="rId11"/>
-    <p:sldId id="270" r:id="rId12"/>
-    <p:sldId id="268" r:id="rId13"/>
+    <p:sldId id="272" r:id="rId11"/>
+    <p:sldId id="271" r:id="rId12"/>
+    <p:sldId id="270" r:id="rId13"/>
     <p:sldId id="259" r:id="rId14"/>
   </p:sldIdLst>
   <p:sldSz cx="9144000" cy="6858000" type="screen4x3"/>
@@ -121,7 +121,7 @@
   </p:defaultTextStyle>
   <p:extLst>
     <p:ext uri="{EFAFB233-063F-42B5-8137-9DF3F51BA10A}">
-      <p15:sldGuideLst xmlns="" xmlns:p15="http://schemas.microsoft.com/office/powerpoint/2012/main">
+      <p15:sldGuideLst xmlns:p15="http://schemas.microsoft.com/office/powerpoint/2012/main">
         <p15:guide id="1" orient="horz" pos="2160">
           <p15:clr>
             <a:srgbClr val="A4A3A4"/>
@@ -221,7 +221,7 @@
             <a:fld id="{F54E8837-5039-41ED-B9BC-F738B3360D64}" type="datetimeFigureOut">
               <a:rPr lang="de-DE"/>
               <a:pPr/>
-              <a:t>15.06.2015</a:t>
+              <a:t>17.06.2015</a:t>
             </a:fld>
             <a:endParaRPr lang="de-DE"/>
           </a:p>
@@ -389,7 +389,7 @@
     </p:spTree>
     <p:extLst>
       <p:ext uri="{BB962C8B-B14F-4D97-AF65-F5344CB8AC3E}">
-        <p14:creationId xmlns="" xmlns:p14="http://schemas.microsoft.com/office/powerpoint/2010/main" val="2518394835"/>
+        <p14:creationId xmlns:p14="http://schemas.microsoft.com/office/powerpoint/2010/main" val="2518394835"/>
       </p:ext>
     </p:extLst>
   </p:cSld>
@@ -569,7 +569,7 @@
     </p:spTree>
     <p:extLst>
       <p:ext uri="{BB962C8B-B14F-4D97-AF65-F5344CB8AC3E}">
-        <p14:creationId xmlns="" xmlns:p14="http://schemas.microsoft.com/office/powerpoint/2010/main" val="1482335734"/>
+        <p14:creationId xmlns:p14="http://schemas.microsoft.com/office/powerpoint/2010/main" val="1482335734"/>
       </p:ext>
     </p:extLst>
   </p:cSld>
@@ -806,7 +806,7 @@
             <a:fld id="{0D4B5BC9-8E77-47C1-BB89-20F126E111F0}" type="datetime1">
               <a:rPr lang="de-DE" smtClean="0"/>
               <a:pPr/>
-              <a:t>15.06.2015</a:t>
+              <a:t>17.06.2015</a:t>
             </a:fld>
             <a:endParaRPr lang="en-US" dirty="0"/>
           </a:p>
@@ -900,7 +900,7 @@
     </p:spTree>
     <p:extLst>
       <p:ext uri="{BB962C8B-B14F-4D97-AF65-F5344CB8AC3E}">
-        <p14:creationId xmlns="" xmlns:p14="http://schemas.microsoft.com/office/powerpoint/2010/main" val="1403014083"/>
+        <p14:creationId xmlns:p14="http://schemas.microsoft.com/office/powerpoint/2010/main" val="1403014083"/>
       </p:ext>
     </p:extLst>
   </p:cSld>
@@ -1020,7 +1020,7 @@
             <a:fld id="{A2845164-0F48-4D58-B7D4-F4224632171D}" type="datetime1">
               <a:rPr lang="de-DE" smtClean="0"/>
               <a:pPr/>
-              <a:t>15.06.2015</a:t>
+              <a:t>17.06.2015</a:t>
             </a:fld>
             <a:endParaRPr lang="en-US" dirty="0"/>
           </a:p>
@@ -1076,7 +1076,7 @@
     </p:spTree>
     <p:extLst>
       <p:ext uri="{BB962C8B-B14F-4D97-AF65-F5344CB8AC3E}">
-        <p14:creationId xmlns="" xmlns:p14="http://schemas.microsoft.com/office/powerpoint/2010/main" val="2837294888"/>
+        <p14:creationId xmlns:p14="http://schemas.microsoft.com/office/powerpoint/2010/main" val="2837294888"/>
       </p:ext>
     </p:extLst>
   </p:cSld>
@@ -1282,7 +1282,7 @@
             <a:fld id="{8EF85F82-E37F-4540-9E40-2E79E2DC6ADE}" type="datetime1">
               <a:rPr lang="de-DE" smtClean="0"/>
               <a:pPr/>
-              <a:t>15.06.2015</a:t>
+              <a:t>17.06.2015</a:t>
             </a:fld>
             <a:endParaRPr lang="en-US" dirty="0"/>
           </a:p>
@@ -1338,7 +1338,7 @@
     </p:spTree>
     <p:extLst>
       <p:ext uri="{BB962C8B-B14F-4D97-AF65-F5344CB8AC3E}">
-        <p14:creationId xmlns="" xmlns:p14="http://schemas.microsoft.com/office/powerpoint/2010/main" val="2799996821"/>
+        <p14:creationId xmlns:p14="http://schemas.microsoft.com/office/powerpoint/2010/main" val="2799996821"/>
       </p:ext>
     </p:extLst>
   </p:cSld>
@@ -1411,7 +1411,7 @@
             <a:fld id="{2DDC997A-E1DE-4642-AA4B-BD3883EA8A23}" type="datetime1">
               <a:rPr lang="de-DE" smtClean="0"/>
               <a:pPr/>
-              <a:t>15.06.2015</a:t>
+              <a:t>17.06.2015</a:t>
             </a:fld>
             <a:endParaRPr lang="en-US" dirty="0"/>
           </a:p>
@@ -1609,7 +1609,7 @@
     </p:spTree>
     <p:extLst>
       <p:ext uri="{BB962C8B-B14F-4D97-AF65-F5344CB8AC3E}">
-        <p14:creationId xmlns="" xmlns:p14="http://schemas.microsoft.com/office/powerpoint/2010/main" val="3355165293"/>
+        <p14:creationId xmlns:p14="http://schemas.microsoft.com/office/powerpoint/2010/main" val="3355165293"/>
       </p:ext>
     </p:extLst>
   </p:cSld>
@@ -1902,7 +1902,7 @@
             <a:fld id="{141039BF-75AD-47B6-B2FE-BB857E5D9596}" type="datetime1">
               <a:rPr lang="de-DE" smtClean="0"/>
               <a:pPr/>
-              <a:t>15.06.2015</a:t>
+              <a:t>17.06.2015</a:t>
             </a:fld>
             <a:endParaRPr lang="en-US" dirty="0"/>
           </a:p>
@@ -1996,7 +1996,7 @@
     </p:spTree>
     <p:extLst>
       <p:ext uri="{BB962C8B-B14F-4D97-AF65-F5344CB8AC3E}">
-        <p14:creationId xmlns="" xmlns:p14="http://schemas.microsoft.com/office/powerpoint/2010/main" val="2624436341"/>
+        <p14:creationId xmlns:p14="http://schemas.microsoft.com/office/powerpoint/2010/main" val="2624436341"/>
       </p:ext>
     </p:extLst>
   </p:cSld>
@@ -2183,7 +2183,7 @@
             <a:fld id="{B15BAFC3-9A23-4666-959E-5E36FCD086E7}" type="datetime1">
               <a:rPr lang="de-DE" smtClean="0"/>
               <a:pPr/>
-              <a:t>15.06.2015</a:t>
+              <a:t>17.06.2015</a:t>
             </a:fld>
             <a:endParaRPr lang="en-US" dirty="0"/>
           </a:p>
@@ -2239,7 +2239,7 @@
     </p:spTree>
     <p:extLst>
       <p:ext uri="{BB962C8B-B14F-4D97-AF65-F5344CB8AC3E}">
-        <p14:creationId xmlns="" xmlns:p14="http://schemas.microsoft.com/office/powerpoint/2010/main" val="3951225455"/>
+        <p14:creationId xmlns:p14="http://schemas.microsoft.com/office/powerpoint/2010/main" val="3951225455"/>
       </p:ext>
     </p:extLst>
   </p:cSld>
@@ -2568,7 +2568,7 @@
             <a:fld id="{7B1B55BF-9CD9-4994-BA1F-02E2FBCEB918}" type="datetime1">
               <a:rPr lang="de-DE" smtClean="0"/>
               <a:pPr/>
-              <a:t>15.06.2015</a:t>
+              <a:t>17.06.2015</a:t>
             </a:fld>
             <a:endParaRPr lang="en-US" dirty="0"/>
           </a:p>
@@ -2624,7 +2624,7 @@
     </p:spTree>
     <p:extLst>
       <p:ext uri="{BB962C8B-B14F-4D97-AF65-F5344CB8AC3E}">
-        <p14:creationId xmlns="" xmlns:p14="http://schemas.microsoft.com/office/powerpoint/2010/main" val="2296925755"/>
+        <p14:creationId xmlns:p14="http://schemas.microsoft.com/office/powerpoint/2010/main" val="2296925755"/>
       </p:ext>
     </p:extLst>
   </p:cSld>
@@ -2692,7 +2692,7 @@
             <a:fld id="{62E82DC3-09E8-4BD8-8ECB-4DF739DA760C}" type="datetime1">
               <a:rPr lang="de-DE" smtClean="0"/>
               <a:pPr/>
-              <a:t>15.06.2015</a:t>
+              <a:t>17.06.2015</a:t>
             </a:fld>
             <a:endParaRPr lang="en-US" dirty="0"/>
           </a:p>
@@ -2748,7 +2748,7 @@
     </p:spTree>
     <p:extLst>
       <p:ext uri="{BB962C8B-B14F-4D97-AF65-F5344CB8AC3E}">
-        <p14:creationId xmlns="" xmlns:p14="http://schemas.microsoft.com/office/powerpoint/2010/main" val="856258981"/>
+        <p14:creationId xmlns:p14="http://schemas.microsoft.com/office/powerpoint/2010/main" val="856258981"/>
       </p:ext>
     </p:extLst>
   </p:cSld>
@@ -2869,7 +2869,7 @@
             <a:fld id="{C73792DA-8F94-40B7-AFAB-167201D2BB07}" type="datetime1">
               <a:rPr lang="de-DE" smtClean="0"/>
               <a:pPr/>
-              <a:t>15.06.2015</a:t>
+              <a:t>17.06.2015</a:t>
             </a:fld>
             <a:endParaRPr lang="en-US" dirty="0"/>
           </a:p>
@@ -2933,7 +2933,7 @@
     </p:spTree>
     <p:extLst>
       <p:ext uri="{BB962C8B-B14F-4D97-AF65-F5344CB8AC3E}">
-        <p14:creationId xmlns="" xmlns:p14="http://schemas.microsoft.com/office/powerpoint/2010/main" val="1257413516"/>
+        <p14:creationId xmlns:p14="http://schemas.microsoft.com/office/powerpoint/2010/main" val="1257413516"/>
       </p:ext>
     </p:extLst>
   </p:cSld>
@@ -3229,7 +3229,7 @@
             <a:fld id="{71D88CAB-D144-4121-B0BA-48F74F2AA981}" type="datetime1">
               <a:rPr lang="de-DE" smtClean="0"/>
               <a:pPr/>
-              <a:t>15.06.2015</a:t>
+              <a:t>17.06.2015</a:t>
             </a:fld>
             <a:endParaRPr lang="en-US" dirty="0"/>
           </a:p>
@@ -3306,7 +3306,7 @@
     </p:spTree>
     <p:extLst>
       <p:ext uri="{BB962C8B-B14F-4D97-AF65-F5344CB8AC3E}">
-        <p14:creationId xmlns="" xmlns:p14="http://schemas.microsoft.com/office/powerpoint/2010/main" val="112923765"/>
+        <p14:creationId xmlns:p14="http://schemas.microsoft.com/office/powerpoint/2010/main" val="112923765"/>
       </p:ext>
     </p:extLst>
   </p:cSld>
@@ -3612,7 +3612,7 @@
             <a:fld id="{E19CC5BD-B0D2-499F-8B44-F84F9D4B93DC}" type="datetime1">
               <a:rPr lang="de-DE" smtClean="0"/>
               <a:pPr/>
-              <a:t>15.06.2015</a:t>
+              <a:t>17.06.2015</a:t>
             </a:fld>
             <a:endParaRPr lang="en-US" dirty="0"/>
           </a:p>
@@ -3668,7 +3668,7 @@
     </p:spTree>
     <p:extLst>
       <p:ext uri="{BB962C8B-B14F-4D97-AF65-F5344CB8AC3E}">
-        <p14:creationId xmlns="" xmlns:p14="http://schemas.microsoft.com/office/powerpoint/2010/main" val="3348260142"/>
+        <p14:creationId xmlns:p14="http://schemas.microsoft.com/office/powerpoint/2010/main" val="3348260142"/>
       </p:ext>
     </p:extLst>
   </p:cSld>
@@ -3905,7 +3905,7 @@
             <a:fld id="{87470D16-1792-4024-B1D2-A0A5F9C1C36F}" type="datetime1">
               <a:rPr lang="de-DE" smtClean="0"/>
               <a:pPr/>
-              <a:t>15.06.2015</a:t>
+              <a:t>17.06.2015</a:t>
             </a:fld>
             <a:endParaRPr lang="en-US" dirty="0"/>
           </a:p>
@@ -4031,7 +4031,7 @@
     </p:spTree>
     <p:extLst>
       <p:ext uri="{BB962C8B-B14F-4D97-AF65-F5344CB8AC3E}">
-        <p14:creationId xmlns="" xmlns:p14="http://schemas.microsoft.com/office/powerpoint/2010/main" val="1039846697"/>
+        <p14:creationId xmlns:p14="http://schemas.microsoft.com/office/powerpoint/2010/main" val="1039846697"/>
       </p:ext>
     </p:extLst>
   </p:cSld>
@@ -4533,7 +4533,7 @@
     </p:spTree>
     <p:extLst>
       <p:ext uri="{BB962C8B-B14F-4D97-AF65-F5344CB8AC3E}">
-        <p14:creationId xmlns="" xmlns:p14="http://schemas.microsoft.com/office/powerpoint/2010/main" val="4100527049"/>
+        <p14:creationId xmlns:p14="http://schemas.microsoft.com/office/powerpoint/2010/main" val="4100527049"/>
       </p:ext>
     </p:extLst>
   </p:cSld>
@@ -4589,7 +4589,7 @@
           <a:p>
             <a:r>
               <a:rPr lang="de-DE" b="1" dirty="0" smtClean="0"/>
-              <a:t>Performanz</a:t>
+              <a:t>Persistenz</a:t>
             </a:r>
             <a:endParaRPr lang="de-DE" b="1" dirty="0"/>
           </a:p>
@@ -4613,7 +4613,7 @@
             <a:fld id="{EEF01910-E735-476D-980E-B979AA991A9A}" type="datetime1">
               <a:rPr lang="de-DE" smtClean="0"/>
               <a:pPr/>
-              <a:t>15.06.2015</a:t>
+              <a:t>17.06.2015</a:t>
             </a:fld>
             <a:endParaRPr lang="en-US" dirty="0"/>
           </a:p>
@@ -4668,40 +4668,82 @@
       </p:sp>
       <p:pic>
         <p:nvPicPr>
-          <p:cNvPr id="4097" name="Picture 1"/>
+          <p:cNvPr id="4" name="Grafik 3"/>
           <p:cNvPicPr>
-            <a:picLocks noChangeAspect="1" noChangeArrowheads="1"/>
+            <a:picLocks noChangeAspect="1"/>
           </p:cNvPicPr>
           <p:nvPr/>
         </p:nvPicPr>
         <p:blipFill>
           <a:blip r:embed="rId2"/>
-          <a:srcRect/>
           <a:stretch>
             <a:fillRect/>
           </a:stretch>
         </p:blipFill>
-        <p:spPr bwMode="auto">
-          <a:xfrm>
-            <a:off x="1391739" y="1402596"/>
-            <a:ext cx="6567288" cy="4642631"/>
+        <p:spPr>
+          <a:xfrm>
+            <a:off x="598016" y="1405855"/>
+            <a:ext cx="4443541" cy="1408519"/>
           </a:xfrm>
           <a:prstGeom prst="rect">
             <a:avLst/>
           </a:prstGeom>
-          <a:ln>
-            <a:noFill/>
-          </a:ln>
-          <a:effectLst>
-            <a:outerShdw blurRad="292100" dist="139700" dir="2700000" algn="tl" rotWithShape="0">
-              <a:srgbClr val="333333">
-                <a:alpha val="65000"/>
-              </a:srgbClr>
-            </a:outerShdw>
-          </a:effectLst>
+        </p:spPr>
+      </p:pic>
+      <p:pic>
+        <p:nvPicPr>
+          <p:cNvPr id="5" name="Grafik 4"/>
+          <p:cNvPicPr>
+            <a:picLocks noChangeAspect="1"/>
+          </p:cNvPicPr>
+          <p:nvPr/>
+        </p:nvPicPr>
+        <p:blipFill>
+          <a:blip r:embed="rId3"/>
+          <a:stretch>
+            <a:fillRect/>
+          </a:stretch>
+        </p:blipFill>
+        <p:spPr>
+          <a:xfrm>
+            <a:off x="4283674" y="3010544"/>
+            <a:ext cx="4324867" cy="1527897"/>
+          </a:xfrm>
+          <a:prstGeom prst="rect">
+            <a:avLst/>
+          </a:prstGeom>
+        </p:spPr>
+      </p:pic>
+      <p:pic>
+        <p:nvPicPr>
+          <p:cNvPr id="3" name="Grafik 2"/>
+          <p:cNvPicPr>
+            <a:picLocks noChangeAspect="1"/>
+          </p:cNvPicPr>
+          <p:nvPr/>
+        </p:nvPicPr>
+        <p:blipFill>
+          <a:blip r:embed="rId4"/>
+          <a:stretch>
+            <a:fillRect/>
+          </a:stretch>
+        </p:blipFill>
+        <p:spPr>
+          <a:xfrm>
+            <a:off x="677048" y="4668207"/>
+            <a:ext cx="4364509" cy="1568994"/>
+          </a:xfrm>
+          <a:prstGeom prst="rect">
+            <a:avLst/>
+          </a:prstGeom>
         </p:spPr>
       </p:pic>
     </p:spTree>
+    <p:extLst>
+      <p:ext uri="{BB962C8B-B14F-4D97-AF65-F5344CB8AC3E}">
+        <p14:creationId xmlns:p14="http://schemas.microsoft.com/office/powerpoint/2010/main" val="284628911"/>
+      </p:ext>
+    </p:extLst>
   </p:cSld>
   <p:clrMapOvr>
     <a:masterClrMapping/>
@@ -4779,7 +4821,7 @@
             <a:fld id="{EEF01910-E735-476D-980E-B979AA991A9A}" type="datetime1">
               <a:rPr lang="de-DE" smtClean="0"/>
               <a:pPr/>
-              <a:t>16.06.2015</a:t>
+              <a:t>17.06.2015</a:t>
             </a:fld>
             <a:endParaRPr lang="en-US" dirty="0"/>
           </a:p>
@@ -4834,232 +4876,82 @@
       </p:sp>
       <p:pic>
         <p:nvPicPr>
-          <p:cNvPr id="27650" name="Picture 2"/>
+          <p:cNvPr id="4" name="Grafik 3"/>
           <p:cNvPicPr>
-            <a:picLocks noChangeAspect="1" noChangeArrowheads="1"/>
+            <a:picLocks noChangeAspect="1"/>
           </p:cNvPicPr>
           <p:nvPr/>
         </p:nvPicPr>
         <p:blipFill>
           <a:blip r:embed="rId2"/>
-          <a:srcRect/>
           <a:stretch>
             <a:fillRect/>
           </a:stretch>
         </p:blipFill>
-        <p:spPr bwMode="auto">
-          <a:xfrm>
-            <a:off x="763857" y="1355779"/>
-            <a:ext cx="6187133" cy="1434255"/>
+        <p:spPr>
+          <a:xfrm>
+            <a:off x="660572" y="1468545"/>
+            <a:ext cx="4298606" cy="4545081"/>
           </a:xfrm>
           <a:prstGeom prst="rect">
             <a:avLst/>
           </a:prstGeom>
-          <a:ln>
-            <a:noFill/>
-          </a:ln>
-          <a:effectLst>
-            <a:outerShdw blurRad="292100" dist="139700" dir="2700000" algn="tl" rotWithShape="0">
-              <a:srgbClr val="333333">
-                <a:alpha val="65000"/>
-              </a:srgbClr>
-            </a:outerShdw>
-          </a:effectLst>
         </p:spPr>
       </p:pic>
-      <p:sp>
-        <p:nvSpPr>
-          <p:cNvPr id="27651" name="Rectangle 3"/>
-          <p:cNvSpPr>
-            <a:spLocks noChangeArrowheads="1"/>
-          </p:cNvSpPr>
-          <p:nvPr/>
-        </p:nvSpPr>
-        <p:spPr bwMode="auto">
-          <a:xfrm>
-            <a:off x="0" y="0"/>
-            <a:ext cx="9144000" cy="457200"/>
-          </a:xfrm>
-          <a:prstGeom prst="rect">
-            <a:avLst/>
-          </a:prstGeom>
-          <a:solidFill>
-            <a:srgbClr val="2B2B2B"/>
-          </a:solidFill>
-          <a:ln w="9525">
-            <a:noFill/>
-            <a:miter lim="800000"/>
-            <a:headEnd/>
-            <a:tailEnd/>
-          </a:ln>
-          <a:effectLst/>
-        </p:spPr>
-        <p:txBody>
-          <a:bodyPr vert="horz" wrap="none" lIns="91440" tIns="45720" rIns="91440" bIns="45720" numCol="1" anchor="ctr" anchorCtr="0" compatLnSpc="1">
-            <a:prstTxWarp prst="textNoShape">
-              <a:avLst/>
-            </a:prstTxWarp>
-            <a:spAutoFit/>
-          </a:bodyPr>
-          <a:lstStyle/>
-          <a:p>
-            <a:pPr marL="0" marR="0" lvl="0" indent="0" algn="l" defTabSz="914400" rtl="0" eaLnBrk="1" fontAlgn="base" latinLnBrk="0" hangingPunct="1">
-              <a:lnSpc>
-                <a:spcPct val="100000"/>
-              </a:lnSpc>
-              <a:spcBef>
-                <a:spcPct val="0"/>
-              </a:spcBef>
-              <a:spcAft>
-                <a:spcPct val="0"/>
-              </a:spcAft>
-              <a:buClrTx/>
-              <a:buSzTx/>
-              <a:buFontTx/>
-              <a:buNone/>
-              <a:tabLst/>
-            </a:pPr>
-            <a:r>
-              <a:rPr kumimoji="0" lang="de-DE" sz="1000" b="0" i="0" u="none" strike="noStrike" cap="none" normalizeH="0" baseline="0" smtClean="0">
-                <a:ln>
-                  <a:noFill/>
-                </a:ln>
-                <a:solidFill>
-                  <a:srgbClr val="A9B7C6"/>
-                </a:solidFill>
-                <a:effectLst/>
-                <a:latin typeface="Courier New" pitchFamily="49" charset="0"/>
-                <a:cs typeface="Courier New" pitchFamily="49" charset="0"/>
-              </a:rPr>
-              <a:t>sb.append(</a:t>
-            </a:r>
-            <a:r>
-              <a:rPr kumimoji="0" lang="de-DE" sz="1000" b="0" i="0" u="none" strike="noStrike" cap="none" normalizeH="0" baseline="0" smtClean="0">
-                <a:ln>
-                  <a:noFill/>
-                </a:ln>
-                <a:solidFill>
-                  <a:srgbClr val="6A8759"/>
-                </a:solidFill>
-                <a:effectLst/>
-                <a:latin typeface="Courier New" pitchFamily="49" charset="0"/>
-                <a:cs typeface="Courier New" pitchFamily="49" charset="0"/>
-              </a:rPr>
-              <a:t>"+" </a:t>
-            </a:r>
-            <a:r>
-              <a:rPr kumimoji="0" lang="de-DE" sz="1000" b="0" i="0" u="none" strike="noStrike" cap="none" normalizeH="0" baseline="0" smtClean="0">
-                <a:ln>
-                  <a:noFill/>
-                </a:ln>
-                <a:solidFill>
-                  <a:srgbClr val="A9B7C6"/>
-                </a:solidFill>
-                <a:effectLst/>
-                <a:latin typeface="Courier New" pitchFamily="49" charset="0"/>
-                <a:cs typeface="Courier New" pitchFamily="49" charset="0"/>
-              </a:rPr>
-              <a:t>+ newLine)</a:t>
-            </a:r>
-            <a:r>
-              <a:rPr kumimoji="0" lang="de-DE" sz="1000" b="0" i="0" u="none" strike="noStrike" cap="none" normalizeH="0" baseline="0" smtClean="0">
-                <a:ln>
-                  <a:noFill/>
-                </a:ln>
-                <a:solidFill>
-                  <a:srgbClr val="CC7832"/>
-                </a:solidFill>
-                <a:effectLst/>
-                <a:latin typeface="Courier New" pitchFamily="49" charset="0"/>
-                <a:cs typeface="Courier New" pitchFamily="49" charset="0"/>
-              </a:rPr>
-              <a:t>;</a:t>
-            </a:r>
-            <a:endParaRPr kumimoji="0" lang="de-DE" sz="1800" b="0" i="0" u="none" strike="noStrike" cap="none" normalizeH="0" baseline="0" smtClean="0">
-              <a:ln>
-                <a:noFill/>
-              </a:ln>
-              <a:solidFill>
-                <a:schemeClr val="tx1"/>
-              </a:solidFill>
-              <a:effectLst/>
-              <a:latin typeface="Arial" pitchFamily="34" charset="0"/>
-              <a:cs typeface="Arial" pitchFamily="34" charset="0"/>
-            </a:endParaRPr>
-          </a:p>
-        </p:txBody>
-      </p:sp>
       <p:pic>
         <p:nvPicPr>
-          <p:cNvPr id="27652" name="Picture 4"/>
+          <p:cNvPr id="5" name="Grafik 4"/>
           <p:cNvPicPr>
-            <a:picLocks noChangeAspect="1" noChangeArrowheads="1"/>
+            <a:picLocks noChangeAspect="1"/>
           </p:cNvPicPr>
           <p:nvPr/>
         </p:nvPicPr>
         <p:blipFill>
           <a:blip r:embed="rId3"/>
-          <a:srcRect/>
           <a:stretch>
             <a:fillRect/>
           </a:stretch>
         </p:blipFill>
-        <p:spPr bwMode="auto">
-          <a:xfrm>
-            <a:off x="745614" y="2963972"/>
-            <a:ext cx="4182847" cy="1610171"/>
+        <p:spPr>
+          <a:xfrm>
+            <a:off x="5050278" y="1517971"/>
+            <a:ext cx="3492360" cy="2790607"/>
           </a:xfrm>
           <a:prstGeom prst="rect">
             <a:avLst/>
           </a:prstGeom>
-          <a:ln>
-            <a:noFill/>
-          </a:ln>
-          <a:effectLst>
-            <a:outerShdw blurRad="292100" dist="139700" dir="2700000" algn="tl" rotWithShape="0">
-              <a:srgbClr val="333333">
-                <a:alpha val="65000"/>
-              </a:srgbClr>
-            </a:outerShdw>
-          </a:effectLst>
         </p:spPr>
       </p:pic>
       <p:pic>
         <p:nvPicPr>
-          <p:cNvPr id="27653" name="Picture 5"/>
+          <p:cNvPr id="6" name="Grafik 5"/>
           <p:cNvPicPr>
-            <a:picLocks noChangeAspect="1" noChangeArrowheads="1"/>
+            <a:picLocks noChangeAspect="1"/>
           </p:cNvPicPr>
           <p:nvPr/>
         </p:nvPicPr>
         <p:blipFill>
           <a:blip r:embed="rId4"/>
-          <a:srcRect/>
           <a:stretch>
             <a:fillRect/>
           </a:stretch>
         </p:blipFill>
-        <p:spPr bwMode="auto">
-          <a:xfrm>
-            <a:off x="721478" y="4743931"/>
-            <a:ext cx="6345749" cy="1471707"/>
+        <p:spPr>
+          <a:xfrm>
+            <a:off x="4959178" y="4547288"/>
+            <a:ext cx="3583460" cy="1500792"/>
           </a:xfrm>
           <a:prstGeom prst="rect">
             <a:avLst/>
           </a:prstGeom>
-          <a:ln>
-            <a:noFill/>
-          </a:ln>
-          <a:effectLst>
-            <a:outerShdw blurRad="292100" dist="139700" dir="2700000" algn="tl" rotWithShape="0">
-              <a:srgbClr val="333333">
-                <a:alpha val="65000"/>
-              </a:srgbClr>
-            </a:outerShdw>
-          </a:effectLst>
         </p:spPr>
       </p:pic>
     </p:spTree>
+    <p:extLst>
+      <p:ext uri="{BB962C8B-B14F-4D97-AF65-F5344CB8AC3E}">
+        <p14:creationId xmlns:p14="http://schemas.microsoft.com/office/powerpoint/2010/main" val="346043843"/>
+      </p:ext>
+    </p:extLst>
   </p:cSld>
   <p:clrMapOvr>
     <a:masterClrMapping/>
@@ -5113,7 +5005,7 @@
           <a:p>
             <a:r>
               <a:rPr lang="de-DE" b="1" dirty="0" smtClean="0"/>
-              <a:t>Nebenläufigkeit</a:t>
+              <a:t>Performanz</a:t>
             </a:r>
             <a:endParaRPr lang="de-DE" b="1" dirty="0"/>
           </a:p>
@@ -5137,7 +5029,7 @@
             <a:fld id="{EEF01910-E735-476D-980E-B979AA991A9A}" type="datetime1">
               <a:rPr lang="de-DE" smtClean="0"/>
               <a:pPr/>
-              <a:t>15.06.2015</a:t>
+              <a:t>17.06.2015</a:t>
             </a:fld>
             <a:endParaRPr lang="en-US" dirty="0"/>
           </a:p>
@@ -5190,6 +5082,233 @@
           </a:p>
         </p:txBody>
       </p:sp>
+      <p:pic>
+        <p:nvPicPr>
+          <p:cNvPr id="27650" name="Picture 2"/>
+          <p:cNvPicPr>
+            <a:picLocks noChangeAspect="1" noChangeArrowheads="1"/>
+          </p:cNvPicPr>
+          <p:nvPr/>
+        </p:nvPicPr>
+        <p:blipFill>
+          <a:blip r:embed="rId2"/>
+          <a:srcRect/>
+          <a:stretch>
+            <a:fillRect/>
+          </a:stretch>
+        </p:blipFill>
+        <p:spPr bwMode="auto">
+          <a:xfrm>
+            <a:off x="763857" y="1355779"/>
+            <a:ext cx="6187133" cy="1434255"/>
+          </a:xfrm>
+          <a:prstGeom prst="rect">
+            <a:avLst/>
+          </a:prstGeom>
+          <a:ln>
+            <a:noFill/>
+          </a:ln>
+          <a:effectLst>
+            <a:outerShdw blurRad="292100" dist="139700" dir="2700000" algn="tl" rotWithShape="0">
+              <a:srgbClr val="333333">
+                <a:alpha val="65000"/>
+              </a:srgbClr>
+            </a:outerShdw>
+          </a:effectLst>
+        </p:spPr>
+      </p:pic>
+      <p:sp>
+        <p:nvSpPr>
+          <p:cNvPr id="27651" name="Rectangle 3"/>
+          <p:cNvSpPr>
+            <a:spLocks noChangeArrowheads="1"/>
+          </p:cNvSpPr>
+          <p:nvPr/>
+        </p:nvSpPr>
+        <p:spPr bwMode="auto">
+          <a:xfrm>
+            <a:off x="0" y="0"/>
+            <a:ext cx="9144000" cy="457200"/>
+          </a:xfrm>
+          <a:prstGeom prst="rect">
+            <a:avLst/>
+          </a:prstGeom>
+          <a:solidFill>
+            <a:srgbClr val="2B2B2B"/>
+          </a:solidFill>
+          <a:ln w="9525">
+            <a:noFill/>
+            <a:miter lim="800000"/>
+            <a:headEnd/>
+            <a:tailEnd/>
+          </a:ln>
+          <a:effectLst/>
+        </p:spPr>
+        <p:txBody>
+          <a:bodyPr vert="horz" wrap="none" lIns="91440" tIns="45720" rIns="91440" bIns="45720" numCol="1" anchor="ctr" anchorCtr="0" compatLnSpc="1">
+            <a:prstTxWarp prst="textNoShape">
+              <a:avLst/>
+            </a:prstTxWarp>
+            <a:spAutoFit/>
+          </a:bodyPr>
+          <a:lstStyle/>
+          <a:p>
+            <a:pPr marL="0" marR="0" lvl="0" indent="0" algn="l" defTabSz="914400" rtl="0" eaLnBrk="1" fontAlgn="base" latinLnBrk="0" hangingPunct="1">
+              <a:lnSpc>
+                <a:spcPct val="100000"/>
+              </a:lnSpc>
+              <a:spcBef>
+                <a:spcPct val="0"/>
+              </a:spcBef>
+              <a:spcAft>
+                <a:spcPct val="0"/>
+              </a:spcAft>
+              <a:buClrTx/>
+              <a:buSzTx/>
+              <a:buFontTx/>
+              <a:buNone/>
+              <a:tabLst/>
+            </a:pPr>
+            <a:r>
+              <a:rPr kumimoji="0" lang="de-DE" sz="1000" b="0" i="0" u="none" strike="noStrike" cap="none" normalizeH="0" baseline="0" smtClean="0">
+                <a:ln>
+                  <a:noFill/>
+                </a:ln>
+                <a:solidFill>
+                  <a:srgbClr val="A9B7C6"/>
+                </a:solidFill>
+                <a:effectLst/>
+                <a:latin typeface="Courier New" pitchFamily="49" charset="0"/>
+                <a:cs typeface="Courier New" pitchFamily="49" charset="0"/>
+              </a:rPr>
+              <a:t>sb.append(</a:t>
+            </a:r>
+            <a:r>
+              <a:rPr kumimoji="0" lang="de-DE" sz="1000" b="0" i="0" u="none" strike="noStrike" cap="none" normalizeH="0" baseline="0" smtClean="0">
+                <a:ln>
+                  <a:noFill/>
+                </a:ln>
+                <a:solidFill>
+                  <a:srgbClr val="6A8759"/>
+                </a:solidFill>
+                <a:effectLst/>
+                <a:latin typeface="Courier New" pitchFamily="49" charset="0"/>
+                <a:cs typeface="Courier New" pitchFamily="49" charset="0"/>
+              </a:rPr>
+              <a:t>"+" </a:t>
+            </a:r>
+            <a:r>
+              <a:rPr kumimoji="0" lang="de-DE" sz="1000" b="0" i="0" u="none" strike="noStrike" cap="none" normalizeH="0" baseline="0" smtClean="0">
+                <a:ln>
+                  <a:noFill/>
+                </a:ln>
+                <a:solidFill>
+                  <a:srgbClr val="A9B7C6"/>
+                </a:solidFill>
+                <a:effectLst/>
+                <a:latin typeface="Courier New" pitchFamily="49" charset="0"/>
+                <a:cs typeface="Courier New" pitchFamily="49" charset="0"/>
+              </a:rPr>
+              <a:t>+ newLine)</a:t>
+            </a:r>
+            <a:r>
+              <a:rPr kumimoji="0" lang="de-DE" sz="1000" b="0" i="0" u="none" strike="noStrike" cap="none" normalizeH="0" baseline="0" smtClean="0">
+                <a:ln>
+                  <a:noFill/>
+                </a:ln>
+                <a:solidFill>
+                  <a:srgbClr val="CC7832"/>
+                </a:solidFill>
+                <a:effectLst/>
+                <a:latin typeface="Courier New" pitchFamily="49" charset="0"/>
+                <a:cs typeface="Courier New" pitchFamily="49" charset="0"/>
+              </a:rPr>
+              <a:t>;</a:t>
+            </a:r>
+            <a:endParaRPr kumimoji="0" lang="de-DE" sz="1800" b="0" i="0" u="none" strike="noStrike" cap="none" normalizeH="0" baseline="0" smtClean="0">
+              <a:ln>
+                <a:noFill/>
+              </a:ln>
+              <a:solidFill>
+                <a:schemeClr val="tx1"/>
+              </a:solidFill>
+              <a:effectLst/>
+              <a:latin typeface="Arial" pitchFamily="34" charset="0"/>
+              <a:cs typeface="Arial" pitchFamily="34" charset="0"/>
+            </a:endParaRPr>
+          </a:p>
+        </p:txBody>
+      </p:sp>
+      <p:pic>
+        <p:nvPicPr>
+          <p:cNvPr id="27652" name="Picture 4"/>
+          <p:cNvPicPr>
+            <a:picLocks noChangeAspect="1" noChangeArrowheads="1"/>
+          </p:cNvPicPr>
+          <p:nvPr/>
+        </p:nvPicPr>
+        <p:blipFill>
+          <a:blip r:embed="rId3"/>
+          <a:srcRect/>
+          <a:stretch>
+            <a:fillRect/>
+          </a:stretch>
+        </p:blipFill>
+        <p:spPr bwMode="auto">
+          <a:xfrm>
+            <a:off x="745614" y="2963972"/>
+            <a:ext cx="4182847" cy="1610171"/>
+          </a:xfrm>
+          <a:prstGeom prst="rect">
+            <a:avLst/>
+          </a:prstGeom>
+          <a:ln>
+            <a:noFill/>
+          </a:ln>
+          <a:effectLst>
+            <a:outerShdw blurRad="292100" dist="139700" dir="2700000" algn="tl" rotWithShape="0">
+              <a:srgbClr val="333333">
+                <a:alpha val="65000"/>
+              </a:srgbClr>
+            </a:outerShdw>
+          </a:effectLst>
+        </p:spPr>
+      </p:pic>
+      <p:pic>
+        <p:nvPicPr>
+          <p:cNvPr id="27653" name="Picture 5"/>
+          <p:cNvPicPr>
+            <a:picLocks noChangeAspect="1" noChangeArrowheads="1"/>
+          </p:cNvPicPr>
+          <p:nvPr/>
+        </p:nvPicPr>
+        <p:blipFill>
+          <a:blip r:embed="rId4"/>
+          <a:srcRect/>
+          <a:stretch>
+            <a:fillRect/>
+          </a:stretch>
+        </p:blipFill>
+        <p:spPr bwMode="auto">
+          <a:xfrm>
+            <a:off x="721478" y="4743931"/>
+            <a:ext cx="6345749" cy="1471707"/>
+          </a:xfrm>
+          <a:prstGeom prst="rect">
+            <a:avLst/>
+          </a:prstGeom>
+          <a:ln>
+            <a:noFill/>
+          </a:ln>
+          <a:effectLst>
+            <a:outerShdw blurRad="292100" dist="139700" dir="2700000" algn="tl" rotWithShape="0">
+              <a:srgbClr val="333333">
+                <a:alpha val="65000"/>
+              </a:srgbClr>
+            </a:outerShdw>
+          </a:effectLst>
+        </p:spPr>
+      </p:pic>
     </p:spTree>
   </p:cSld>
   <p:clrMapOvr>
@@ -5284,7 +5403,7 @@
             <a:fld id="{14D1886A-1E1A-4BBA-8E28-CE7DA8C564DE}" type="datetime1">
               <a:rPr lang="de-DE" smtClean="0"/>
               <a:pPr/>
-              <a:t>15.06.2015</a:t>
+              <a:t>17.06.2015</a:t>
             </a:fld>
             <a:endParaRPr lang="en-US" dirty="0"/>
           </a:p>
@@ -5410,7 +5529,7 @@
         </p:spPr>
         <p:txBody>
           <a:bodyPr>
-            <a:normAutofit/>
+            <a:normAutofit lnSpcReduction="10000"/>
           </a:bodyPr>
           <a:lstStyle/>
           <a:p>
@@ -5436,6 +5555,32 @@
             </a:pPr>
             <a:r>
               <a:rPr lang="de-DE" sz="3200" dirty="0" smtClean="0"/>
+              <a:t>Das Projekt</a:t>
+            </a:r>
+          </a:p>
+          <a:p>
+            <a:pPr marL="1022985" lvl="3" indent="-457200">
+              <a:lnSpc>
+                <a:spcPct val="150000"/>
+              </a:lnSpc>
+              <a:buFont typeface="Courier New" panose="02070309020205020404" pitchFamily="49" charset="0"/>
+              <a:buChar char="o"/>
+            </a:pPr>
+            <a:r>
+              <a:rPr lang="de-DE" sz="2000" dirty="0" smtClean="0"/>
+              <a:t>Metriken</a:t>
+            </a:r>
+          </a:p>
+          <a:p>
+            <a:pPr marL="1022985" lvl="3" indent="-457200">
+              <a:lnSpc>
+                <a:spcPct val="150000"/>
+              </a:lnSpc>
+              <a:buFont typeface="Courier New" panose="02070309020205020404" pitchFamily="49" charset="0"/>
+              <a:buChar char="o"/>
+            </a:pPr>
+            <a:r>
+              <a:rPr lang="de-DE" sz="2000" dirty="0" smtClean="0"/>
               <a:t>Views</a:t>
             </a:r>
           </a:p>
@@ -5488,27 +5633,8 @@
             </a:pPr>
             <a:r>
               <a:rPr lang="de-DE" sz="2000" dirty="0" smtClean="0"/>
-              <a:t>Performance</a:t>
-            </a:r>
-          </a:p>
-          <a:p>
-            <a:pPr marL="898525" lvl="2" indent="-363538">
-              <a:lnSpc>
-                <a:spcPct val="150000"/>
-              </a:lnSpc>
-              <a:buFont typeface="Courier New" pitchFamily="49" charset="0"/>
-              <a:buChar char="o"/>
-            </a:pPr>
-            <a:r>
-              <a:rPr lang="de-DE" sz="2000" dirty="0" smtClean="0"/>
-              <a:t>Nebenläufigkeit</a:t>
-            </a:r>
-          </a:p>
-          <a:p>
-            <a:pPr lvl="1">
-              <a:buFont typeface="Arial" pitchFamily="34" charset="0"/>
-              <a:buChar char="•"/>
-            </a:pPr>
+              <a:t>Performanz</a:t>
+            </a:r>
             <a:endParaRPr lang="de-DE" sz="3200" dirty="0" smtClean="0"/>
           </a:p>
           <a:p>
@@ -5534,7 +5660,7 @@
             <a:fld id="{63BA7107-135F-4272-B660-DC5C627C7572}" type="datetime1">
               <a:rPr lang="de-DE" smtClean="0"/>
               <a:pPr/>
-              <a:t>15.06.2015</a:t>
+              <a:t>17.06.2015</a:t>
             </a:fld>
             <a:endParaRPr lang="en-US" dirty="0"/>
           </a:p>
@@ -5733,15 +5859,7 @@
             </a:pPr>
             <a:r>
               <a:rPr lang="de-DE" sz="3200" dirty="0" smtClean="0"/>
-              <a:t>Z</a:t>
-            </a:r>
-            <a:r>
-              <a:rPr lang="de-DE" sz="3200" dirty="0" smtClean="0"/>
-              <a:t>wei </a:t>
-            </a:r>
-            <a:r>
-              <a:rPr lang="de-DE" sz="3200" dirty="0" smtClean="0"/>
-              <a:t>Personen</a:t>
+              <a:t>Zwei Personen</a:t>
             </a:r>
             <a:endParaRPr lang="de-DE" sz="2000" dirty="0" smtClean="0"/>
           </a:p>
@@ -5775,7 +5893,7 @@
             <a:fld id="{5BBF3383-53D5-432D-AF13-3F33FADF3634}" type="datetime1">
               <a:rPr lang="de-DE" smtClean="0"/>
               <a:pPr/>
-              <a:t>15.06.2015</a:t>
+              <a:t>17.06.2015</a:t>
             </a:fld>
             <a:endParaRPr lang="en-US" dirty="0"/>
           </a:p>
@@ -5932,13 +6050,8 @@
             </a:pPr>
             <a:r>
               <a:rPr lang="de-DE" sz="3200" dirty="0" smtClean="0"/>
-              <a:t>Mit </a:t>
-            </a:r>
-            <a:r>
-              <a:rPr lang="de-DE" sz="3200" dirty="0" smtClean="0"/>
-              <a:t>Lösungs-Hinweisen</a:t>
-            </a:r>
-            <a:endParaRPr lang="de-DE" sz="3200" dirty="0" smtClean="0"/>
+              <a:t>Mit Lösungs-Hinweisen</a:t>
+            </a:r>
           </a:p>
           <a:p>
             <a:pPr lvl="1">
@@ -6005,7 +6118,7 @@
             <a:fld id="{D8E9E448-2B95-4BAB-A070-BBA0EF87464D}" type="datetime1">
               <a:rPr lang="de-DE" smtClean="0"/>
               <a:pPr/>
-              <a:t>15.06.2015</a:t>
+              <a:t>17.06.2015</a:t>
             </a:fld>
             <a:endParaRPr lang="en-US" dirty="0"/>
           </a:p>
@@ -6090,114 +6203,13 @@
           <a:chExt cx="0" cy="0"/>
         </a:xfrm>
       </p:grpSpPr>
-      <p:sp>
-        <p:nvSpPr>
-          <p:cNvPr id="2" name="Titel 1"/>
-          <p:cNvSpPr>
-            <a:spLocks noGrp="1"/>
-          </p:cNvSpPr>
-          <p:nvPr>
-            <p:ph type="title"/>
-          </p:nvPr>
-        </p:nvSpPr>
-        <p:spPr>
-          <a:xfrm>
-            <a:off x="822959" y="286604"/>
-            <a:ext cx="5422857" cy="865921"/>
-          </a:xfrm>
-        </p:spPr>
-        <p:txBody>
-          <a:bodyPr/>
-          <a:lstStyle/>
-          <a:p>
-            <a:r>
-              <a:rPr lang="de-DE" b="1" dirty="0" smtClean="0"/>
-              <a:t>Das Projekt</a:t>
-            </a:r>
-            <a:endParaRPr lang="de-DE" b="1" dirty="0"/>
-          </a:p>
-        </p:txBody>
-      </p:sp>
-      <p:sp>
-        <p:nvSpPr>
-          <p:cNvPr id="7" name="Datumsplatzhalter 6"/>
-          <p:cNvSpPr>
-            <a:spLocks noGrp="1"/>
-          </p:cNvSpPr>
-          <p:nvPr>
-            <p:ph type="dt" sz="half" idx="10"/>
-          </p:nvPr>
-        </p:nvSpPr>
-        <p:spPr/>
-        <p:txBody>
-          <a:bodyPr/>
-          <a:lstStyle/>
-          <a:p>
-            <a:fld id="{EEF01910-E735-476D-980E-B979AA991A9A}" type="datetime1">
-              <a:rPr lang="de-DE" smtClean="0"/>
-              <a:pPr/>
-              <a:t>15.06.2015</a:t>
-            </a:fld>
-            <a:endParaRPr lang="en-US" dirty="0"/>
-          </a:p>
-        </p:txBody>
-      </p:sp>
-      <p:sp>
-        <p:nvSpPr>
-          <p:cNvPr id="8" name="Foliennummernplatzhalter 7"/>
-          <p:cNvSpPr>
-            <a:spLocks noGrp="1"/>
-          </p:cNvSpPr>
-          <p:nvPr>
-            <p:ph type="sldNum" sz="quarter" idx="12"/>
-          </p:nvPr>
-        </p:nvSpPr>
-        <p:spPr/>
-        <p:txBody>
-          <a:bodyPr/>
-          <a:lstStyle/>
-          <a:p>
-            <a:fld id="{4FAB73BC-B049-4115-A692-8D63A059BFB8}" type="slidenum">
-              <a:rPr lang="en-US" smtClean="0"/>
-              <a:pPr/>
-              <a:t>5</a:t>
-            </a:fld>
-            <a:endParaRPr lang="en-US" dirty="0"/>
-          </a:p>
-        </p:txBody>
-      </p:sp>
-      <p:sp>
-        <p:nvSpPr>
-          <p:cNvPr id="9" name="Fußzeilenplatzhalter 8"/>
-          <p:cNvSpPr>
-            <a:spLocks noGrp="1"/>
-          </p:cNvSpPr>
-          <p:nvPr>
-            <p:ph type="ftr" sz="quarter" idx="11"/>
-          </p:nvPr>
-        </p:nvSpPr>
-        <p:spPr/>
-        <p:txBody>
-          <a:bodyPr/>
-          <a:lstStyle/>
-          <a:p>
-            <a:r>
-              <a:rPr lang="en-US" smtClean="0"/>
-              <a:t>Software Architektur Präsentation - SS2015</a:t>
-            </a:r>
-            <a:endParaRPr lang="en-US" dirty="0"/>
-          </a:p>
-        </p:txBody>
-      </p:sp>
       <p:pic>
         <p:nvPicPr>
-          <p:cNvPr id="2050" name="Picture 2"/>
+          <p:cNvPr id="11" name="Picture 2"/>
           <p:cNvPicPr>
-            <a:picLocks noGrp="1" noChangeAspect="1" noChangeArrowheads="1"/>
+            <a:picLocks noChangeAspect="1" noChangeArrowheads="1"/>
           </p:cNvPicPr>
-          <p:nvPr>
-            <p:ph idx="1"/>
-          </p:nvPr>
+          <p:nvPr/>
         </p:nvPicPr>
         <p:blipFill>
           <a:blip r:embed="rId2"/>
@@ -6208,24 +6220,120 @@
         </p:blipFill>
         <p:spPr bwMode="auto">
           <a:xfrm>
-            <a:off x="913439" y="4512614"/>
-            <a:ext cx="4591933" cy="1469086"/>
+            <a:off x="1791333" y="3909048"/>
+            <a:ext cx="2447925" cy="2392500"/>
           </a:xfrm>
           <a:prstGeom prst="rect">
             <a:avLst/>
           </a:prstGeom>
-          <a:ln>
+          <a:noFill/>
+          <a:ln w="9525">
             <a:noFill/>
+            <a:miter lim="800000"/>
+            <a:headEnd/>
+            <a:tailEnd/>
           </a:ln>
-          <a:effectLst>
-            <a:outerShdw blurRad="292100" dist="139700" dir="2700000" algn="tl" rotWithShape="0">
-              <a:srgbClr val="333333">
-                <a:alpha val="65000"/>
-              </a:srgbClr>
-            </a:outerShdw>
-          </a:effectLst>
         </p:spPr>
       </p:pic>
+      <p:sp>
+        <p:nvSpPr>
+          <p:cNvPr id="2" name="Titel 1"/>
+          <p:cNvSpPr>
+            <a:spLocks noGrp="1"/>
+          </p:cNvSpPr>
+          <p:nvPr>
+            <p:ph type="title"/>
+          </p:nvPr>
+        </p:nvSpPr>
+        <p:spPr>
+          <a:xfrm>
+            <a:off x="822959" y="286604"/>
+            <a:ext cx="5422857" cy="865921"/>
+          </a:xfrm>
+        </p:spPr>
+        <p:txBody>
+          <a:bodyPr/>
+          <a:lstStyle/>
+          <a:p>
+            <a:r>
+              <a:rPr lang="de-DE" b="1" dirty="0" smtClean="0"/>
+              <a:t>Das Projekt</a:t>
+            </a:r>
+            <a:endParaRPr lang="de-DE" b="1" dirty="0"/>
+          </a:p>
+        </p:txBody>
+      </p:sp>
+      <p:sp>
+        <p:nvSpPr>
+          <p:cNvPr id="7" name="Datumsplatzhalter 6"/>
+          <p:cNvSpPr>
+            <a:spLocks noGrp="1"/>
+          </p:cNvSpPr>
+          <p:nvPr>
+            <p:ph type="dt" sz="half" idx="10"/>
+          </p:nvPr>
+        </p:nvSpPr>
+        <p:spPr/>
+        <p:txBody>
+          <a:bodyPr/>
+          <a:lstStyle/>
+          <a:p>
+            <a:fld id="{EEF01910-E735-476D-980E-B979AA991A9A}" type="datetime1">
+              <a:rPr lang="de-DE" smtClean="0"/>
+              <a:pPr/>
+              <a:t>17.06.2015</a:t>
+            </a:fld>
+            <a:endParaRPr lang="en-US" dirty="0"/>
+          </a:p>
+        </p:txBody>
+      </p:sp>
+      <p:sp>
+        <p:nvSpPr>
+          <p:cNvPr id="8" name="Foliennummernplatzhalter 7"/>
+          <p:cNvSpPr>
+            <a:spLocks noGrp="1"/>
+          </p:cNvSpPr>
+          <p:nvPr>
+            <p:ph type="sldNum" sz="quarter" idx="12"/>
+          </p:nvPr>
+        </p:nvSpPr>
+        <p:spPr/>
+        <p:txBody>
+          <a:bodyPr/>
+          <a:lstStyle/>
+          <a:p>
+            <a:fld id="{4FAB73BC-B049-4115-A692-8D63A059BFB8}" type="slidenum">
+              <a:rPr lang="en-US" smtClean="0"/>
+              <a:pPr/>
+              <a:t>5</a:t>
+            </a:fld>
+            <a:endParaRPr lang="en-US" dirty="0"/>
+          </a:p>
+        </p:txBody>
+      </p:sp>
+      <p:sp>
+        <p:nvSpPr>
+          <p:cNvPr id="9" name="Fußzeilenplatzhalter 8"/>
+          <p:cNvSpPr>
+            <a:spLocks noGrp="1"/>
+          </p:cNvSpPr>
+          <p:nvPr>
+            <p:ph type="ftr" sz="quarter" idx="11"/>
+          </p:nvPr>
+        </p:nvSpPr>
+        <p:spPr/>
+        <p:txBody>
+          <a:bodyPr/>
+          <a:lstStyle/>
+          <a:p>
+            <a:r>
+              <a:rPr lang="en-US" smtClean="0"/>
+              <a:t>Software Architektur Präsentation - SS2015</a:t>
+            </a:r>
+            <a:endParaRPr lang="en-US" dirty="0"/>
+          </a:p>
+        </p:txBody>
+      </p:sp>
       <p:pic>
         <p:nvPicPr>
           <p:cNvPr id="2051" name="Picture 3"/>
@@ -6243,8 +6351,8 @@
         </p:blipFill>
         <p:spPr bwMode="auto">
           <a:xfrm>
-            <a:off x="5866108" y="1294753"/>
-            <a:ext cx="2706392" cy="4662106"/>
+            <a:off x="5692346" y="1294752"/>
+            <a:ext cx="2880154" cy="4961433"/>
           </a:xfrm>
           <a:prstGeom prst="rect">
             <a:avLst/>
@@ -6278,8 +6386,8 @@
         </p:blipFill>
         <p:spPr bwMode="auto">
           <a:xfrm>
-            <a:off x="906706" y="1295381"/>
-            <a:ext cx="4572001" cy="2779281"/>
+            <a:off x="906707" y="1295381"/>
+            <a:ext cx="4039255" cy="2455429"/>
           </a:xfrm>
           <a:prstGeom prst="rect">
             <a:avLst/>
@@ -6328,38 +6436,6 @@
           <a:chExt cx="0" cy="0"/>
         </a:xfrm>
       </p:grpSpPr>
-      <p:pic>
-        <p:nvPicPr>
-          <p:cNvPr id="1026" name="Picture 2"/>
-          <p:cNvPicPr>
-            <a:picLocks noChangeAspect="1" noChangeArrowheads="1"/>
-          </p:cNvPicPr>
-          <p:nvPr/>
-        </p:nvPicPr>
-        <p:blipFill>
-          <a:blip r:embed="rId2"/>
-          <a:srcRect/>
-          <a:stretch>
-            <a:fillRect/>
-          </a:stretch>
-        </p:blipFill>
-        <p:spPr bwMode="auto">
-          <a:xfrm>
-            <a:off x="5661770" y="3909048"/>
-            <a:ext cx="2447925" cy="2392500"/>
-          </a:xfrm>
-          <a:prstGeom prst="rect">
-            <a:avLst/>
-          </a:prstGeom>
-          <a:noFill/>
-          <a:ln w="9525">
-            <a:noFill/>
-            <a:miter lim="800000"/>
-            <a:headEnd/>
-            <a:tailEnd/>
-          </a:ln>
-        </p:spPr>
-      </p:pic>
       <p:sp>
         <p:nvSpPr>
           <p:cNvPr id="2" name="Titel 1"/>
@@ -6382,7 +6458,7 @@
           <a:p>
             <a:r>
               <a:rPr lang="de-DE" b="1" dirty="0" smtClean="0"/>
-              <a:t>Das Projekt</a:t>
+              <a:t>Metriken</a:t>
             </a:r>
             <a:endParaRPr lang="de-DE" b="1" dirty="0"/>
           </a:p>
@@ -6406,7 +6482,7 @@
             <a:fld id="{EEF01910-E735-476D-980E-B979AA991A9A}" type="datetime1">
               <a:rPr lang="de-DE" smtClean="0"/>
               <a:pPr/>
-              <a:t>15.06.2015</a:t>
+              <a:t>17.06.2015</a:t>
             </a:fld>
             <a:endParaRPr lang="en-US" dirty="0"/>
           </a:p>
@@ -6468,14 +6544,14 @@
           <p:nvPr/>
         </p:nvPicPr>
         <p:blipFill rotWithShape="1">
-          <a:blip r:embed="rId3"/>
+          <a:blip r:embed="rId2"/>
           <a:srcRect l="53846" r="6934" b="8272"/>
           <a:stretch/>
         </p:blipFill>
         <p:spPr>
           <a:xfrm>
-            <a:off x="629288" y="1403986"/>
-            <a:ext cx="3552879" cy="4196714"/>
+            <a:off x="629288" y="1403985"/>
+            <a:ext cx="3917998" cy="4640541"/>
           </a:xfrm>
           <a:prstGeom prst="rect">
             <a:avLst/>
@@ -6501,14 +6577,14 @@
           <p:nvPr/>
         </p:nvPicPr>
         <p:blipFill rotWithShape="1">
-          <a:blip r:embed="rId3"/>
+          <a:blip r:embed="rId2"/>
           <a:srcRect l="7367" r="58397" b="55895"/>
           <a:stretch/>
         </p:blipFill>
         <p:spPr>
           <a:xfrm>
-            <a:off x="4838700" y="1394461"/>
-            <a:ext cx="3289300" cy="2314022"/>
+            <a:off x="4838700" y="1394460"/>
+            <a:ext cx="3738152" cy="2629789"/>
           </a:xfrm>
           <a:prstGeom prst="rect">
             <a:avLst/>
@@ -6527,40 +6603,42 @@
       </p:pic>
       <p:pic>
         <p:nvPicPr>
-          <p:cNvPr id="1027" name="Picture 3"/>
+          <p:cNvPr id="3" name="Grafik 2"/>
           <p:cNvPicPr>
-            <a:picLocks noChangeAspect="1" noChangeArrowheads="1"/>
+            <a:picLocks noChangeAspect="1"/>
           </p:cNvPicPr>
           <p:nvPr/>
         </p:nvPicPr>
         <p:blipFill>
-          <a:blip r:embed="rId4"/>
-          <a:srcRect/>
+          <a:blip r:embed="rId3"/>
           <a:stretch>
             <a:fillRect/>
           </a:stretch>
         </p:blipFill>
-        <p:spPr bwMode="auto">
-          <a:xfrm>
-            <a:off x="241190" y="5715967"/>
-            <a:ext cx="5143500" cy="571500"/>
+        <p:spPr>
+          <a:xfrm>
+            <a:off x="4851914" y="4503351"/>
+            <a:ext cx="3724938" cy="1541175"/>
           </a:xfrm>
           <a:prstGeom prst="rect">
             <a:avLst/>
           </a:prstGeom>
-          <a:noFill/>
-          <a:ln w="9525">
+          <a:ln>
             <a:noFill/>
-            <a:miter lim="800000"/>
-            <a:headEnd/>
-            <a:tailEnd/>
           </a:ln>
+          <a:effectLst>
+            <a:outerShdw blurRad="292100" dist="139700" dir="2700000" algn="tl" rotWithShape="0">
+              <a:srgbClr val="333333">
+                <a:alpha val="65000"/>
+              </a:srgbClr>
+            </a:outerShdw>
+          </a:effectLst>
         </p:spPr>
       </p:pic>
     </p:spTree>
     <p:extLst>
       <p:ext uri="{BB962C8B-B14F-4D97-AF65-F5344CB8AC3E}">
-        <p14:creationId xmlns="" xmlns:p14="http://schemas.microsoft.com/office/powerpoint/2010/main" val="2405948166"/>
+        <p14:creationId xmlns:p14="http://schemas.microsoft.com/office/powerpoint/2010/main" val="2405948166"/>
       </p:ext>
     </p:extLst>
   </p:cSld>
@@ -6640,7 +6718,7 @@
             <a:fld id="{EEF01910-E735-476D-980E-B979AA991A9A}" type="datetime1">
               <a:rPr lang="de-DE" smtClean="0"/>
               <a:pPr/>
-              <a:t>15.06.2015</a:t>
+              <a:t>17.06.2015</a:t>
             </a:fld>
             <a:endParaRPr lang="en-US" dirty="0"/>
           </a:p>
@@ -6876,7 +6954,7 @@
             <a:fld id="{EEF01910-E735-476D-980E-B979AA991A9A}" type="datetime1">
               <a:rPr lang="de-DE" smtClean="0"/>
               <a:pPr/>
-              <a:t>15.06.2015</a:t>
+              <a:t>17.06.2015</a:t>
             </a:fld>
             <a:endParaRPr lang="en-US" dirty="0"/>
           </a:p>
@@ -7035,23 +7113,22 @@
       </p:pic>
       <p:pic>
         <p:nvPicPr>
-          <p:cNvPr id="6147" name="Picture 3"/>
+          <p:cNvPr id="4" name="Grafik 3"/>
           <p:cNvPicPr>
-            <a:picLocks noChangeAspect="1" noChangeArrowheads="1"/>
+            <a:picLocks noChangeAspect="1"/>
           </p:cNvPicPr>
           <p:nvPr/>
         </p:nvPicPr>
         <p:blipFill>
           <a:blip r:embed="rId5"/>
-          <a:srcRect/>
           <a:stretch>
             <a:fillRect/>
           </a:stretch>
         </p:blipFill>
-        <p:spPr bwMode="auto">
-          <a:xfrm>
-            <a:off x="4883150" y="5473700"/>
-            <a:ext cx="2470150" cy="647908"/>
+        <p:spPr>
+          <a:xfrm>
+            <a:off x="5156261" y="5555498"/>
+            <a:ext cx="2333625" cy="542925"/>
           </a:xfrm>
           <a:prstGeom prst="rect">
             <a:avLst/>
@@ -7146,7 +7223,7 @@
             <a:fld id="{EEF01910-E735-476D-980E-B979AA991A9A}" type="datetime1">
               <a:rPr lang="de-DE" smtClean="0"/>
               <a:pPr/>
-              <a:t>15.06.2015</a:t>
+              <a:t>17.06.2015</a:t>
             </a:fld>
             <a:endParaRPr lang="en-US" dirty="0"/>
           </a:p>
@@ -7216,8 +7293,8 @@
         </p:blipFill>
         <p:spPr bwMode="auto">
           <a:xfrm>
-            <a:off x="5351434" y="1438355"/>
-            <a:ext cx="3187329" cy="4600495"/>
+            <a:off x="5343197" y="1294118"/>
+            <a:ext cx="2573483" cy="3714488"/>
           </a:xfrm>
           <a:prstGeom prst="rect">
             <a:avLst/>
@@ -7242,17 +7319,49 @@
           </p:cNvPicPr>
           <p:nvPr/>
         </p:nvPicPr>
+        <p:blipFill rotWithShape="1">
+          <a:blip r:embed="rId3"/>
+          <a:srcRect t="-20" b="3840"/>
+          <a:stretch/>
+        </p:blipFill>
+        <p:spPr bwMode="auto">
+          <a:xfrm>
+            <a:off x="1243401" y="1293341"/>
+            <a:ext cx="3625163" cy="3715265"/>
+          </a:xfrm>
+          <a:prstGeom prst="rect">
+            <a:avLst/>
+          </a:prstGeom>
+          <a:ln>
+            <a:noFill/>
+          </a:ln>
+          <a:effectLst>
+            <a:outerShdw blurRad="292100" dist="139700" dir="2700000" algn="tl" rotWithShape="0">
+              <a:srgbClr val="333333">
+                <a:alpha val="65000"/>
+              </a:srgbClr>
+            </a:outerShdw>
+          </a:effectLst>
+        </p:spPr>
+      </p:pic>
+      <p:pic>
+        <p:nvPicPr>
+          <p:cNvPr id="3" name="Grafik 2"/>
+          <p:cNvPicPr>
+            <a:picLocks noChangeAspect="1"/>
+          </p:cNvPicPr>
+          <p:nvPr/>
+        </p:nvPicPr>
         <p:blipFill>
-          <a:blip r:embed="rId3"/>
-          <a:srcRect/>
+          <a:blip r:embed="rId4"/>
           <a:stretch>
             <a:fillRect/>
           </a:stretch>
         </p:blipFill>
-        <p:spPr bwMode="auto">
-          <a:xfrm>
-            <a:off x="666751" y="1434160"/>
-            <a:ext cx="4267200" cy="4597400"/>
+        <p:spPr>
+          <a:xfrm>
+            <a:off x="1243401" y="5260117"/>
+            <a:ext cx="6673279" cy="819150"/>
           </a:xfrm>
           <a:prstGeom prst="rect">
             <a:avLst/>
@@ -7561,7 +7670,7 @@
   <a:extraClrSchemeLst/>
   <a:extLst>
     <a:ext uri="{05A4C25C-085E-4340-85A3-A5531E510DB2}">
-      <thm15:themeFamily xmlns="" xmlns:thm15="http://schemas.microsoft.com/office/thememl/2012/main" name="Retrospect" id="{5F128B03-DCCA-4EEB-AB3B-CF2899314A46}" vid="{9CC26709-368C-4D72-9060-94E5B3FF3CD6}"/>
+      <thm15:themeFamily xmlns:thm15="http://schemas.microsoft.com/office/thememl/2012/main" name="Retrospect" id="{5F128B03-DCCA-4EEB-AB3B-CF2899314A46}" vid="{9CC26709-368C-4D72-9060-94E5B3FF3CD6}"/>
     </a:ext>
   </a:extLst>
 </a:theme>
@@ -7822,7 +7931,7 @@
   <a:extraClrSchemeLst/>
   <a:extLst>
     <a:ext uri="{05A4C25C-085E-4340-85A3-A5531E510DB2}">
-      <thm15:themeFamily xmlns="" xmlns:thm15="http://schemas.microsoft.com/office/thememl/2012/main" name="Office Theme" id="{62F939B6-93AF-4DB8-9C6B-D6C7DFDC589F}" vid="{4A3C46E8-61CC-4603-A589-7422A47A8E4A}"/>
+      <thm15:themeFamily xmlns:thm15="http://schemas.microsoft.com/office/thememl/2012/main" name="Office Theme" id="{62F939B6-93AF-4DB8-9C6B-D6C7DFDC589F}" vid="{4A3C46E8-61CC-4603-A589-7422A47A8E4A}"/>
     </a:ext>
   </a:extLst>
 </a:theme>

--- a/de.htwg.se.mastermind/Presentation.pptx
+++ b/de.htwg.se.mastermind/Presentation.pptx
@@ -5,7 +5,7 @@
     <p:sldMasterId id="2147483910" r:id="rId1"/>
   </p:sldMasterIdLst>
   <p:notesMasterIdLst>
-    <p:notesMasterId r:id="rId15"/>
+    <p:notesMasterId r:id="rId16"/>
   </p:notesMasterIdLst>
   <p:sldIdLst>
     <p:sldId id="256" r:id="rId2"/>
@@ -20,7 +20,8 @@
     <p:sldId id="272" r:id="rId11"/>
     <p:sldId id="271" r:id="rId12"/>
     <p:sldId id="270" r:id="rId13"/>
-    <p:sldId id="259" r:id="rId14"/>
+    <p:sldId id="273" r:id="rId14"/>
+    <p:sldId id="259" r:id="rId15"/>
   </p:sldIdLst>
   <p:sldSz cx="9144000" cy="6858000" type="screen4x3"/>
   <p:notesSz cx="6858000" cy="9144000"/>
@@ -221,7 +222,7 @@
             <a:fld id="{F54E8837-5039-41ED-B9BC-F738B3360D64}" type="datetimeFigureOut">
               <a:rPr lang="de-DE"/>
               <a:pPr/>
-              <a:t>17.06.2015</a:t>
+              <a:t>30.06.2015</a:t>
             </a:fld>
             <a:endParaRPr lang="de-DE"/>
           </a:p>
@@ -806,7 +807,7 @@
             <a:fld id="{0D4B5BC9-8E77-47C1-BB89-20F126E111F0}" type="datetime1">
               <a:rPr lang="de-DE" smtClean="0"/>
               <a:pPr/>
-              <a:t>17.06.2015</a:t>
+              <a:t>30.06.2015</a:t>
             </a:fld>
             <a:endParaRPr lang="en-US" dirty="0"/>
           </a:p>
@@ -1020,7 +1021,7 @@
             <a:fld id="{A2845164-0F48-4D58-B7D4-F4224632171D}" type="datetime1">
               <a:rPr lang="de-DE" smtClean="0"/>
               <a:pPr/>
-              <a:t>17.06.2015</a:t>
+              <a:t>30.06.2015</a:t>
             </a:fld>
             <a:endParaRPr lang="en-US" dirty="0"/>
           </a:p>
@@ -1282,7 +1283,7 @@
             <a:fld id="{8EF85F82-E37F-4540-9E40-2E79E2DC6ADE}" type="datetime1">
               <a:rPr lang="de-DE" smtClean="0"/>
               <a:pPr/>
-              <a:t>17.06.2015</a:t>
+              <a:t>30.06.2015</a:t>
             </a:fld>
             <a:endParaRPr lang="en-US" dirty="0"/>
           </a:p>
@@ -1411,7 +1412,7 @@
             <a:fld id="{2DDC997A-E1DE-4642-AA4B-BD3883EA8A23}" type="datetime1">
               <a:rPr lang="de-DE" smtClean="0"/>
               <a:pPr/>
-              <a:t>17.06.2015</a:t>
+              <a:t>30.06.2015</a:t>
             </a:fld>
             <a:endParaRPr lang="en-US" dirty="0"/>
           </a:p>
@@ -1902,7 +1903,7 @@
             <a:fld id="{141039BF-75AD-47B6-B2FE-BB857E5D9596}" type="datetime1">
               <a:rPr lang="de-DE" smtClean="0"/>
               <a:pPr/>
-              <a:t>17.06.2015</a:t>
+              <a:t>30.06.2015</a:t>
             </a:fld>
             <a:endParaRPr lang="en-US" dirty="0"/>
           </a:p>
@@ -2183,7 +2184,7 @@
             <a:fld id="{B15BAFC3-9A23-4666-959E-5E36FCD086E7}" type="datetime1">
               <a:rPr lang="de-DE" smtClean="0"/>
               <a:pPr/>
-              <a:t>17.06.2015</a:t>
+              <a:t>30.06.2015</a:t>
             </a:fld>
             <a:endParaRPr lang="en-US" dirty="0"/>
           </a:p>
@@ -2568,7 +2569,7 @@
             <a:fld id="{7B1B55BF-9CD9-4994-BA1F-02E2FBCEB918}" type="datetime1">
               <a:rPr lang="de-DE" smtClean="0"/>
               <a:pPr/>
-              <a:t>17.06.2015</a:t>
+              <a:t>30.06.2015</a:t>
             </a:fld>
             <a:endParaRPr lang="en-US" dirty="0"/>
           </a:p>
@@ -2692,7 +2693,7 @@
             <a:fld id="{62E82DC3-09E8-4BD8-8ECB-4DF739DA760C}" type="datetime1">
               <a:rPr lang="de-DE" smtClean="0"/>
               <a:pPr/>
-              <a:t>17.06.2015</a:t>
+              <a:t>30.06.2015</a:t>
             </a:fld>
             <a:endParaRPr lang="en-US" dirty="0"/>
           </a:p>
@@ -2869,7 +2870,7 @@
             <a:fld id="{C73792DA-8F94-40B7-AFAB-167201D2BB07}" type="datetime1">
               <a:rPr lang="de-DE" smtClean="0"/>
               <a:pPr/>
-              <a:t>17.06.2015</a:t>
+              <a:t>30.06.2015</a:t>
             </a:fld>
             <a:endParaRPr lang="en-US" dirty="0"/>
           </a:p>
@@ -3229,7 +3230,7 @@
             <a:fld id="{71D88CAB-D144-4121-B0BA-48F74F2AA981}" type="datetime1">
               <a:rPr lang="de-DE" smtClean="0"/>
               <a:pPr/>
-              <a:t>17.06.2015</a:t>
+              <a:t>30.06.2015</a:t>
             </a:fld>
             <a:endParaRPr lang="en-US" dirty="0"/>
           </a:p>
@@ -3612,7 +3613,7 @@
             <a:fld id="{E19CC5BD-B0D2-499F-8B44-F84F9D4B93DC}" type="datetime1">
               <a:rPr lang="de-DE" smtClean="0"/>
               <a:pPr/>
-              <a:t>17.06.2015</a:t>
+              <a:t>30.06.2015</a:t>
             </a:fld>
             <a:endParaRPr lang="en-US" dirty="0"/>
           </a:p>
@@ -3905,7 +3906,7 @@
             <a:fld id="{87470D16-1792-4024-B1D2-A0A5F9C1C36F}" type="datetime1">
               <a:rPr lang="de-DE" smtClean="0"/>
               <a:pPr/>
-              <a:t>17.06.2015</a:t>
+              <a:t>30.06.2015</a:t>
             </a:fld>
             <a:endParaRPr lang="en-US" dirty="0"/>
           </a:p>
@@ -4613,7 +4614,7 @@
             <a:fld id="{EEF01910-E735-476D-980E-B979AA991A9A}" type="datetime1">
               <a:rPr lang="de-DE" smtClean="0"/>
               <a:pPr/>
-              <a:t>17.06.2015</a:t>
+              <a:t>30.06.2015</a:t>
             </a:fld>
             <a:endParaRPr lang="en-US" dirty="0"/>
           </a:p>
@@ -4821,7 +4822,7 @@
             <a:fld id="{EEF01910-E735-476D-980E-B979AA991A9A}" type="datetime1">
               <a:rPr lang="de-DE" smtClean="0"/>
               <a:pPr/>
-              <a:t>17.06.2015</a:t>
+              <a:t>30.06.2015</a:t>
             </a:fld>
             <a:endParaRPr lang="en-US" dirty="0"/>
           </a:p>
@@ -5029,7 +5030,7 @@
             <a:fld id="{EEF01910-E735-476D-980E-B979AA991A9A}" type="datetime1">
               <a:rPr lang="de-DE" smtClean="0"/>
               <a:pPr/>
-              <a:t>17.06.2015</a:t>
+              <a:t>30.06.2015</a:t>
             </a:fld>
             <a:endParaRPr lang="en-US" dirty="0"/>
           </a:p>
@@ -5351,59 +5352,53 @@
             <p:ph type="title"/>
           </p:nvPr>
         </p:nvSpPr>
+        <p:spPr>
+          <a:xfrm>
+            <a:off x="822959" y="286604"/>
+            <a:ext cx="6128031" cy="865921"/>
+          </a:xfrm>
+        </p:spPr>
+        <p:txBody>
+          <a:bodyPr>
+            <a:normAutofit fontScale="90000"/>
+          </a:bodyPr>
+          <a:lstStyle/>
+          <a:p>
+            <a:r>
+              <a:rPr lang="de-DE" b="1" dirty="0" smtClean="0"/>
+              <a:t>Lastetest WUI (mit </a:t>
+            </a:r>
+            <a:r>
+              <a:rPr lang="de-DE" b="1" dirty="0" err="1" smtClean="0"/>
+              <a:t>JMeter</a:t>
+            </a:r>
+            <a:r>
+              <a:rPr lang="de-DE" b="1" dirty="0" smtClean="0"/>
+              <a:t>)</a:t>
+            </a:r>
+            <a:endParaRPr lang="de-DE" b="1" dirty="0"/>
+          </a:p>
+        </p:txBody>
+      </p:sp>
+      <p:sp>
+        <p:nvSpPr>
+          <p:cNvPr id="7" name="Datumsplatzhalter 6"/>
+          <p:cNvSpPr>
+            <a:spLocks noGrp="1"/>
+          </p:cNvSpPr>
+          <p:nvPr>
+            <p:ph type="dt" sz="half" idx="10"/>
+          </p:nvPr>
+        </p:nvSpPr>
         <p:spPr/>
         <p:txBody>
-          <a:bodyPr>
-            <a:normAutofit/>
-          </a:bodyPr>
-          <a:lstStyle/>
-          <a:p>
-            <a:r>
-              <a:rPr lang="de-DE" sz="5400" b="1" dirty="0" smtClean="0"/>
-              <a:t>Vielen Dank für Ihre Aufmerksamkeit</a:t>
-            </a:r>
-            <a:endParaRPr lang="de-DE" sz="5400" b="1" dirty="0"/>
-          </a:p>
-        </p:txBody>
-      </p:sp>
-      <p:sp>
-        <p:nvSpPr>
-          <p:cNvPr id="3" name="Textplatzhalter 2"/>
-          <p:cNvSpPr>
-            <a:spLocks noGrp="1"/>
-          </p:cNvSpPr>
-          <p:nvPr>
-            <p:ph type="body" idx="1"/>
-          </p:nvPr>
-        </p:nvSpPr>
-        <p:spPr/>
-        <p:txBody>
-          <a:bodyPr/>
-          <a:lstStyle/>
-          <a:p>
-            <a:endParaRPr lang="de-DE" dirty="0"/>
-          </a:p>
-        </p:txBody>
-      </p:sp>
-      <p:sp>
-        <p:nvSpPr>
-          <p:cNvPr id="5" name="Datumsplatzhalter 4"/>
-          <p:cNvSpPr>
-            <a:spLocks noGrp="1"/>
-          </p:cNvSpPr>
-          <p:nvPr>
-            <p:ph type="dt" sz="half" idx="10"/>
-          </p:nvPr>
-        </p:nvSpPr>
-        <p:spPr/>
-        <p:txBody>
-          <a:bodyPr/>
-          <a:lstStyle/>
-          <a:p>
-            <a:fld id="{14D1886A-1E1A-4BBA-8E28-CE7DA8C564DE}" type="datetime1">
+          <a:bodyPr/>
+          <a:lstStyle/>
+          <a:p>
+            <a:fld id="{EEF01910-E735-476D-980E-B979AA991A9A}" type="datetime1">
               <a:rPr lang="de-DE" smtClean="0"/>
               <a:pPr/>
-              <a:t>17.06.2015</a:t>
+              <a:t>30.06.2015</a:t>
             </a:fld>
             <a:endParaRPr lang="en-US" dirty="0"/>
           </a:p>
@@ -5411,7 +5406,7 @@
       </p:sp>
       <p:sp>
         <p:nvSpPr>
-          <p:cNvPr id="6" name="Foliennummernplatzhalter 5"/>
+          <p:cNvPr id="8" name="Foliennummernplatzhalter 7"/>
           <p:cNvSpPr>
             <a:spLocks noGrp="1"/>
           </p:cNvSpPr>
@@ -5428,6 +5423,218 @@
               <a:rPr lang="en-US" smtClean="0"/>
               <a:pPr/>
               <a:t>13</a:t>
+            </a:fld>
+            <a:endParaRPr lang="en-US" dirty="0"/>
+          </a:p>
+        </p:txBody>
+      </p:sp>
+      <p:sp>
+        <p:nvSpPr>
+          <p:cNvPr id="9" name="Fußzeilenplatzhalter 8"/>
+          <p:cNvSpPr>
+            <a:spLocks noGrp="1"/>
+          </p:cNvSpPr>
+          <p:nvPr>
+            <p:ph type="ftr" sz="quarter" idx="11"/>
+          </p:nvPr>
+        </p:nvSpPr>
+        <p:spPr/>
+        <p:txBody>
+          <a:bodyPr/>
+          <a:lstStyle/>
+          <a:p>
+            <a:r>
+              <a:rPr lang="en-US" smtClean="0"/>
+              <a:t>Software Architektur Präsentation - SS2015</a:t>
+            </a:r>
+            <a:endParaRPr lang="en-US" dirty="0"/>
+          </a:p>
+        </p:txBody>
+      </p:sp>
+      <p:pic>
+        <p:nvPicPr>
+          <p:cNvPr id="3" name="Grafik 2"/>
+          <p:cNvPicPr>
+            <a:picLocks noChangeAspect="1"/>
+          </p:cNvPicPr>
+          <p:nvPr/>
+        </p:nvPicPr>
+        <p:blipFill>
+          <a:blip r:embed="rId2">
+            <a:extLst>
+              <a:ext uri="{28A0092B-C50C-407E-A947-70E740481C1C}">
+                <a14:useLocalDpi xmlns:a14="http://schemas.microsoft.com/office/drawing/2010/main" val="0"/>
+              </a:ext>
+            </a:extLst>
+          </a:blip>
+          <a:stretch>
+            <a:fillRect/>
+          </a:stretch>
+        </p:blipFill>
+        <p:spPr>
+          <a:xfrm>
+            <a:off x="667265" y="1224412"/>
+            <a:ext cx="6601563" cy="1386983"/>
+          </a:xfrm>
+          <a:prstGeom prst="rect">
+            <a:avLst/>
+          </a:prstGeom>
+        </p:spPr>
+      </p:pic>
+      <p:pic>
+        <p:nvPicPr>
+          <p:cNvPr id="4" name="Grafik 3"/>
+          <p:cNvPicPr>
+            <a:picLocks noChangeAspect="1"/>
+          </p:cNvPicPr>
+          <p:nvPr/>
+        </p:nvPicPr>
+        <p:blipFill>
+          <a:blip r:embed="rId3">
+            <a:extLst>
+              <a:ext uri="{28A0092B-C50C-407E-A947-70E740481C1C}">
+                <a14:useLocalDpi xmlns:a14="http://schemas.microsoft.com/office/drawing/2010/main" val="0"/>
+              </a:ext>
+            </a:extLst>
+          </a:blip>
+          <a:stretch>
+            <a:fillRect/>
+          </a:stretch>
+        </p:blipFill>
+        <p:spPr>
+          <a:xfrm>
+            <a:off x="1054225" y="2683282"/>
+            <a:ext cx="5896765" cy="3584923"/>
+          </a:xfrm>
+          <a:prstGeom prst="rect">
+            <a:avLst/>
+          </a:prstGeom>
+        </p:spPr>
+      </p:pic>
+    </p:spTree>
+    <p:extLst>
+      <p:ext uri="{BB962C8B-B14F-4D97-AF65-F5344CB8AC3E}">
+        <p14:creationId xmlns:p14="http://schemas.microsoft.com/office/powerpoint/2010/main" val="1385582777"/>
+      </p:ext>
+    </p:extLst>
+  </p:cSld>
+  <p:clrMapOvr>
+    <a:masterClrMapping/>
+  </p:clrMapOvr>
+  <p:timing>
+    <p:tnLst>
+      <p:par>
+        <p:cTn id="1" dur="indefinite" restart="never" nodeType="tmRoot"/>
+      </p:par>
+    </p:tnLst>
+  </p:timing>
+</p:sld>
+</file>
+
+<file path=ppt/slides/slide14.xml><?xml version="1.0" encoding="utf-8"?>
+<p:sld xmlns:a="http://schemas.openxmlformats.org/drawingml/2006/main" xmlns:r="http://schemas.openxmlformats.org/officeDocument/2006/relationships" xmlns:p="http://schemas.openxmlformats.org/presentationml/2006/main">
+  <p:cSld>
+    <p:spTree>
+      <p:nvGrpSpPr>
+        <p:cNvPr id="1" name=""/>
+        <p:cNvGrpSpPr/>
+        <p:nvPr/>
+      </p:nvGrpSpPr>
+      <p:grpSpPr>
+        <a:xfrm>
+          <a:off x="0" y="0"/>
+          <a:ext cx="0" cy="0"/>
+          <a:chOff x="0" y="0"/>
+          <a:chExt cx="0" cy="0"/>
+        </a:xfrm>
+      </p:grpSpPr>
+      <p:sp>
+        <p:nvSpPr>
+          <p:cNvPr id="2" name="Titel 1"/>
+          <p:cNvSpPr>
+            <a:spLocks noGrp="1"/>
+          </p:cNvSpPr>
+          <p:nvPr>
+            <p:ph type="title"/>
+          </p:nvPr>
+        </p:nvSpPr>
+        <p:spPr/>
+        <p:txBody>
+          <a:bodyPr>
+            <a:normAutofit/>
+          </a:bodyPr>
+          <a:lstStyle/>
+          <a:p>
+            <a:r>
+              <a:rPr lang="de-DE" sz="5400" b="1" dirty="0" smtClean="0"/>
+              <a:t>Vielen Dank für Ihre Aufmerksamkeit</a:t>
+            </a:r>
+            <a:endParaRPr lang="de-DE" sz="5400" b="1" dirty="0"/>
+          </a:p>
+        </p:txBody>
+      </p:sp>
+      <p:sp>
+        <p:nvSpPr>
+          <p:cNvPr id="3" name="Textplatzhalter 2"/>
+          <p:cNvSpPr>
+            <a:spLocks noGrp="1"/>
+          </p:cNvSpPr>
+          <p:nvPr>
+            <p:ph type="body" idx="1"/>
+          </p:nvPr>
+        </p:nvSpPr>
+        <p:spPr/>
+        <p:txBody>
+          <a:bodyPr/>
+          <a:lstStyle/>
+          <a:p>
+            <a:endParaRPr lang="de-DE" dirty="0"/>
+          </a:p>
+        </p:txBody>
+      </p:sp>
+      <p:sp>
+        <p:nvSpPr>
+          <p:cNvPr id="5" name="Datumsplatzhalter 4"/>
+          <p:cNvSpPr>
+            <a:spLocks noGrp="1"/>
+          </p:cNvSpPr>
+          <p:nvPr>
+            <p:ph type="dt" sz="half" idx="10"/>
+          </p:nvPr>
+        </p:nvSpPr>
+        <p:spPr/>
+        <p:txBody>
+          <a:bodyPr/>
+          <a:lstStyle/>
+          <a:p>
+            <a:fld id="{14D1886A-1E1A-4BBA-8E28-CE7DA8C564DE}" type="datetime1">
+              <a:rPr lang="de-DE" smtClean="0"/>
+              <a:pPr/>
+              <a:t>30.06.2015</a:t>
+            </a:fld>
+            <a:endParaRPr lang="en-US" dirty="0"/>
+          </a:p>
+        </p:txBody>
+      </p:sp>
+      <p:sp>
+        <p:nvSpPr>
+          <p:cNvPr id="6" name="Foliennummernplatzhalter 5"/>
+          <p:cNvSpPr>
+            <a:spLocks noGrp="1"/>
+          </p:cNvSpPr>
+          <p:nvPr>
+            <p:ph type="sldNum" sz="quarter" idx="12"/>
+          </p:nvPr>
+        </p:nvSpPr>
+        <p:spPr/>
+        <p:txBody>
+          <a:bodyPr/>
+          <a:lstStyle/>
+          <a:p>
+            <a:fld id="{4FAB73BC-B049-4115-A692-8D63A059BFB8}" type="slidenum">
+              <a:rPr lang="en-US" smtClean="0"/>
+              <a:pPr/>
+              <a:t>14</a:t>
             </a:fld>
             <a:endParaRPr lang="en-US" dirty="0"/>
           </a:p>
@@ -5529,7 +5736,7 @@
         </p:spPr>
         <p:txBody>
           <a:bodyPr>
-            <a:normAutofit lnSpcReduction="10000"/>
+            <a:normAutofit fontScale="92500" lnSpcReduction="10000"/>
           </a:bodyPr>
           <a:lstStyle/>
           <a:p>
@@ -5568,7 +5775,7 @@
             </a:pPr>
             <a:r>
               <a:rPr lang="de-DE" sz="2000" dirty="0" smtClean="0"/>
-              <a:t>Metriken</a:t>
+              <a:t>Architektur</a:t>
             </a:r>
           </a:p>
           <a:p>
@@ -5581,6 +5788,20 @@
             </a:pPr>
             <a:r>
               <a:rPr lang="de-DE" sz="2000" dirty="0" smtClean="0"/>
+              <a:t>Metriken</a:t>
+            </a:r>
+            <a:endParaRPr lang="de-DE" sz="2000" dirty="0" smtClean="0"/>
+          </a:p>
+          <a:p>
+            <a:pPr marL="1022985" lvl="3" indent="-457200">
+              <a:lnSpc>
+                <a:spcPct val="150000"/>
+              </a:lnSpc>
+              <a:buFont typeface="Courier New" panose="02070309020205020404" pitchFamily="49" charset="0"/>
+              <a:buChar char="o"/>
+            </a:pPr>
+            <a:r>
+              <a:rPr lang="de-DE" sz="2000" dirty="0" smtClean="0"/>
               <a:t>Views</a:t>
             </a:r>
           </a:p>
@@ -5660,7 +5881,7 @@
             <a:fld id="{63BA7107-135F-4272-B660-DC5C627C7572}" type="datetime1">
               <a:rPr lang="de-DE" smtClean="0"/>
               <a:pPr/>
-              <a:t>17.06.2015</a:t>
+              <a:t>30.06.2015</a:t>
             </a:fld>
             <a:endParaRPr lang="en-US" dirty="0"/>
           </a:p>
@@ -5893,7 +6114,7 @@
             <a:fld id="{5BBF3383-53D5-432D-AF13-3F33FADF3634}" type="datetime1">
               <a:rPr lang="de-DE" smtClean="0"/>
               <a:pPr/>
-              <a:t>17.06.2015</a:t>
+              <a:t>30.06.2015</a:t>
             </a:fld>
             <a:endParaRPr lang="en-US" dirty="0"/>
           </a:p>
@@ -6019,12 +6240,12 @@
         <p:spPr>
           <a:xfrm>
             <a:off x="822960" y="1407584"/>
-            <a:ext cx="5082540" cy="4431080"/>
+            <a:ext cx="5082540" cy="4245100"/>
           </a:xfrm>
         </p:spPr>
         <p:txBody>
           <a:bodyPr>
-            <a:normAutofit/>
+            <a:normAutofit fontScale="77500" lnSpcReduction="20000"/>
           </a:bodyPr>
           <a:lstStyle/>
           <a:p>
@@ -6037,7 +6258,7 @@
             </a:pPr>
             <a:r>
               <a:rPr lang="de-DE" sz="3200" dirty="0" smtClean="0"/>
-              <a:t>Farbkombination erraten</a:t>
+              <a:t>7 verschiedene Farben</a:t>
             </a:r>
           </a:p>
           <a:p>
@@ -6050,8 +6271,71 @@
             </a:pPr>
             <a:r>
               <a:rPr lang="de-DE" sz="3200" dirty="0" smtClean="0"/>
-              <a:t>Mit Lösungs-Hinweisen</a:t>
-            </a:r>
+              <a:t>Computer wählt 4 davon aus</a:t>
+            </a:r>
+            <a:endParaRPr lang="de-DE" sz="3200" dirty="0" smtClean="0"/>
+          </a:p>
+          <a:p>
+            <a:pPr marL="534988" lvl="1" indent="-334963">
+              <a:lnSpc>
+                <a:spcPct val="200000"/>
+              </a:lnSpc>
+              <a:buFont typeface="Arial" pitchFamily="34" charset="0"/>
+              <a:buChar char="•"/>
+            </a:pPr>
+            <a:r>
+              <a:rPr lang="de-DE" sz="3200" dirty="0" smtClean="0"/>
+              <a:t>Ziel: Farbkombination erraten</a:t>
+            </a:r>
+            <a:endParaRPr lang="de-DE" sz="3200" dirty="0" smtClean="0"/>
+          </a:p>
+          <a:p>
+            <a:pPr marL="534988" lvl="1" indent="-334963">
+              <a:lnSpc>
+                <a:spcPct val="200000"/>
+              </a:lnSpc>
+              <a:buFont typeface="Arial" pitchFamily="34" charset="0"/>
+              <a:buChar char="•"/>
+            </a:pPr>
+            <a:r>
+              <a:rPr lang="de-DE" sz="3200" dirty="0" smtClean="0"/>
+              <a:t>Mit </a:t>
+            </a:r>
+            <a:r>
+              <a:rPr lang="de-DE" sz="3200" dirty="0" smtClean="0"/>
+              <a:t>Lösungs-Hinweisen</a:t>
+            </a:r>
+          </a:p>
+          <a:p>
+            <a:pPr marL="542925" lvl="1" indent="-342900">
+              <a:lnSpc>
+                <a:spcPct val="200000"/>
+              </a:lnSpc>
+              <a:buFontTx/>
+              <a:buChar char="-"/>
+            </a:pPr>
+            <a:r>
+              <a:rPr lang="de-DE" sz="1900" dirty="0" smtClean="0"/>
+              <a:t>Weiß: Richtige Farbe an falscher Position</a:t>
+            </a:r>
+          </a:p>
+          <a:p>
+            <a:pPr marL="542925" lvl="1" indent="-342900">
+              <a:lnSpc>
+                <a:spcPct val="200000"/>
+              </a:lnSpc>
+              <a:buFontTx/>
+              <a:buChar char="-"/>
+            </a:pPr>
+            <a:r>
+              <a:rPr lang="de-DE" sz="1900" dirty="0" smtClean="0"/>
+              <a:t>Schwarz: Richtige Farbe an richtiger Position</a:t>
+            </a:r>
+            <a:r>
+              <a:rPr lang="de-DE" sz="1900" dirty="0" smtClean="0"/>
+              <a:t> </a:t>
+            </a:r>
+            <a:endParaRPr lang="de-DE" sz="1900" dirty="0" smtClean="0"/>
           </a:p>
           <a:p>
             <a:pPr lvl="1">
@@ -6118,7 +6402,7 @@
             <a:fld id="{D8E9E448-2B95-4BAB-A070-BBA0EF87464D}" type="datetime1">
               <a:rPr lang="de-DE" smtClean="0"/>
               <a:pPr/>
-              <a:t>17.06.2015</a:t>
+              <a:t>30.06.2015</a:t>
             </a:fld>
             <a:endParaRPr lang="en-US" dirty="0"/>
           </a:p>
@@ -6281,7 +6565,7 @@
             <a:fld id="{EEF01910-E735-476D-980E-B979AA991A9A}" type="datetime1">
               <a:rPr lang="de-DE" smtClean="0"/>
               <a:pPr/>
-              <a:t>17.06.2015</a:t>
+              <a:t>30.06.2015</a:t>
             </a:fld>
             <a:endParaRPr lang="en-US" dirty="0"/>
           </a:p>
@@ -6371,37 +6655,26 @@
       </p:pic>
       <p:pic>
         <p:nvPicPr>
-          <p:cNvPr id="10" name="Picture 2"/>
+          <p:cNvPr id="3" name="Grafik 2"/>
           <p:cNvPicPr>
-            <a:picLocks noChangeAspect="1" noChangeArrowheads="1"/>
+            <a:picLocks noChangeAspect="1"/>
           </p:cNvPicPr>
           <p:nvPr/>
         </p:nvPicPr>
         <p:blipFill>
           <a:blip r:embed="rId4"/>
-          <a:srcRect/>
           <a:stretch>
             <a:fillRect/>
           </a:stretch>
         </p:blipFill>
-        <p:spPr bwMode="auto">
-          <a:xfrm>
-            <a:off x="906707" y="1295381"/>
-            <a:ext cx="4039255" cy="2455429"/>
+        <p:spPr>
+          <a:xfrm>
+            <a:off x="581364" y="1189748"/>
+            <a:ext cx="4366550" cy="2682076"/>
           </a:xfrm>
           <a:prstGeom prst="rect">
             <a:avLst/>
           </a:prstGeom>
-          <a:ln>
-            <a:noFill/>
-          </a:ln>
-          <a:effectLst>
-            <a:outerShdw blurRad="292100" dist="139700" dir="2700000" algn="tl" rotWithShape="0">
-              <a:srgbClr val="333333">
-                <a:alpha val="65000"/>
-              </a:srgbClr>
-            </a:outerShdw>
-          </a:effectLst>
         </p:spPr>
       </p:pic>
     </p:spTree>
@@ -6482,7 +6755,7 @@
             <a:fld id="{EEF01910-E735-476D-980E-B979AA991A9A}" type="datetime1">
               <a:rPr lang="de-DE" smtClean="0"/>
               <a:pPr/>
-              <a:t>17.06.2015</a:t>
+              <a:t>30.06.2015</a:t>
             </a:fld>
             <a:endParaRPr lang="en-US" dirty="0"/>
           </a:p>
@@ -6537,21 +6810,22 @@
       </p:sp>
       <p:pic>
         <p:nvPicPr>
-          <p:cNvPr id="4" name="Grafik 3"/>
+          <p:cNvPr id="3" name="Grafik 2"/>
           <p:cNvPicPr>
             <a:picLocks noChangeAspect="1"/>
           </p:cNvPicPr>
           <p:nvPr/>
         </p:nvPicPr>
-        <p:blipFill rotWithShape="1">
+        <p:blipFill>
           <a:blip r:embed="rId2"/>
-          <a:srcRect l="53846" r="6934" b="8272"/>
-          <a:stretch/>
+          <a:stretch>
+            <a:fillRect/>
+          </a:stretch>
         </p:blipFill>
         <p:spPr>
           <a:xfrm>
-            <a:off x="629288" y="1403985"/>
-            <a:ext cx="3917998" cy="4640541"/>
+            <a:off x="4851914" y="4503351"/>
+            <a:ext cx="3724938" cy="1541175"/>
           </a:xfrm>
           <a:prstGeom prst="rect">
             <a:avLst/>
@@ -6570,40 +6844,7 @@
       </p:pic>
       <p:pic>
         <p:nvPicPr>
-          <p:cNvPr id="11" name="Grafik 10"/>
-          <p:cNvPicPr>
-            <a:picLocks noChangeAspect="1"/>
-          </p:cNvPicPr>
-          <p:nvPr/>
-        </p:nvPicPr>
-        <p:blipFill rotWithShape="1">
-          <a:blip r:embed="rId2"/>
-          <a:srcRect l="7367" r="58397" b="55895"/>
-          <a:stretch/>
-        </p:blipFill>
-        <p:spPr>
-          <a:xfrm>
-            <a:off x="4838700" y="1394460"/>
-            <a:ext cx="3738152" cy="2629789"/>
-          </a:xfrm>
-          <a:prstGeom prst="rect">
-            <a:avLst/>
-          </a:prstGeom>
-          <a:ln>
-            <a:noFill/>
-          </a:ln>
-          <a:effectLst>
-            <a:outerShdw blurRad="292100" dist="139700" dir="2700000" algn="tl" rotWithShape="0">
-              <a:srgbClr val="333333">
-                <a:alpha val="65000"/>
-              </a:srgbClr>
-            </a:outerShdw>
-          </a:effectLst>
-        </p:spPr>
-      </p:pic>
-      <p:pic>
-        <p:nvPicPr>
-          <p:cNvPr id="3" name="Grafik 2"/>
+          <p:cNvPr id="5" name="Grafik 4"/>
           <p:cNvPicPr>
             <a:picLocks noChangeAspect="1"/>
           </p:cNvPicPr>
@@ -6617,22 +6858,36 @@
         </p:blipFill>
         <p:spPr>
           <a:xfrm>
-            <a:off x="4851914" y="4503351"/>
-            <a:ext cx="3724938" cy="1541175"/>
+            <a:off x="386751" y="1394460"/>
+            <a:ext cx="4287627" cy="4421454"/>
           </a:xfrm>
           <a:prstGeom prst="rect">
             <a:avLst/>
           </a:prstGeom>
-          <a:ln>
-            <a:noFill/>
-          </a:ln>
-          <a:effectLst>
-            <a:outerShdw blurRad="292100" dist="139700" dir="2700000" algn="tl" rotWithShape="0">
-              <a:srgbClr val="333333">
-                <a:alpha val="65000"/>
-              </a:srgbClr>
-            </a:outerShdw>
-          </a:effectLst>
+        </p:spPr>
+      </p:pic>
+      <p:pic>
+        <p:nvPicPr>
+          <p:cNvPr id="6" name="Grafik 5"/>
+          <p:cNvPicPr>
+            <a:picLocks noChangeAspect="1"/>
+          </p:cNvPicPr>
+          <p:nvPr/>
+        </p:nvPicPr>
+        <p:blipFill>
+          <a:blip r:embed="rId4"/>
+          <a:stretch>
+            <a:fillRect/>
+          </a:stretch>
+        </p:blipFill>
+        <p:spPr>
+          <a:xfrm>
+            <a:off x="4674378" y="1330973"/>
+            <a:ext cx="4127414" cy="2528506"/>
+          </a:xfrm>
+          <a:prstGeom prst="rect">
+            <a:avLst/>
+          </a:prstGeom>
         </p:spPr>
       </p:pic>
     </p:spTree>
@@ -6718,7 +6973,7 @@
             <a:fld id="{EEF01910-E735-476D-980E-B979AA991A9A}" type="datetime1">
               <a:rPr lang="de-DE" smtClean="0"/>
               <a:pPr/>
-              <a:t>17.06.2015</a:t>
+              <a:t>30.06.2015</a:t>
             </a:fld>
             <a:endParaRPr lang="en-US" dirty="0"/>
           </a:p>
@@ -6954,7 +7209,7 @@
             <a:fld id="{EEF01910-E735-476D-980E-B979AA991A9A}" type="datetime1">
               <a:rPr lang="de-DE" smtClean="0"/>
               <a:pPr/>
-              <a:t>17.06.2015</a:t>
+              <a:t>30.06.2015</a:t>
             </a:fld>
             <a:endParaRPr lang="en-US" dirty="0"/>
           </a:p>
@@ -7223,7 +7478,7 @@
             <a:fld id="{EEF01910-E735-476D-980E-B979AA991A9A}" type="datetime1">
               <a:rPr lang="de-DE" smtClean="0"/>
               <a:pPr/>
-              <a:t>17.06.2015</a:t>
+              <a:t>30.06.2015</a:t>
             </a:fld>
             <a:endParaRPr lang="en-US" dirty="0"/>
           </a:p>

--- a/de.htwg.se.mastermind/Presentation.pptx
+++ b/de.htwg.se.mastermind/Presentation.pptx
@@ -5790,7 +5790,6 @@
               <a:rPr lang="de-DE" sz="2000" dirty="0" smtClean="0"/>
               <a:t>Metriken</a:t>
             </a:r>
-            <a:endParaRPr lang="de-DE" sz="2000" dirty="0" smtClean="0"/>
           </a:p>
           <a:p>
             <a:pPr marL="1022985" lvl="3" indent="-457200">
@@ -6273,7 +6272,6 @@
               <a:rPr lang="de-DE" sz="3200" dirty="0" smtClean="0"/>
               <a:t>Computer wählt 4 davon aus</a:t>
             </a:r>
-            <a:endParaRPr lang="de-DE" sz="3200" dirty="0" smtClean="0"/>
           </a:p>
           <a:p>
             <a:pPr marL="534988" lvl="1" indent="-334963">
@@ -6287,7 +6285,6 @@
               <a:rPr lang="de-DE" sz="3200" dirty="0" smtClean="0"/>
               <a:t>Ziel: Farbkombination erraten</a:t>
             </a:r>
-            <a:endParaRPr lang="de-DE" sz="3200" dirty="0" smtClean="0"/>
           </a:p>
           <a:p>
             <a:pPr marL="534988" lvl="1" indent="-334963">
@@ -6299,11 +6296,7 @@
             </a:pPr>
             <a:r>
               <a:rPr lang="de-DE" sz="3200" dirty="0" smtClean="0"/>
-              <a:t>Mit </a:t>
-            </a:r>
-            <a:r>
-              <a:rPr lang="de-DE" sz="3200" dirty="0" smtClean="0"/>
-              <a:t>Lösungs-Hinweisen</a:t>
+              <a:t>Mit Lösungs-Hinweisen</a:t>
             </a:r>
           </a:p>
           <a:p>
@@ -6329,13 +6322,8 @@
             </a:pPr>
             <a:r>
               <a:rPr lang="de-DE" sz="1900" dirty="0" smtClean="0"/>
-              <a:t>Schwarz: Richtige Farbe an richtiger Position</a:t>
-            </a:r>
-            <a:r>
-              <a:rPr lang="de-DE" sz="1900" dirty="0" smtClean="0"/>
-              <a:t> </a:t>
-            </a:r>
-            <a:endParaRPr lang="de-DE" sz="1900" dirty="0" smtClean="0"/>
+              <a:t>Schwarz: Richtige Farbe an richtiger Position </a:t>
+            </a:r>
           </a:p>
           <a:p>
             <a:pPr lvl="1">
@@ -6349,112 +6337,101 @@
           </a:p>
         </p:txBody>
       </p:sp>
+      <p:sp>
+        <p:nvSpPr>
+          <p:cNvPr id="6" name="Datumsplatzhalter 5"/>
+          <p:cNvSpPr>
+            <a:spLocks noGrp="1"/>
+          </p:cNvSpPr>
+          <p:nvPr>
+            <p:ph type="dt" sz="half" idx="10"/>
+          </p:nvPr>
+        </p:nvSpPr>
+        <p:spPr/>
+        <p:txBody>
+          <a:bodyPr/>
+          <a:lstStyle/>
+          <a:p>
+            <a:fld id="{D8E9E448-2B95-4BAB-A070-BBA0EF87464D}" type="datetime1">
+              <a:rPr lang="de-DE" smtClean="0"/>
+              <a:pPr/>
+              <a:t>30.06.2015</a:t>
+            </a:fld>
+            <a:endParaRPr lang="en-US" dirty="0"/>
+          </a:p>
+        </p:txBody>
+      </p:sp>
+      <p:sp>
+        <p:nvSpPr>
+          <p:cNvPr id="7" name="Foliennummernplatzhalter 6"/>
+          <p:cNvSpPr>
+            <a:spLocks noGrp="1"/>
+          </p:cNvSpPr>
+          <p:nvPr>
+            <p:ph type="sldNum" sz="quarter" idx="12"/>
+          </p:nvPr>
+        </p:nvSpPr>
+        <p:spPr/>
+        <p:txBody>
+          <a:bodyPr/>
+          <a:lstStyle/>
+          <a:p>
+            <a:fld id="{4FAB73BC-B049-4115-A692-8D63A059BFB8}" type="slidenum">
+              <a:rPr lang="en-US" smtClean="0"/>
+              <a:pPr/>
+              <a:t>4</a:t>
+            </a:fld>
+            <a:endParaRPr lang="en-US" dirty="0"/>
+          </a:p>
+        </p:txBody>
+      </p:sp>
+      <p:sp>
+        <p:nvSpPr>
+          <p:cNvPr id="8" name="Fußzeilenplatzhalter 7"/>
+          <p:cNvSpPr>
+            <a:spLocks noGrp="1"/>
+          </p:cNvSpPr>
+          <p:nvPr>
+            <p:ph type="ftr" sz="quarter" idx="11"/>
+          </p:nvPr>
+        </p:nvSpPr>
+        <p:spPr/>
+        <p:txBody>
+          <a:bodyPr/>
+          <a:lstStyle/>
+          <a:p>
+            <a:r>
+              <a:rPr lang="en-US" smtClean="0"/>
+              <a:t>Software Architektur Präsentation - SS2015</a:t>
+            </a:r>
+            <a:endParaRPr lang="en-US" dirty="0"/>
+          </a:p>
+        </p:txBody>
+      </p:sp>
       <p:pic>
         <p:nvPicPr>
-          <p:cNvPr id="5" name="Picture 2"/>
+          <p:cNvPr id="4" name="Grafik 3"/>
           <p:cNvPicPr>
-            <a:picLocks noChangeAspect="1" noChangeArrowheads="1"/>
+            <a:picLocks noChangeAspect="1"/>
           </p:cNvPicPr>
           <p:nvPr/>
         </p:nvPicPr>
         <p:blipFill>
           <a:blip r:embed="rId2"/>
-          <a:srcRect l="42825" t="11562" r="3041" b="22993"/>
           <a:stretch>
             <a:fillRect/>
           </a:stretch>
         </p:blipFill>
-        <p:spPr bwMode="auto">
-          <a:xfrm>
-            <a:off x="5965371" y="1354611"/>
-            <a:ext cx="2545207" cy="4298073"/>
+        <p:spPr>
+          <a:xfrm>
+            <a:off x="5291158" y="1343282"/>
+            <a:ext cx="3852842" cy="3961885"/>
           </a:xfrm>
           <a:prstGeom prst="rect">
             <a:avLst/>
           </a:prstGeom>
-          <a:ln>
-            <a:noFill/>
-          </a:ln>
-          <a:effectLst>
-            <a:outerShdw blurRad="292100" dist="139700" dir="2700000" algn="tl" rotWithShape="0">
-              <a:srgbClr val="333333">
-                <a:alpha val="65000"/>
-              </a:srgbClr>
-            </a:outerShdw>
-          </a:effectLst>
         </p:spPr>
       </p:pic>
-      <p:sp>
-        <p:nvSpPr>
-          <p:cNvPr id="6" name="Datumsplatzhalter 5"/>
-          <p:cNvSpPr>
-            <a:spLocks noGrp="1"/>
-          </p:cNvSpPr>
-          <p:nvPr>
-            <p:ph type="dt" sz="half" idx="10"/>
-          </p:nvPr>
-        </p:nvSpPr>
-        <p:spPr/>
-        <p:txBody>
-          <a:bodyPr/>
-          <a:lstStyle/>
-          <a:p>
-            <a:fld id="{D8E9E448-2B95-4BAB-A070-BBA0EF87464D}" type="datetime1">
-              <a:rPr lang="de-DE" smtClean="0"/>
-              <a:pPr/>
-              <a:t>30.06.2015</a:t>
-            </a:fld>
-            <a:endParaRPr lang="en-US" dirty="0"/>
-          </a:p>
-        </p:txBody>
-      </p:sp>
-      <p:sp>
-        <p:nvSpPr>
-          <p:cNvPr id="7" name="Foliennummernplatzhalter 6"/>
-          <p:cNvSpPr>
-            <a:spLocks noGrp="1"/>
-          </p:cNvSpPr>
-          <p:nvPr>
-            <p:ph type="sldNum" sz="quarter" idx="12"/>
-          </p:nvPr>
-        </p:nvSpPr>
-        <p:spPr/>
-        <p:txBody>
-          <a:bodyPr/>
-          <a:lstStyle/>
-          <a:p>
-            <a:fld id="{4FAB73BC-B049-4115-A692-8D63A059BFB8}" type="slidenum">
-              <a:rPr lang="en-US" smtClean="0"/>
-              <a:pPr/>
-              <a:t>4</a:t>
-            </a:fld>
-            <a:endParaRPr lang="en-US" dirty="0"/>
-          </a:p>
-        </p:txBody>
-      </p:sp>
-      <p:sp>
-        <p:nvSpPr>
-          <p:cNvPr id="8" name="Fußzeilenplatzhalter 7"/>
-          <p:cNvSpPr>
-            <a:spLocks noGrp="1"/>
-          </p:cNvSpPr>
-          <p:nvPr>
-            <p:ph type="ftr" sz="quarter" idx="11"/>
-          </p:nvPr>
-        </p:nvSpPr>
-        <p:spPr/>
-        <p:txBody>
-          <a:bodyPr/>
-          <a:lstStyle/>
-          <a:p>
-            <a:r>
-              <a:rPr lang="en-US" smtClean="0"/>
-              <a:t>Software Architektur Präsentation - SS2015</a:t>
-            </a:r>
-            <a:endParaRPr lang="en-US" dirty="0"/>
-          </a:p>
-        </p:txBody>
-      </p:sp>
     </p:spTree>
   </p:cSld>
   <p:clrMapOvr>
@@ -7063,7 +7040,7 @@
       </p:pic>
       <p:pic>
         <p:nvPicPr>
-          <p:cNvPr id="11" name="Picture 2"/>
+          <p:cNvPr id="20484" name="Picture 4"/>
           <p:cNvPicPr>
             <a:picLocks noChangeAspect="1" noChangeArrowheads="1"/>
           </p:cNvPicPr>
@@ -7078,8 +7055,8 @@
         </p:blipFill>
         <p:spPr bwMode="auto">
           <a:xfrm>
-            <a:off x="688460" y="1477875"/>
-            <a:ext cx="3312975" cy="4627650"/>
+            <a:off x="4364681" y="3827281"/>
+            <a:ext cx="4151085" cy="2284368"/>
           </a:xfrm>
           <a:prstGeom prst="rect">
             <a:avLst/>
@@ -7098,37 +7075,26 @@
       </p:pic>
       <p:pic>
         <p:nvPicPr>
-          <p:cNvPr id="20484" name="Picture 4"/>
+          <p:cNvPr id="3" name="Grafik 2"/>
           <p:cNvPicPr>
-            <a:picLocks noChangeAspect="1" noChangeArrowheads="1"/>
+            <a:picLocks noChangeAspect="1"/>
           </p:cNvPicPr>
           <p:nvPr/>
         </p:nvPicPr>
         <p:blipFill>
           <a:blip r:embed="rId4"/>
-          <a:srcRect/>
           <a:stretch>
             <a:fillRect/>
           </a:stretch>
         </p:blipFill>
-        <p:spPr bwMode="auto">
-          <a:xfrm>
-            <a:off x="4364681" y="3827281"/>
-            <a:ext cx="4151085" cy="2284368"/>
+        <p:spPr>
+          <a:xfrm>
+            <a:off x="217016" y="1611398"/>
+            <a:ext cx="3981450" cy="4162425"/>
           </a:xfrm>
           <a:prstGeom prst="rect">
             <a:avLst/>
           </a:prstGeom>
-          <a:ln>
-            <a:noFill/>
-          </a:ln>
-          <a:effectLst>
-            <a:outerShdw blurRad="292100" dist="139700" dir="2700000" algn="tl" rotWithShape="0">
-              <a:srgbClr val="333333">
-                <a:alpha val="65000"/>
-              </a:srgbClr>
-            </a:outerShdw>
-          </a:effectLst>
         </p:spPr>
       </p:pic>
     </p:spTree>

--- a/de.htwg.se.mastermind/Presentation.pptx
+++ b/de.htwg.se.mastermind/Presentation.pptx
@@ -122,7 +122,7 @@
   </p:defaultTextStyle>
   <p:extLst>
     <p:ext uri="{EFAFB233-063F-42B5-8137-9DF3F51BA10A}">
-      <p15:sldGuideLst xmlns:p15="http://schemas.microsoft.com/office/powerpoint/2012/main">
+      <p15:sldGuideLst xmlns:p15="http://schemas.microsoft.com/office/powerpoint/2012/main" xmlns="">
         <p15:guide id="1" orient="horz" pos="2160">
           <p15:clr>
             <a:srgbClr val="A4A3A4"/>
@@ -390,7 +390,7 @@
     </p:spTree>
     <p:extLst>
       <p:ext uri="{BB962C8B-B14F-4D97-AF65-F5344CB8AC3E}">
-        <p14:creationId xmlns:p14="http://schemas.microsoft.com/office/powerpoint/2010/main" val="2518394835"/>
+        <p14:creationId xmlns:p14="http://schemas.microsoft.com/office/powerpoint/2010/main" xmlns="" val="2518394835"/>
       </p:ext>
     </p:extLst>
   </p:cSld>
@@ -570,7 +570,7 @@
     </p:spTree>
     <p:extLst>
       <p:ext uri="{BB962C8B-B14F-4D97-AF65-F5344CB8AC3E}">
-        <p14:creationId xmlns:p14="http://schemas.microsoft.com/office/powerpoint/2010/main" val="1482335734"/>
+        <p14:creationId xmlns:p14="http://schemas.microsoft.com/office/powerpoint/2010/main" xmlns="" val="1482335734"/>
       </p:ext>
     </p:extLst>
   </p:cSld>
@@ -901,7 +901,7 @@
     </p:spTree>
     <p:extLst>
       <p:ext uri="{BB962C8B-B14F-4D97-AF65-F5344CB8AC3E}">
-        <p14:creationId xmlns:p14="http://schemas.microsoft.com/office/powerpoint/2010/main" val="1403014083"/>
+        <p14:creationId xmlns:p14="http://schemas.microsoft.com/office/powerpoint/2010/main" xmlns="" val="1403014083"/>
       </p:ext>
     </p:extLst>
   </p:cSld>
@@ -1077,7 +1077,7 @@
     </p:spTree>
     <p:extLst>
       <p:ext uri="{BB962C8B-B14F-4D97-AF65-F5344CB8AC3E}">
-        <p14:creationId xmlns:p14="http://schemas.microsoft.com/office/powerpoint/2010/main" val="2837294888"/>
+        <p14:creationId xmlns:p14="http://schemas.microsoft.com/office/powerpoint/2010/main" xmlns="" val="2837294888"/>
       </p:ext>
     </p:extLst>
   </p:cSld>
@@ -1339,7 +1339,7 @@
     </p:spTree>
     <p:extLst>
       <p:ext uri="{BB962C8B-B14F-4D97-AF65-F5344CB8AC3E}">
-        <p14:creationId xmlns:p14="http://schemas.microsoft.com/office/powerpoint/2010/main" val="2799996821"/>
+        <p14:creationId xmlns:p14="http://schemas.microsoft.com/office/powerpoint/2010/main" xmlns="" val="2799996821"/>
       </p:ext>
     </p:extLst>
   </p:cSld>
@@ -1610,7 +1610,7 @@
     </p:spTree>
     <p:extLst>
       <p:ext uri="{BB962C8B-B14F-4D97-AF65-F5344CB8AC3E}">
-        <p14:creationId xmlns:p14="http://schemas.microsoft.com/office/powerpoint/2010/main" val="3355165293"/>
+        <p14:creationId xmlns:p14="http://schemas.microsoft.com/office/powerpoint/2010/main" xmlns="" val="3355165293"/>
       </p:ext>
     </p:extLst>
   </p:cSld>
@@ -1997,7 +1997,7 @@
     </p:spTree>
     <p:extLst>
       <p:ext uri="{BB962C8B-B14F-4D97-AF65-F5344CB8AC3E}">
-        <p14:creationId xmlns:p14="http://schemas.microsoft.com/office/powerpoint/2010/main" val="2624436341"/>
+        <p14:creationId xmlns:p14="http://schemas.microsoft.com/office/powerpoint/2010/main" xmlns="" val="2624436341"/>
       </p:ext>
     </p:extLst>
   </p:cSld>
@@ -2240,7 +2240,7 @@
     </p:spTree>
     <p:extLst>
       <p:ext uri="{BB962C8B-B14F-4D97-AF65-F5344CB8AC3E}">
-        <p14:creationId xmlns:p14="http://schemas.microsoft.com/office/powerpoint/2010/main" val="3951225455"/>
+        <p14:creationId xmlns:p14="http://schemas.microsoft.com/office/powerpoint/2010/main" xmlns="" val="3951225455"/>
       </p:ext>
     </p:extLst>
   </p:cSld>
@@ -2625,7 +2625,7 @@
     </p:spTree>
     <p:extLst>
       <p:ext uri="{BB962C8B-B14F-4D97-AF65-F5344CB8AC3E}">
-        <p14:creationId xmlns:p14="http://schemas.microsoft.com/office/powerpoint/2010/main" val="2296925755"/>
+        <p14:creationId xmlns:p14="http://schemas.microsoft.com/office/powerpoint/2010/main" xmlns="" val="2296925755"/>
       </p:ext>
     </p:extLst>
   </p:cSld>
@@ -2749,7 +2749,7 @@
     </p:spTree>
     <p:extLst>
       <p:ext uri="{BB962C8B-B14F-4D97-AF65-F5344CB8AC3E}">
-        <p14:creationId xmlns:p14="http://schemas.microsoft.com/office/powerpoint/2010/main" val="856258981"/>
+        <p14:creationId xmlns:p14="http://schemas.microsoft.com/office/powerpoint/2010/main" xmlns="" val="856258981"/>
       </p:ext>
     </p:extLst>
   </p:cSld>
@@ -2934,7 +2934,7 @@
     </p:spTree>
     <p:extLst>
       <p:ext uri="{BB962C8B-B14F-4D97-AF65-F5344CB8AC3E}">
-        <p14:creationId xmlns:p14="http://schemas.microsoft.com/office/powerpoint/2010/main" val="1257413516"/>
+        <p14:creationId xmlns:p14="http://schemas.microsoft.com/office/powerpoint/2010/main" xmlns="" val="1257413516"/>
       </p:ext>
     </p:extLst>
   </p:cSld>
@@ -3307,7 +3307,7 @@
     </p:spTree>
     <p:extLst>
       <p:ext uri="{BB962C8B-B14F-4D97-AF65-F5344CB8AC3E}">
-        <p14:creationId xmlns:p14="http://schemas.microsoft.com/office/powerpoint/2010/main" val="112923765"/>
+        <p14:creationId xmlns:p14="http://schemas.microsoft.com/office/powerpoint/2010/main" xmlns="" val="112923765"/>
       </p:ext>
     </p:extLst>
   </p:cSld>
@@ -3669,7 +3669,7 @@
     </p:spTree>
     <p:extLst>
       <p:ext uri="{BB962C8B-B14F-4D97-AF65-F5344CB8AC3E}">
-        <p14:creationId xmlns:p14="http://schemas.microsoft.com/office/powerpoint/2010/main" val="3348260142"/>
+        <p14:creationId xmlns:p14="http://schemas.microsoft.com/office/powerpoint/2010/main" xmlns="" val="3348260142"/>
       </p:ext>
     </p:extLst>
   </p:cSld>
@@ -4032,7 +4032,7 @@
     </p:spTree>
     <p:extLst>
       <p:ext uri="{BB962C8B-B14F-4D97-AF65-F5344CB8AC3E}">
-        <p14:creationId xmlns:p14="http://schemas.microsoft.com/office/powerpoint/2010/main" val="1039846697"/>
+        <p14:creationId xmlns:p14="http://schemas.microsoft.com/office/powerpoint/2010/main" xmlns="" val="1039846697"/>
       </p:ext>
     </p:extLst>
   </p:cSld>
@@ -4534,7 +4534,7 @@
     </p:spTree>
     <p:extLst>
       <p:ext uri="{BB962C8B-B14F-4D97-AF65-F5344CB8AC3E}">
-        <p14:creationId xmlns:p14="http://schemas.microsoft.com/office/powerpoint/2010/main" val="4100527049"/>
+        <p14:creationId xmlns:p14="http://schemas.microsoft.com/office/powerpoint/2010/main" xmlns="" val="4100527049"/>
       </p:ext>
     </p:extLst>
   </p:cSld>
@@ -4742,7 +4742,7 @@
     </p:spTree>
     <p:extLst>
       <p:ext uri="{BB962C8B-B14F-4D97-AF65-F5344CB8AC3E}">
-        <p14:creationId xmlns:p14="http://schemas.microsoft.com/office/powerpoint/2010/main" val="284628911"/>
+        <p14:creationId xmlns:p14="http://schemas.microsoft.com/office/powerpoint/2010/main" xmlns="" val="284628911"/>
       </p:ext>
     </p:extLst>
   </p:cSld>
@@ -4950,7 +4950,7 @@
     </p:spTree>
     <p:extLst>
       <p:ext uri="{BB962C8B-B14F-4D97-AF65-F5344CB8AC3E}">
-        <p14:creationId xmlns:p14="http://schemas.microsoft.com/office/powerpoint/2010/main" val="346043843"/>
+        <p14:creationId xmlns:p14="http://schemas.microsoft.com/office/powerpoint/2010/main" xmlns="" val="346043843"/>
       </p:ext>
     </p:extLst>
   </p:cSld>
@@ -5118,128 +5118,6 @@
           </a:effectLst>
         </p:spPr>
       </p:pic>
-      <p:sp>
-        <p:nvSpPr>
-          <p:cNvPr id="27651" name="Rectangle 3"/>
-          <p:cNvSpPr>
-            <a:spLocks noChangeArrowheads="1"/>
-          </p:cNvSpPr>
-          <p:nvPr/>
-        </p:nvSpPr>
-        <p:spPr bwMode="auto">
-          <a:xfrm>
-            <a:off x="0" y="0"/>
-            <a:ext cx="9144000" cy="457200"/>
-          </a:xfrm>
-          <a:prstGeom prst="rect">
-            <a:avLst/>
-          </a:prstGeom>
-          <a:solidFill>
-            <a:srgbClr val="2B2B2B"/>
-          </a:solidFill>
-          <a:ln w="9525">
-            <a:noFill/>
-            <a:miter lim="800000"/>
-            <a:headEnd/>
-            <a:tailEnd/>
-          </a:ln>
-          <a:effectLst/>
-        </p:spPr>
-        <p:txBody>
-          <a:bodyPr vert="horz" wrap="none" lIns="91440" tIns="45720" rIns="91440" bIns="45720" numCol="1" anchor="ctr" anchorCtr="0" compatLnSpc="1">
-            <a:prstTxWarp prst="textNoShape">
-              <a:avLst/>
-            </a:prstTxWarp>
-            <a:spAutoFit/>
-          </a:bodyPr>
-          <a:lstStyle/>
-          <a:p>
-            <a:pPr marL="0" marR="0" lvl="0" indent="0" algn="l" defTabSz="914400" rtl="0" eaLnBrk="1" fontAlgn="base" latinLnBrk="0" hangingPunct="1">
-              <a:lnSpc>
-                <a:spcPct val="100000"/>
-              </a:lnSpc>
-              <a:spcBef>
-                <a:spcPct val="0"/>
-              </a:spcBef>
-              <a:spcAft>
-                <a:spcPct val="0"/>
-              </a:spcAft>
-              <a:buClrTx/>
-              <a:buSzTx/>
-              <a:buFontTx/>
-              <a:buNone/>
-              <a:tabLst/>
-            </a:pPr>
-            <a:r>
-              <a:rPr kumimoji="0" lang="de-DE" sz="1000" b="0" i="0" u="none" strike="noStrike" cap="none" normalizeH="0" baseline="0" smtClean="0">
-                <a:ln>
-                  <a:noFill/>
-                </a:ln>
-                <a:solidFill>
-                  <a:srgbClr val="A9B7C6"/>
-                </a:solidFill>
-                <a:effectLst/>
-                <a:latin typeface="Courier New" pitchFamily="49" charset="0"/>
-                <a:cs typeface="Courier New" pitchFamily="49" charset="0"/>
-              </a:rPr>
-              <a:t>sb.append(</a:t>
-            </a:r>
-            <a:r>
-              <a:rPr kumimoji="0" lang="de-DE" sz="1000" b="0" i="0" u="none" strike="noStrike" cap="none" normalizeH="0" baseline="0" smtClean="0">
-                <a:ln>
-                  <a:noFill/>
-                </a:ln>
-                <a:solidFill>
-                  <a:srgbClr val="6A8759"/>
-                </a:solidFill>
-                <a:effectLst/>
-                <a:latin typeface="Courier New" pitchFamily="49" charset="0"/>
-                <a:cs typeface="Courier New" pitchFamily="49" charset="0"/>
-              </a:rPr>
-              <a:t>"+" </a:t>
-            </a:r>
-            <a:r>
-              <a:rPr kumimoji="0" lang="de-DE" sz="1000" b="0" i="0" u="none" strike="noStrike" cap="none" normalizeH="0" baseline="0" smtClean="0">
-                <a:ln>
-                  <a:noFill/>
-                </a:ln>
-                <a:solidFill>
-                  <a:srgbClr val="A9B7C6"/>
-                </a:solidFill>
-                <a:effectLst/>
-                <a:latin typeface="Courier New" pitchFamily="49" charset="0"/>
-                <a:cs typeface="Courier New" pitchFamily="49" charset="0"/>
-              </a:rPr>
-              <a:t>+ newLine)</a:t>
-            </a:r>
-            <a:r>
-              <a:rPr kumimoji="0" lang="de-DE" sz="1000" b="0" i="0" u="none" strike="noStrike" cap="none" normalizeH="0" baseline="0" smtClean="0">
-                <a:ln>
-                  <a:noFill/>
-                </a:ln>
-                <a:solidFill>
-                  <a:srgbClr val="CC7832"/>
-                </a:solidFill>
-                <a:effectLst/>
-                <a:latin typeface="Courier New" pitchFamily="49" charset="0"/>
-                <a:cs typeface="Courier New" pitchFamily="49" charset="0"/>
-              </a:rPr>
-              <a:t>;</a:t>
-            </a:r>
-            <a:endParaRPr kumimoji="0" lang="de-DE" sz="1800" b="0" i="0" u="none" strike="noStrike" cap="none" normalizeH="0" baseline="0" smtClean="0">
-              <a:ln>
-                <a:noFill/>
-              </a:ln>
-              <a:solidFill>
-                <a:schemeClr val="tx1"/>
-              </a:solidFill>
-              <a:effectLst/>
-              <a:latin typeface="Arial" pitchFamily="34" charset="0"/>
-              <a:cs typeface="Arial" pitchFamily="34" charset="0"/>
-            </a:endParaRPr>
-          </a:p>
-        </p:txBody>
-      </p:sp>
       <p:pic>
         <p:nvPicPr>
           <p:cNvPr id="27652" name="Picture 4"/>
@@ -5366,7 +5244,11 @@
           <a:p>
             <a:r>
               <a:rPr lang="de-DE" b="1" dirty="0" smtClean="0"/>
-              <a:t>Lastetest WUI (mit </a:t>
+              <a:t>Aktuelle </a:t>
+            </a:r>
+            <a:r>
+              <a:rPr lang="de-DE" b="1" dirty="0" smtClean="0"/>
+              <a:t>WUI (mit </a:t>
             </a:r>
             <a:r>
               <a:rPr lang="de-DE" b="1" dirty="0" err="1" smtClean="0"/>
@@ -5463,7 +5345,7 @@
           <a:blip r:embed="rId2">
             <a:extLst>
               <a:ext uri="{28A0092B-C50C-407E-A947-70E740481C1C}">
-                <a14:useLocalDpi xmlns:a14="http://schemas.microsoft.com/office/drawing/2010/main" val="0"/>
+                <a14:useLocalDpi xmlns:a14="http://schemas.microsoft.com/office/drawing/2010/main" xmlns="" val="0"/>
               </a:ext>
             </a:extLst>
           </a:blip>
@@ -5493,7 +5375,7 @@
           <a:blip r:embed="rId3">
             <a:extLst>
               <a:ext uri="{28A0092B-C50C-407E-A947-70E740481C1C}">
-                <a14:useLocalDpi xmlns:a14="http://schemas.microsoft.com/office/drawing/2010/main" val="0"/>
+                <a14:useLocalDpi xmlns:a14="http://schemas.microsoft.com/office/drawing/2010/main" xmlns="" val="0"/>
               </a:ext>
             </a:extLst>
           </a:blip>
@@ -5514,7 +5396,7 @@
     </p:spTree>
     <p:extLst>
       <p:ext uri="{BB962C8B-B14F-4D97-AF65-F5344CB8AC3E}">
-        <p14:creationId xmlns:p14="http://schemas.microsoft.com/office/powerpoint/2010/main" val="1385582777"/>
+        <p14:creationId xmlns:p14="http://schemas.microsoft.com/office/powerpoint/2010/main" xmlns="" val="1385582777"/>
       </p:ext>
     </p:extLst>
   </p:cSld>
@@ -6870,7 +6752,7 @@
     </p:spTree>
     <p:extLst>
       <p:ext uri="{BB962C8B-B14F-4D97-AF65-F5344CB8AC3E}">
-        <p14:creationId xmlns:p14="http://schemas.microsoft.com/office/powerpoint/2010/main" val="2405948166"/>
+        <p14:creationId xmlns:p14="http://schemas.microsoft.com/office/powerpoint/2010/main" xmlns="" val="2405948166"/>
       </p:ext>
     </p:extLst>
   </p:cSld>
@@ -7891,7 +7773,7 @@
   <a:extraClrSchemeLst/>
   <a:extLst>
     <a:ext uri="{05A4C25C-085E-4340-85A3-A5531E510DB2}">
-      <thm15:themeFamily xmlns:thm15="http://schemas.microsoft.com/office/thememl/2012/main" name="Retrospect" id="{5F128B03-DCCA-4EEB-AB3B-CF2899314A46}" vid="{9CC26709-368C-4D72-9060-94E5B3FF3CD6}"/>
+      <thm15:themeFamily xmlns:thm15="http://schemas.microsoft.com/office/thememl/2012/main" xmlns="" name="Retrospect" id="{5F128B03-DCCA-4EEB-AB3B-CF2899314A46}" vid="{9CC26709-368C-4D72-9060-94E5B3FF3CD6}"/>
     </a:ext>
   </a:extLst>
 </a:theme>
@@ -8152,7 +8034,7 @@
   <a:extraClrSchemeLst/>
   <a:extLst>
     <a:ext uri="{05A4C25C-085E-4340-85A3-A5531E510DB2}">
-      <thm15:themeFamily xmlns:thm15="http://schemas.microsoft.com/office/thememl/2012/main" name="Office Theme" id="{62F939B6-93AF-4DB8-9C6B-D6C7DFDC589F}" vid="{4A3C46E8-61CC-4603-A589-7422A47A8E4A}"/>
+      <thm15:themeFamily xmlns:thm15="http://schemas.microsoft.com/office/thememl/2012/main" xmlns="" name="Office Theme" id="{62F939B6-93AF-4DB8-9C6B-D6C7DFDC589F}" vid="{4A3C46E8-61CC-4603-A589-7422A47A8E4A}"/>
     </a:ext>
   </a:extLst>
 </a:theme>
